--- a/Slides/10. Vetores.pptx
+++ b/Slides/10. Vetores.pptx
@@ -5,7 +5,7 @@
     <p:sldMasterId id="2147483660" r:id="rId1"/>
   </p:sldMasterIdLst>
   <p:notesMasterIdLst>
-    <p:notesMasterId r:id="rId33"/>
+    <p:notesMasterId r:id="rId32"/>
   </p:notesMasterIdLst>
   <p:sldIdLst>
     <p:sldId id="256" r:id="rId2"/>
@@ -37,8 +37,7 @@
     <p:sldId id="297" r:id="rId28"/>
     <p:sldId id="303" r:id="rId29"/>
     <p:sldId id="304" r:id="rId30"/>
-    <p:sldId id="305" r:id="rId31"/>
-    <p:sldId id="291" r:id="rId32"/>
+    <p:sldId id="291" r:id="rId31"/>
   </p:sldIdLst>
   <p:sldSz cx="12192000" cy="6858000"/>
   <p:notesSz cx="6858000" cy="9144000"/>
@@ -159,7 +158,7 @@
 <file path=ppt/revisionInfo.xml><?xml version="1.0" encoding="utf-8"?>
 <p1510:revInfo xmlns:a="http://schemas.openxmlformats.org/drawingml/2006/main" xmlns:r="http://schemas.openxmlformats.org/officeDocument/2006/relationships" xmlns:p1510="http://schemas.microsoft.com/office/powerpoint/2015/10/main">
   <p1510:revLst>
-    <p1510:client id="{DE6576BC-0BC7-4ABE-B396-05B4C879C96A}" v="12" dt="2019-10-24T19:32:49.159"/>
+    <p1510:client id="{10DB17C9-CFD9-4933-98D9-9151A553522B}" v="42" dt="2021-04-05T19:47:15.760"/>
   </p1510:revLst>
 </p1510:revInfo>
 </file>
@@ -340,6 +339,989 @@
           </ac:spMkLst>
         </pc:spChg>
       </pc:sldChg>
+    </pc:docChg>
+  </pc:docChgLst>
+  <pc:docChgLst>
+    <pc:chgData name="Judson Santiago" userId="ebb108da2f256286" providerId="LiveId" clId="{10DB17C9-CFD9-4933-98D9-9151A553522B}"/>
+    <pc:docChg chg="undo custSel delSld modSld modMainMaster">
+      <pc:chgData name="Judson Santiago" userId="ebb108da2f256286" providerId="LiveId" clId="{10DB17C9-CFD9-4933-98D9-9151A553522B}" dt="2021-04-05T19:50:17.091" v="1354" actId="20577"/>
+      <pc:docMkLst>
+        <pc:docMk/>
+      </pc:docMkLst>
+      <pc:sldChg chg="modSp mod">
+        <pc:chgData name="Judson Santiago" userId="ebb108da2f256286" providerId="LiveId" clId="{10DB17C9-CFD9-4933-98D9-9151A553522B}" dt="2021-04-05T17:51:29.524" v="779" actId="20577"/>
+        <pc:sldMkLst>
+          <pc:docMk/>
+          <pc:sldMk cId="0" sldId="259"/>
+        </pc:sldMkLst>
+        <pc:spChg chg="mod">
+          <ac:chgData name="Judson Santiago" userId="ebb108da2f256286" providerId="LiveId" clId="{10DB17C9-CFD9-4933-98D9-9151A553522B}" dt="2021-04-05T17:51:29.524" v="779" actId="20577"/>
+          <ac:spMkLst>
+            <pc:docMk/>
+            <pc:sldMk cId="0" sldId="259"/>
+            <ac:spMk id="3" creationId="{00000000-0000-0000-0000-000000000000}"/>
+          </ac:spMkLst>
+        </pc:spChg>
+      </pc:sldChg>
+      <pc:sldChg chg="modSp mod modNotesTx">
+        <pc:chgData name="Judson Santiago" userId="ebb108da2f256286" providerId="LiveId" clId="{10DB17C9-CFD9-4933-98D9-9151A553522B}" dt="2021-04-05T18:05:20.177" v="817" actId="20577"/>
+        <pc:sldMkLst>
+          <pc:docMk/>
+          <pc:sldMk cId="0" sldId="263"/>
+        </pc:sldMkLst>
+        <pc:spChg chg="mod">
+          <ac:chgData name="Judson Santiago" userId="ebb108da2f256286" providerId="LiveId" clId="{10DB17C9-CFD9-4933-98D9-9151A553522B}" dt="2021-04-05T18:05:20.177" v="817" actId="20577"/>
+          <ac:spMkLst>
+            <pc:docMk/>
+            <pc:sldMk cId="0" sldId="263"/>
+            <ac:spMk id="3" creationId="{00000000-0000-0000-0000-000000000000}"/>
+          </ac:spMkLst>
+        </pc:spChg>
+      </pc:sldChg>
+      <pc:sldChg chg="addSp delSp modSp mod modNotesTx">
+        <pc:chgData name="Judson Santiago" userId="ebb108da2f256286" providerId="LiveId" clId="{10DB17C9-CFD9-4933-98D9-9151A553522B}" dt="2021-04-05T18:32:51.715" v="1100" actId="20577"/>
+        <pc:sldMkLst>
+          <pc:docMk/>
+          <pc:sldMk cId="0" sldId="265"/>
+        </pc:sldMkLst>
+        <pc:spChg chg="mod">
+          <ac:chgData name="Judson Santiago" userId="ebb108da2f256286" providerId="LiveId" clId="{10DB17C9-CFD9-4933-98D9-9151A553522B}" dt="2021-04-05T00:38:23.375" v="742" actId="14100"/>
+          <ac:spMkLst>
+            <pc:docMk/>
+            <pc:sldMk cId="0" sldId="265"/>
+            <ac:spMk id="12" creationId="{00000000-0000-0000-0000-000000000000}"/>
+          </ac:spMkLst>
+        </pc:spChg>
+        <pc:spChg chg="mod topLvl">
+          <ac:chgData name="Judson Santiago" userId="ebb108da2f256286" providerId="LiveId" clId="{10DB17C9-CFD9-4933-98D9-9151A553522B}" dt="2021-04-05T18:31:33.895" v="987" actId="164"/>
+          <ac:spMkLst>
+            <pc:docMk/>
+            <pc:sldMk cId="0" sldId="265"/>
+            <ac:spMk id="29" creationId="{00000000-0000-0000-0000-000000000000}"/>
+          </ac:spMkLst>
+        </pc:spChg>
+        <pc:spChg chg="mod topLvl">
+          <ac:chgData name="Judson Santiago" userId="ebb108da2f256286" providerId="LiveId" clId="{10DB17C9-CFD9-4933-98D9-9151A553522B}" dt="2021-04-05T18:31:33.895" v="987" actId="164"/>
+          <ac:spMkLst>
+            <pc:docMk/>
+            <pc:sldMk cId="0" sldId="265"/>
+            <ac:spMk id="30" creationId="{00000000-0000-0000-0000-000000000000}"/>
+          </ac:spMkLst>
+        </pc:spChg>
+        <pc:spChg chg="mod topLvl">
+          <ac:chgData name="Judson Santiago" userId="ebb108da2f256286" providerId="LiveId" clId="{10DB17C9-CFD9-4933-98D9-9151A553522B}" dt="2021-04-05T18:31:33.895" v="987" actId="164"/>
+          <ac:spMkLst>
+            <pc:docMk/>
+            <pc:sldMk cId="0" sldId="265"/>
+            <ac:spMk id="31" creationId="{00000000-0000-0000-0000-000000000000}"/>
+          </ac:spMkLst>
+        </pc:spChg>
+        <pc:spChg chg="mod topLvl">
+          <ac:chgData name="Judson Santiago" userId="ebb108da2f256286" providerId="LiveId" clId="{10DB17C9-CFD9-4933-98D9-9151A553522B}" dt="2021-04-05T18:31:33.895" v="987" actId="164"/>
+          <ac:spMkLst>
+            <pc:docMk/>
+            <pc:sldMk cId="0" sldId="265"/>
+            <ac:spMk id="32" creationId="{00000000-0000-0000-0000-000000000000}"/>
+          </ac:spMkLst>
+        </pc:spChg>
+        <pc:spChg chg="mod topLvl">
+          <ac:chgData name="Judson Santiago" userId="ebb108da2f256286" providerId="LiveId" clId="{10DB17C9-CFD9-4933-98D9-9151A553522B}" dt="2021-04-05T18:31:33.895" v="987" actId="164"/>
+          <ac:spMkLst>
+            <pc:docMk/>
+            <pc:sldMk cId="0" sldId="265"/>
+            <ac:spMk id="33" creationId="{00000000-0000-0000-0000-000000000000}"/>
+          </ac:spMkLst>
+        </pc:spChg>
+        <pc:spChg chg="mod topLvl">
+          <ac:chgData name="Judson Santiago" userId="ebb108da2f256286" providerId="LiveId" clId="{10DB17C9-CFD9-4933-98D9-9151A553522B}" dt="2021-04-05T18:31:33.895" v="987" actId="164"/>
+          <ac:spMkLst>
+            <pc:docMk/>
+            <pc:sldMk cId="0" sldId="265"/>
+            <ac:spMk id="34" creationId="{00000000-0000-0000-0000-000000000000}"/>
+          </ac:spMkLst>
+        </pc:spChg>
+        <pc:spChg chg="mod topLvl">
+          <ac:chgData name="Judson Santiago" userId="ebb108da2f256286" providerId="LiveId" clId="{10DB17C9-CFD9-4933-98D9-9151A553522B}" dt="2021-04-05T18:31:33.895" v="987" actId="164"/>
+          <ac:spMkLst>
+            <pc:docMk/>
+            <pc:sldMk cId="0" sldId="265"/>
+            <ac:spMk id="35" creationId="{00000000-0000-0000-0000-000000000000}"/>
+          </ac:spMkLst>
+        </pc:spChg>
+        <pc:spChg chg="mod topLvl">
+          <ac:chgData name="Judson Santiago" userId="ebb108da2f256286" providerId="LiveId" clId="{10DB17C9-CFD9-4933-98D9-9151A553522B}" dt="2021-04-05T18:31:33.895" v="987" actId="164"/>
+          <ac:spMkLst>
+            <pc:docMk/>
+            <pc:sldMk cId="0" sldId="265"/>
+            <ac:spMk id="36" creationId="{00000000-0000-0000-0000-000000000000}"/>
+          </ac:spMkLst>
+        </pc:spChg>
+        <pc:spChg chg="add mod">
+          <ac:chgData name="Judson Santiago" userId="ebb108da2f256286" providerId="LiveId" clId="{10DB17C9-CFD9-4933-98D9-9151A553522B}" dt="2021-04-05T18:31:33.895" v="987" actId="164"/>
+          <ac:spMkLst>
+            <pc:docMk/>
+            <pc:sldMk cId="0" sldId="265"/>
+            <ac:spMk id="37" creationId="{3E009A8C-78C8-4BB4-8853-8C3BECCFBE5A}"/>
+          </ac:spMkLst>
+        </pc:spChg>
+        <pc:spChg chg="mod topLvl">
+          <ac:chgData name="Judson Santiago" userId="ebb108da2f256286" providerId="LiveId" clId="{10DB17C9-CFD9-4933-98D9-9151A553522B}" dt="2021-04-05T18:31:33.895" v="987" actId="164"/>
+          <ac:spMkLst>
+            <pc:docMk/>
+            <pc:sldMk cId="0" sldId="265"/>
+            <ac:spMk id="49" creationId="{00000000-0000-0000-0000-000000000000}"/>
+          </ac:spMkLst>
+        </pc:spChg>
+        <pc:spChg chg="mod topLvl">
+          <ac:chgData name="Judson Santiago" userId="ebb108da2f256286" providerId="LiveId" clId="{10DB17C9-CFD9-4933-98D9-9151A553522B}" dt="2021-04-05T18:31:33.895" v="987" actId="164"/>
+          <ac:spMkLst>
+            <pc:docMk/>
+            <pc:sldMk cId="0" sldId="265"/>
+            <ac:spMk id="50" creationId="{00000000-0000-0000-0000-000000000000}"/>
+          </ac:spMkLst>
+        </pc:spChg>
+        <pc:spChg chg="mod topLvl">
+          <ac:chgData name="Judson Santiago" userId="ebb108da2f256286" providerId="LiveId" clId="{10DB17C9-CFD9-4933-98D9-9151A553522B}" dt="2021-04-05T18:31:33.895" v="987" actId="164"/>
+          <ac:spMkLst>
+            <pc:docMk/>
+            <pc:sldMk cId="0" sldId="265"/>
+            <ac:spMk id="51" creationId="{00000000-0000-0000-0000-000000000000}"/>
+          </ac:spMkLst>
+        </pc:spChg>
+        <pc:spChg chg="mod topLvl">
+          <ac:chgData name="Judson Santiago" userId="ebb108da2f256286" providerId="LiveId" clId="{10DB17C9-CFD9-4933-98D9-9151A553522B}" dt="2021-04-05T18:31:33.895" v="987" actId="164"/>
+          <ac:spMkLst>
+            <pc:docMk/>
+            <pc:sldMk cId="0" sldId="265"/>
+            <ac:spMk id="52" creationId="{00000000-0000-0000-0000-000000000000}"/>
+          </ac:spMkLst>
+        </pc:spChg>
+        <pc:spChg chg="mod topLvl">
+          <ac:chgData name="Judson Santiago" userId="ebb108da2f256286" providerId="LiveId" clId="{10DB17C9-CFD9-4933-98D9-9151A553522B}" dt="2021-04-05T18:31:33.895" v="987" actId="164"/>
+          <ac:spMkLst>
+            <pc:docMk/>
+            <pc:sldMk cId="0" sldId="265"/>
+            <ac:spMk id="53" creationId="{00000000-0000-0000-0000-000000000000}"/>
+          </ac:spMkLst>
+        </pc:spChg>
+        <pc:spChg chg="mod topLvl">
+          <ac:chgData name="Judson Santiago" userId="ebb108da2f256286" providerId="LiveId" clId="{10DB17C9-CFD9-4933-98D9-9151A553522B}" dt="2021-04-05T18:31:33.895" v="987" actId="164"/>
+          <ac:spMkLst>
+            <pc:docMk/>
+            <pc:sldMk cId="0" sldId="265"/>
+            <ac:spMk id="54" creationId="{00000000-0000-0000-0000-000000000000}"/>
+          </ac:spMkLst>
+        </pc:spChg>
+        <pc:spChg chg="mod topLvl">
+          <ac:chgData name="Judson Santiago" userId="ebb108da2f256286" providerId="LiveId" clId="{10DB17C9-CFD9-4933-98D9-9151A553522B}" dt="2021-04-05T18:31:33.895" v="987" actId="164"/>
+          <ac:spMkLst>
+            <pc:docMk/>
+            <pc:sldMk cId="0" sldId="265"/>
+            <ac:spMk id="55" creationId="{00000000-0000-0000-0000-000000000000}"/>
+          </ac:spMkLst>
+        </pc:spChg>
+        <pc:spChg chg="mod topLvl">
+          <ac:chgData name="Judson Santiago" userId="ebb108da2f256286" providerId="LiveId" clId="{10DB17C9-CFD9-4933-98D9-9151A553522B}" dt="2021-04-05T18:31:33.895" v="987" actId="164"/>
+          <ac:spMkLst>
+            <pc:docMk/>
+            <pc:sldMk cId="0" sldId="265"/>
+            <ac:spMk id="56" creationId="{00000000-0000-0000-0000-000000000000}"/>
+          </ac:spMkLst>
+        </pc:spChg>
+        <pc:spChg chg="mod topLvl">
+          <ac:chgData name="Judson Santiago" userId="ebb108da2f256286" providerId="LiveId" clId="{10DB17C9-CFD9-4933-98D9-9151A553522B}" dt="2021-04-05T18:31:33.895" v="987" actId="164"/>
+          <ac:spMkLst>
+            <pc:docMk/>
+            <pc:sldMk cId="0" sldId="265"/>
+            <ac:spMk id="57" creationId="{00000000-0000-0000-0000-000000000000}"/>
+          </ac:spMkLst>
+        </pc:spChg>
+        <pc:spChg chg="mod topLvl">
+          <ac:chgData name="Judson Santiago" userId="ebb108da2f256286" providerId="LiveId" clId="{10DB17C9-CFD9-4933-98D9-9151A553522B}" dt="2021-04-05T18:31:33.895" v="987" actId="164"/>
+          <ac:spMkLst>
+            <pc:docMk/>
+            <pc:sldMk cId="0" sldId="265"/>
+            <ac:spMk id="58" creationId="{00000000-0000-0000-0000-000000000000}"/>
+          </ac:spMkLst>
+        </pc:spChg>
+        <pc:spChg chg="mod topLvl">
+          <ac:chgData name="Judson Santiago" userId="ebb108da2f256286" providerId="LiveId" clId="{10DB17C9-CFD9-4933-98D9-9151A553522B}" dt="2021-04-05T18:31:33.895" v="987" actId="164"/>
+          <ac:spMkLst>
+            <pc:docMk/>
+            <pc:sldMk cId="0" sldId="265"/>
+            <ac:spMk id="59" creationId="{00000000-0000-0000-0000-000000000000}"/>
+          </ac:spMkLst>
+        </pc:spChg>
+        <pc:spChg chg="mod topLvl">
+          <ac:chgData name="Judson Santiago" userId="ebb108da2f256286" providerId="LiveId" clId="{10DB17C9-CFD9-4933-98D9-9151A553522B}" dt="2021-04-05T18:31:33.895" v="987" actId="164"/>
+          <ac:spMkLst>
+            <pc:docMk/>
+            <pc:sldMk cId="0" sldId="265"/>
+            <ac:spMk id="60" creationId="{00000000-0000-0000-0000-000000000000}"/>
+          </ac:spMkLst>
+        </pc:spChg>
+        <pc:spChg chg="mod topLvl">
+          <ac:chgData name="Judson Santiago" userId="ebb108da2f256286" providerId="LiveId" clId="{10DB17C9-CFD9-4933-98D9-9151A553522B}" dt="2021-04-05T18:31:33.895" v="987" actId="164"/>
+          <ac:spMkLst>
+            <pc:docMk/>
+            <pc:sldMk cId="0" sldId="265"/>
+            <ac:spMk id="61" creationId="{00000000-0000-0000-0000-000000000000}"/>
+          </ac:spMkLst>
+        </pc:spChg>
+        <pc:spChg chg="mod topLvl">
+          <ac:chgData name="Judson Santiago" userId="ebb108da2f256286" providerId="LiveId" clId="{10DB17C9-CFD9-4933-98D9-9151A553522B}" dt="2021-04-05T18:31:33.895" v="987" actId="164"/>
+          <ac:spMkLst>
+            <pc:docMk/>
+            <pc:sldMk cId="0" sldId="265"/>
+            <ac:spMk id="62" creationId="{00000000-0000-0000-0000-000000000000}"/>
+          </ac:spMkLst>
+        </pc:spChg>
+        <pc:spChg chg="mod topLvl">
+          <ac:chgData name="Judson Santiago" userId="ebb108da2f256286" providerId="LiveId" clId="{10DB17C9-CFD9-4933-98D9-9151A553522B}" dt="2021-04-05T18:31:33.895" v="987" actId="164"/>
+          <ac:spMkLst>
+            <pc:docMk/>
+            <pc:sldMk cId="0" sldId="265"/>
+            <ac:spMk id="63" creationId="{00000000-0000-0000-0000-000000000000}"/>
+          </ac:spMkLst>
+        </pc:spChg>
+        <pc:grpChg chg="del">
+          <ac:chgData name="Judson Santiago" userId="ebb108da2f256286" providerId="LiveId" clId="{10DB17C9-CFD9-4933-98D9-9151A553522B}" dt="2021-04-05T18:31:29.606" v="986" actId="165"/>
+          <ac:grpSpMkLst>
+            <pc:docMk/>
+            <pc:sldMk cId="0" sldId="265"/>
+            <ac:grpSpMk id="4" creationId="{00000000-0000-0000-0000-000000000000}"/>
+          </ac:grpSpMkLst>
+        </pc:grpChg>
+        <pc:grpChg chg="add mod">
+          <ac:chgData name="Judson Santiago" userId="ebb108da2f256286" providerId="LiveId" clId="{10DB17C9-CFD9-4933-98D9-9151A553522B}" dt="2021-04-05T18:31:33.895" v="987" actId="164"/>
+          <ac:grpSpMkLst>
+            <pc:docMk/>
+            <pc:sldMk cId="0" sldId="265"/>
+            <ac:grpSpMk id="5" creationId="{AD29A9D3-F5FB-4664-9653-13A4DDD0C4BF}"/>
+          </ac:grpSpMkLst>
+        </pc:grpChg>
+      </pc:sldChg>
+      <pc:sldChg chg="addSp modSp mod modNotesTx">
+        <pc:chgData name="Judson Santiago" userId="ebb108da2f256286" providerId="LiveId" clId="{10DB17C9-CFD9-4933-98D9-9151A553522B}" dt="2021-04-05T18:44:59.288" v="1159" actId="20577"/>
+        <pc:sldMkLst>
+          <pc:docMk/>
+          <pc:sldMk cId="0" sldId="267"/>
+        </pc:sldMkLst>
+        <pc:spChg chg="add mod">
+          <ac:chgData name="Judson Santiago" userId="ebb108da2f256286" providerId="LiveId" clId="{10DB17C9-CFD9-4933-98D9-9151A553522B}" dt="2021-04-05T18:44:59.288" v="1159" actId="20577"/>
+          <ac:spMkLst>
+            <pc:docMk/>
+            <pc:sldMk cId="0" sldId="267"/>
+            <ac:spMk id="3" creationId="{AAC1C45A-C9E3-431E-8816-6D447B4E29A7}"/>
+          </ac:spMkLst>
+        </pc:spChg>
+      </pc:sldChg>
+      <pc:sldChg chg="addSp modSp mod modNotesTx">
+        <pc:chgData name="Judson Santiago" userId="ebb108da2f256286" providerId="LiveId" clId="{10DB17C9-CFD9-4933-98D9-9151A553522B}" dt="2021-04-05T18:47:22.532" v="1186" actId="14100"/>
+        <pc:sldMkLst>
+          <pc:docMk/>
+          <pc:sldMk cId="0" sldId="269"/>
+        </pc:sldMkLst>
+        <pc:spChg chg="add mod">
+          <ac:chgData name="Judson Santiago" userId="ebb108da2f256286" providerId="LiveId" clId="{10DB17C9-CFD9-4933-98D9-9151A553522B}" dt="2021-04-05T18:47:22.532" v="1186" actId="14100"/>
+          <ac:spMkLst>
+            <pc:docMk/>
+            <pc:sldMk cId="0" sldId="269"/>
+            <ac:spMk id="8" creationId="{2C5CFDD8-CCC8-4643-ABAB-30FD5CA320AC}"/>
+          </ac:spMkLst>
+        </pc:spChg>
+      </pc:sldChg>
+      <pc:sldChg chg="modSp mod">
+        <pc:chgData name="Judson Santiago" userId="ebb108da2f256286" providerId="LiveId" clId="{10DB17C9-CFD9-4933-98D9-9151A553522B}" dt="2021-03-28T03:46:31.676" v="340" actId="1038"/>
+        <pc:sldMkLst>
+          <pc:docMk/>
+          <pc:sldMk cId="0" sldId="272"/>
+        </pc:sldMkLst>
+        <pc:spChg chg="mod">
+          <ac:chgData name="Judson Santiago" userId="ebb108da2f256286" providerId="LiveId" clId="{10DB17C9-CFD9-4933-98D9-9151A553522B}" dt="2021-03-28T03:46:02.147" v="333" actId="20577"/>
+          <ac:spMkLst>
+            <pc:docMk/>
+            <pc:sldMk cId="0" sldId="272"/>
+            <ac:spMk id="3" creationId="{00000000-0000-0000-0000-000000000000}"/>
+          </ac:spMkLst>
+        </pc:spChg>
+        <pc:spChg chg="mod">
+          <ac:chgData name="Judson Santiago" userId="ebb108da2f256286" providerId="LiveId" clId="{10DB17C9-CFD9-4933-98D9-9151A553522B}" dt="2021-03-28T03:46:31.676" v="340" actId="1038"/>
+          <ac:spMkLst>
+            <pc:docMk/>
+            <pc:sldMk cId="0" sldId="272"/>
+            <ac:spMk id="4" creationId="{00000000-0000-0000-0000-000000000000}"/>
+          </ac:spMkLst>
+        </pc:spChg>
+        <pc:spChg chg="mod">
+          <ac:chgData name="Judson Santiago" userId="ebb108da2f256286" providerId="LiveId" clId="{10DB17C9-CFD9-4933-98D9-9151A553522B}" dt="2021-03-28T03:46:31.676" v="340" actId="1038"/>
+          <ac:spMkLst>
+            <pc:docMk/>
+            <pc:sldMk cId="0" sldId="272"/>
+            <ac:spMk id="5" creationId="{00000000-0000-0000-0000-000000000000}"/>
+          </ac:spMkLst>
+        </pc:spChg>
+      </pc:sldChg>
+      <pc:sldChg chg="delSp modSp mod">
+        <pc:chgData name="Judson Santiago" userId="ebb108da2f256286" providerId="LiveId" clId="{10DB17C9-CFD9-4933-98D9-9151A553522B}" dt="2021-03-28T03:49:11.943" v="359" actId="403"/>
+        <pc:sldMkLst>
+          <pc:docMk/>
+          <pc:sldMk cId="0" sldId="273"/>
+        </pc:sldMkLst>
+        <pc:spChg chg="mod">
+          <ac:chgData name="Judson Santiago" userId="ebb108da2f256286" providerId="LiveId" clId="{10DB17C9-CFD9-4933-98D9-9151A553522B}" dt="2021-03-28T03:49:04.391" v="356" actId="948"/>
+          <ac:spMkLst>
+            <pc:docMk/>
+            <pc:sldMk cId="0" sldId="273"/>
+            <ac:spMk id="3" creationId="{00000000-0000-0000-0000-000000000000}"/>
+          </ac:spMkLst>
+        </pc:spChg>
+        <pc:spChg chg="mod">
+          <ac:chgData name="Judson Santiago" userId="ebb108da2f256286" providerId="LiveId" clId="{10DB17C9-CFD9-4933-98D9-9151A553522B}" dt="2021-03-28T03:49:11.943" v="359" actId="403"/>
+          <ac:spMkLst>
+            <pc:docMk/>
+            <pc:sldMk cId="0" sldId="273"/>
+            <ac:spMk id="4" creationId="{00000000-0000-0000-0000-000000000000}"/>
+          </ac:spMkLst>
+        </pc:spChg>
+        <pc:spChg chg="mod">
+          <ac:chgData name="Judson Santiago" userId="ebb108da2f256286" providerId="LiveId" clId="{10DB17C9-CFD9-4933-98D9-9151A553522B}" dt="2021-03-28T03:49:11.943" v="359" actId="403"/>
+          <ac:spMkLst>
+            <pc:docMk/>
+            <pc:sldMk cId="0" sldId="273"/>
+            <ac:spMk id="5" creationId="{00000000-0000-0000-0000-000000000000}"/>
+          </ac:spMkLst>
+        </pc:spChg>
+        <pc:grpChg chg="del">
+          <ac:chgData name="Judson Santiago" userId="ebb108da2f256286" providerId="LiveId" clId="{10DB17C9-CFD9-4933-98D9-9151A553522B}" dt="2021-03-28T03:47:54.776" v="345" actId="478"/>
+          <ac:grpSpMkLst>
+            <pc:docMk/>
+            <pc:sldMk cId="0" sldId="273"/>
+            <ac:grpSpMk id="10" creationId="{00000000-0000-0000-0000-000000000000}"/>
+          </ac:grpSpMkLst>
+        </pc:grpChg>
+      </pc:sldChg>
+      <pc:sldChg chg="modSp mod">
+        <pc:chgData name="Judson Santiago" userId="ebb108da2f256286" providerId="LiveId" clId="{10DB17C9-CFD9-4933-98D9-9151A553522B}" dt="2021-03-28T04:26:23.099" v="737" actId="1036"/>
+        <pc:sldMkLst>
+          <pc:docMk/>
+          <pc:sldMk cId="0" sldId="291"/>
+        </pc:sldMkLst>
+        <pc:spChg chg="mod">
+          <ac:chgData name="Judson Santiago" userId="ebb108da2f256286" providerId="LiveId" clId="{10DB17C9-CFD9-4933-98D9-9151A553522B}" dt="2021-03-28T04:26:08.197" v="728" actId="14"/>
+          <ac:spMkLst>
+            <pc:docMk/>
+            <pc:sldMk cId="0" sldId="291"/>
+            <ac:spMk id="3" creationId="{00000000-0000-0000-0000-000000000000}"/>
+          </ac:spMkLst>
+        </pc:spChg>
+        <pc:spChg chg="mod">
+          <ac:chgData name="Judson Santiago" userId="ebb108da2f256286" providerId="LiveId" clId="{10DB17C9-CFD9-4933-98D9-9151A553522B}" dt="2021-03-28T04:26:23.099" v="737" actId="1036"/>
+          <ac:spMkLst>
+            <pc:docMk/>
+            <pc:sldMk cId="0" sldId="291"/>
+            <ac:spMk id="4" creationId="{00000000-0000-0000-0000-000000000000}"/>
+          </ac:spMkLst>
+        </pc:spChg>
+        <pc:spChg chg="mod">
+          <ac:chgData name="Judson Santiago" userId="ebb108da2f256286" providerId="LiveId" clId="{10DB17C9-CFD9-4933-98D9-9151A553522B}" dt="2021-03-28T04:22:12.059" v="692" actId="1076"/>
+          <ac:spMkLst>
+            <pc:docMk/>
+            <pc:sldMk cId="0" sldId="291"/>
+            <ac:spMk id="5" creationId="{00000000-0000-0000-0000-000000000000}"/>
+          </ac:spMkLst>
+        </pc:spChg>
+        <pc:spChg chg="mod">
+          <ac:chgData name="Judson Santiago" userId="ebb108da2f256286" providerId="LiveId" clId="{10DB17C9-CFD9-4933-98D9-9151A553522B}" dt="2021-03-28T04:26:23.099" v="737" actId="1036"/>
+          <ac:spMkLst>
+            <pc:docMk/>
+            <pc:sldMk cId="0" sldId="291"/>
+            <ac:spMk id="6" creationId="{00000000-0000-0000-0000-000000000000}"/>
+          </ac:spMkLst>
+        </pc:spChg>
+      </pc:sldChg>
+      <pc:sldChg chg="modSp mod">
+        <pc:chgData name="Judson Santiago" userId="ebb108da2f256286" providerId="LiveId" clId="{10DB17C9-CFD9-4933-98D9-9151A553522B}" dt="2021-04-05T18:53:37.838" v="1191" actId="20577"/>
+        <pc:sldMkLst>
+          <pc:docMk/>
+          <pc:sldMk cId="924765193" sldId="293"/>
+        </pc:sldMkLst>
+        <pc:spChg chg="mod">
+          <ac:chgData name="Judson Santiago" userId="ebb108da2f256286" providerId="LiveId" clId="{10DB17C9-CFD9-4933-98D9-9151A553522B}" dt="2021-04-05T00:39:54.505" v="749" actId="404"/>
+          <ac:spMkLst>
+            <pc:docMk/>
+            <pc:sldMk cId="924765193" sldId="293"/>
+            <ac:spMk id="4" creationId="{00000000-0000-0000-0000-000000000000}"/>
+          </ac:spMkLst>
+        </pc:spChg>
+        <pc:spChg chg="mod">
+          <ac:chgData name="Judson Santiago" userId="ebb108da2f256286" providerId="LiveId" clId="{10DB17C9-CFD9-4933-98D9-9151A553522B}" dt="2021-04-05T18:53:37.838" v="1191" actId="20577"/>
+          <ac:spMkLst>
+            <pc:docMk/>
+            <pc:sldMk cId="924765193" sldId="293"/>
+            <ac:spMk id="5" creationId="{00000000-0000-0000-0000-000000000000}"/>
+          </ac:spMkLst>
+        </pc:spChg>
+        <pc:spChg chg="mod">
+          <ac:chgData name="Judson Santiago" userId="ebb108da2f256286" providerId="LiveId" clId="{10DB17C9-CFD9-4933-98D9-9151A553522B}" dt="2021-04-05T00:39:56.693" v="750" actId="404"/>
+          <ac:spMkLst>
+            <pc:docMk/>
+            <pc:sldMk cId="924765193" sldId="293"/>
+            <ac:spMk id="42" creationId="{00000000-0000-0000-0000-000000000000}"/>
+          </ac:spMkLst>
+        </pc:spChg>
+        <pc:spChg chg="mod">
+          <ac:chgData name="Judson Santiago" userId="ebb108da2f256286" providerId="LiveId" clId="{10DB17C9-CFD9-4933-98D9-9151A553522B}" dt="2021-03-28T03:43:31.612" v="303" actId="20577"/>
+          <ac:spMkLst>
+            <pc:docMk/>
+            <pc:sldMk cId="924765193" sldId="293"/>
+            <ac:spMk id="57" creationId="{00000000-0000-0000-0000-000000000000}"/>
+          </ac:spMkLst>
+        </pc:spChg>
+        <pc:spChg chg="mod">
+          <ac:chgData name="Judson Santiago" userId="ebb108da2f256286" providerId="LiveId" clId="{10DB17C9-CFD9-4933-98D9-9151A553522B}" dt="2021-03-28T03:43:36.052" v="305" actId="6549"/>
+          <ac:spMkLst>
+            <pc:docMk/>
+            <pc:sldMk cId="924765193" sldId="293"/>
+            <ac:spMk id="58" creationId="{00000000-0000-0000-0000-000000000000}"/>
+          </ac:spMkLst>
+        </pc:spChg>
+        <pc:spChg chg="mod">
+          <ac:chgData name="Judson Santiago" userId="ebb108da2f256286" providerId="LiveId" clId="{10DB17C9-CFD9-4933-98D9-9151A553522B}" dt="2021-03-28T03:43:39.067" v="307" actId="20577"/>
+          <ac:spMkLst>
+            <pc:docMk/>
+            <pc:sldMk cId="924765193" sldId="293"/>
+            <ac:spMk id="59" creationId="{00000000-0000-0000-0000-000000000000}"/>
+          </ac:spMkLst>
+        </pc:spChg>
+        <pc:spChg chg="mod">
+          <ac:chgData name="Judson Santiago" userId="ebb108da2f256286" providerId="LiveId" clId="{10DB17C9-CFD9-4933-98D9-9151A553522B}" dt="2021-03-28T03:43:43.684" v="311" actId="20577"/>
+          <ac:spMkLst>
+            <pc:docMk/>
+            <pc:sldMk cId="924765193" sldId="293"/>
+            <ac:spMk id="60" creationId="{00000000-0000-0000-0000-000000000000}"/>
+          </ac:spMkLst>
+        </pc:spChg>
+        <pc:spChg chg="mod">
+          <ac:chgData name="Judson Santiago" userId="ebb108da2f256286" providerId="LiveId" clId="{10DB17C9-CFD9-4933-98D9-9151A553522B}" dt="2021-03-28T03:43:48.636" v="315" actId="6549"/>
+          <ac:spMkLst>
+            <pc:docMk/>
+            <pc:sldMk cId="924765193" sldId="293"/>
+            <ac:spMk id="61" creationId="{00000000-0000-0000-0000-000000000000}"/>
+          </ac:spMkLst>
+        </pc:spChg>
+        <pc:spChg chg="mod">
+          <ac:chgData name="Judson Santiago" userId="ebb108da2f256286" providerId="LiveId" clId="{10DB17C9-CFD9-4933-98D9-9151A553522B}" dt="2021-03-28T03:43:52.980" v="319" actId="20577"/>
+          <ac:spMkLst>
+            <pc:docMk/>
+            <pc:sldMk cId="924765193" sldId="293"/>
+            <ac:spMk id="62" creationId="{00000000-0000-0000-0000-000000000000}"/>
+          </ac:spMkLst>
+        </pc:spChg>
+        <pc:spChg chg="mod">
+          <ac:chgData name="Judson Santiago" userId="ebb108da2f256286" providerId="LiveId" clId="{10DB17C9-CFD9-4933-98D9-9151A553522B}" dt="2021-03-28T03:44:14.116" v="323" actId="6549"/>
+          <ac:spMkLst>
+            <pc:docMk/>
+            <pc:sldMk cId="924765193" sldId="293"/>
+            <ac:spMk id="63" creationId="{00000000-0000-0000-0000-000000000000}"/>
+          </ac:spMkLst>
+        </pc:spChg>
+      </pc:sldChg>
+      <pc:sldChg chg="addSp modSp mod modNotesTx">
+        <pc:chgData name="Judson Santiago" userId="ebb108da2f256286" providerId="LiveId" clId="{10DB17C9-CFD9-4933-98D9-9151A553522B}" dt="2021-04-05T19:47:39.828" v="1273" actId="20577"/>
+        <pc:sldMkLst>
+          <pc:docMk/>
+          <pc:sldMk cId="3201769836" sldId="296"/>
+        </pc:sldMkLst>
+        <pc:spChg chg="add mod">
+          <ac:chgData name="Judson Santiago" userId="ebb108da2f256286" providerId="LiveId" clId="{10DB17C9-CFD9-4933-98D9-9151A553522B}" dt="2021-04-05T19:47:23.163" v="1270" actId="20577"/>
+          <ac:spMkLst>
+            <pc:docMk/>
+            <pc:sldMk cId="3201769836" sldId="296"/>
+            <ac:spMk id="5" creationId="{E7322FF2-36BA-4288-9958-9F379208D83C}"/>
+          </ac:spMkLst>
+        </pc:spChg>
+      </pc:sldChg>
+      <pc:sldChg chg="modSp mod">
+        <pc:chgData name="Judson Santiago" userId="ebb108da2f256286" providerId="LiveId" clId="{10DB17C9-CFD9-4933-98D9-9151A553522B}" dt="2021-03-28T04:06:45.898" v="569" actId="1076"/>
+        <pc:sldMkLst>
+          <pc:docMk/>
+          <pc:sldMk cId="2101796093" sldId="297"/>
+        </pc:sldMkLst>
+        <pc:spChg chg="mod">
+          <ac:chgData name="Judson Santiago" userId="ebb108da2f256286" providerId="LiveId" clId="{10DB17C9-CFD9-4933-98D9-9151A553522B}" dt="2021-03-28T04:06:45.898" v="569" actId="1076"/>
+          <ac:spMkLst>
+            <pc:docMk/>
+            <pc:sldMk cId="2101796093" sldId="297"/>
+            <ac:spMk id="5" creationId="{00000000-0000-0000-0000-000000000000}"/>
+          </ac:spMkLst>
+        </pc:spChg>
+      </pc:sldChg>
+      <pc:sldChg chg="addSp delSp modSp mod modNotesTx">
+        <pc:chgData name="Judson Santiago" userId="ebb108da2f256286" providerId="LiveId" clId="{10DB17C9-CFD9-4933-98D9-9151A553522B}" dt="2021-04-05T19:03:36.156" v="1209" actId="1035"/>
+        <pc:sldMkLst>
+          <pc:docMk/>
+          <pc:sldMk cId="2589805446" sldId="298"/>
+        </pc:sldMkLst>
+        <pc:spChg chg="mod">
+          <ac:chgData name="Judson Santiago" userId="ebb108da2f256286" providerId="LiveId" clId="{10DB17C9-CFD9-4933-98D9-9151A553522B}" dt="2021-03-28T04:00:55.288" v="530" actId="20577"/>
+          <ac:spMkLst>
+            <pc:docMk/>
+            <pc:sldMk cId="2589805446" sldId="298"/>
+            <ac:spMk id="3" creationId="{00000000-0000-0000-0000-000000000000}"/>
+          </ac:spMkLst>
+        </pc:spChg>
+        <pc:spChg chg="del mod">
+          <ac:chgData name="Judson Santiago" userId="ebb108da2f256286" providerId="LiveId" clId="{10DB17C9-CFD9-4933-98D9-9151A553522B}" dt="2021-03-28T03:55:33.168" v="457" actId="478"/>
+          <ac:spMkLst>
+            <pc:docMk/>
+            <pc:sldMk cId="2589805446" sldId="298"/>
+            <ac:spMk id="4" creationId="{00000000-0000-0000-0000-000000000000}"/>
+          </ac:spMkLst>
+        </pc:spChg>
+        <pc:spChg chg="mod topLvl">
+          <ac:chgData name="Judson Santiago" userId="ebb108da2f256286" providerId="LiveId" clId="{10DB17C9-CFD9-4933-98D9-9151A553522B}" dt="2021-04-05T18:58:58.024" v="1201" actId="164"/>
+          <ac:spMkLst>
+            <pc:docMk/>
+            <pc:sldMk cId="2589805446" sldId="298"/>
+            <ac:spMk id="5" creationId="{00000000-0000-0000-0000-000000000000}"/>
+          </ac:spMkLst>
+        </pc:spChg>
+        <pc:spChg chg="mod topLvl">
+          <ac:chgData name="Judson Santiago" userId="ebb108da2f256286" providerId="LiveId" clId="{10DB17C9-CFD9-4933-98D9-9151A553522B}" dt="2021-04-05T18:59:10.813" v="1203" actId="164"/>
+          <ac:spMkLst>
+            <pc:docMk/>
+            <pc:sldMk cId="2589805446" sldId="298"/>
+            <ac:spMk id="6" creationId="{00000000-0000-0000-0000-000000000000}"/>
+          </ac:spMkLst>
+        </pc:spChg>
+        <pc:spChg chg="mod">
+          <ac:chgData name="Judson Santiago" userId="ebb108da2f256286" providerId="LiveId" clId="{10DB17C9-CFD9-4933-98D9-9151A553522B}" dt="2021-03-28T03:53:05.758" v="415" actId="164"/>
+          <ac:spMkLst>
+            <pc:docMk/>
+            <pc:sldMk cId="2589805446" sldId="298"/>
+            <ac:spMk id="9" creationId="{00000000-0000-0000-0000-000000000000}"/>
+          </ac:spMkLst>
+        </pc:spChg>
+        <pc:spChg chg="mod">
+          <ac:chgData name="Judson Santiago" userId="ebb108da2f256286" providerId="LiveId" clId="{10DB17C9-CFD9-4933-98D9-9151A553522B}" dt="2021-03-28T03:53:05.758" v="415" actId="164"/>
+          <ac:spMkLst>
+            <pc:docMk/>
+            <pc:sldMk cId="2589805446" sldId="298"/>
+            <ac:spMk id="10" creationId="{00000000-0000-0000-0000-000000000000}"/>
+          </ac:spMkLst>
+        </pc:spChg>
+        <pc:spChg chg="mod">
+          <ac:chgData name="Judson Santiago" userId="ebb108da2f256286" providerId="LiveId" clId="{10DB17C9-CFD9-4933-98D9-9151A553522B}" dt="2021-03-28T03:53:05.758" v="415" actId="164"/>
+          <ac:spMkLst>
+            <pc:docMk/>
+            <pc:sldMk cId="2589805446" sldId="298"/>
+            <ac:spMk id="11" creationId="{00000000-0000-0000-0000-000000000000}"/>
+          </ac:spMkLst>
+        </pc:spChg>
+        <pc:spChg chg="mod">
+          <ac:chgData name="Judson Santiago" userId="ebb108da2f256286" providerId="LiveId" clId="{10DB17C9-CFD9-4933-98D9-9151A553522B}" dt="2021-03-28T03:53:05.758" v="415" actId="164"/>
+          <ac:spMkLst>
+            <pc:docMk/>
+            <pc:sldMk cId="2589805446" sldId="298"/>
+            <ac:spMk id="12" creationId="{00000000-0000-0000-0000-000000000000}"/>
+          </ac:spMkLst>
+        </pc:spChg>
+        <pc:spChg chg="mod">
+          <ac:chgData name="Judson Santiago" userId="ebb108da2f256286" providerId="LiveId" clId="{10DB17C9-CFD9-4933-98D9-9151A553522B}" dt="2021-03-28T03:53:05.758" v="415" actId="164"/>
+          <ac:spMkLst>
+            <pc:docMk/>
+            <pc:sldMk cId="2589805446" sldId="298"/>
+            <ac:spMk id="13" creationId="{00000000-0000-0000-0000-000000000000}"/>
+          </ac:spMkLst>
+        </pc:spChg>
+        <pc:spChg chg="mod">
+          <ac:chgData name="Judson Santiago" userId="ebb108da2f256286" providerId="LiveId" clId="{10DB17C9-CFD9-4933-98D9-9151A553522B}" dt="2021-03-28T03:53:05.758" v="415" actId="164"/>
+          <ac:spMkLst>
+            <pc:docMk/>
+            <pc:sldMk cId="2589805446" sldId="298"/>
+            <ac:spMk id="14" creationId="{00000000-0000-0000-0000-000000000000}"/>
+          </ac:spMkLst>
+        </pc:spChg>
+        <pc:spChg chg="mod">
+          <ac:chgData name="Judson Santiago" userId="ebb108da2f256286" providerId="LiveId" clId="{10DB17C9-CFD9-4933-98D9-9151A553522B}" dt="2021-03-28T03:53:05.758" v="415" actId="164"/>
+          <ac:spMkLst>
+            <pc:docMk/>
+            <pc:sldMk cId="2589805446" sldId="298"/>
+            <ac:spMk id="15" creationId="{00000000-0000-0000-0000-000000000000}"/>
+          </ac:spMkLst>
+        </pc:spChg>
+        <pc:spChg chg="del mod">
+          <ac:chgData name="Judson Santiago" userId="ebb108da2f256286" providerId="LiveId" clId="{10DB17C9-CFD9-4933-98D9-9151A553522B}" dt="2021-03-28T04:02:08.415" v="540" actId="478"/>
+          <ac:spMkLst>
+            <pc:docMk/>
+            <pc:sldMk cId="2589805446" sldId="298"/>
+            <ac:spMk id="16" creationId="{00000000-0000-0000-0000-000000000000}"/>
+          </ac:spMkLst>
+        </pc:spChg>
+        <pc:spChg chg="mod">
+          <ac:chgData name="Judson Santiago" userId="ebb108da2f256286" providerId="LiveId" clId="{10DB17C9-CFD9-4933-98D9-9151A553522B}" dt="2021-03-28T03:53:05.758" v="415" actId="164"/>
+          <ac:spMkLst>
+            <pc:docMk/>
+            <pc:sldMk cId="2589805446" sldId="298"/>
+            <ac:spMk id="18" creationId="{00000000-0000-0000-0000-000000000000}"/>
+          </ac:spMkLst>
+        </pc:spChg>
+        <pc:spChg chg="mod">
+          <ac:chgData name="Judson Santiago" userId="ebb108da2f256286" providerId="LiveId" clId="{10DB17C9-CFD9-4933-98D9-9151A553522B}" dt="2021-03-28T03:53:05.758" v="415" actId="164"/>
+          <ac:spMkLst>
+            <pc:docMk/>
+            <pc:sldMk cId="2589805446" sldId="298"/>
+            <ac:spMk id="19" creationId="{00000000-0000-0000-0000-000000000000}"/>
+          </ac:spMkLst>
+        </pc:spChg>
+        <pc:spChg chg="mod">
+          <ac:chgData name="Judson Santiago" userId="ebb108da2f256286" providerId="LiveId" clId="{10DB17C9-CFD9-4933-98D9-9151A553522B}" dt="2021-03-28T03:53:05.758" v="415" actId="164"/>
+          <ac:spMkLst>
+            <pc:docMk/>
+            <pc:sldMk cId="2589805446" sldId="298"/>
+            <ac:spMk id="20" creationId="{00000000-0000-0000-0000-000000000000}"/>
+          </ac:spMkLst>
+        </pc:spChg>
+        <pc:spChg chg="mod">
+          <ac:chgData name="Judson Santiago" userId="ebb108da2f256286" providerId="LiveId" clId="{10DB17C9-CFD9-4933-98D9-9151A553522B}" dt="2021-03-28T03:53:05.758" v="415" actId="164"/>
+          <ac:spMkLst>
+            <pc:docMk/>
+            <pc:sldMk cId="2589805446" sldId="298"/>
+            <ac:spMk id="21" creationId="{00000000-0000-0000-0000-000000000000}"/>
+          </ac:spMkLst>
+        </pc:spChg>
+        <pc:spChg chg="mod">
+          <ac:chgData name="Judson Santiago" userId="ebb108da2f256286" providerId="LiveId" clId="{10DB17C9-CFD9-4933-98D9-9151A553522B}" dt="2021-03-28T03:53:05.758" v="415" actId="164"/>
+          <ac:spMkLst>
+            <pc:docMk/>
+            <pc:sldMk cId="2589805446" sldId="298"/>
+            <ac:spMk id="22" creationId="{00000000-0000-0000-0000-000000000000}"/>
+          </ac:spMkLst>
+        </pc:spChg>
+        <pc:spChg chg="mod">
+          <ac:chgData name="Judson Santiago" userId="ebb108da2f256286" providerId="LiveId" clId="{10DB17C9-CFD9-4933-98D9-9151A553522B}" dt="2021-03-28T03:53:05.758" v="415" actId="164"/>
+          <ac:spMkLst>
+            <pc:docMk/>
+            <pc:sldMk cId="2589805446" sldId="298"/>
+            <ac:spMk id="23" creationId="{00000000-0000-0000-0000-000000000000}"/>
+          </ac:spMkLst>
+        </pc:spChg>
+        <pc:spChg chg="mod">
+          <ac:chgData name="Judson Santiago" userId="ebb108da2f256286" providerId="LiveId" clId="{10DB17C9-CFD9-4933-98D9-9151A553522B}" dt="2021-03-28T03:53:05.758" v="415" actId="164"/>
+          <ac:spMkLst>
+            <pc:docMk/>
+            <pc:sldMk cId="2589805446" sldId="298"/>
+            <ac:spMk id="24" creationId="{00000000-0000-0000-0000-000000000000}"/>
+          </ac:spMkLst>
+        </pc:spChg>
+        <pc:spChg chg="mod">
+          <ac:chgData name="Judson Santiago" userId="ebb108da2f256286" providerId="LiveId" clId="{10DB17C9-CFD9-4933-98D9-9151A553522B}" dt="2021-03-28T03:53:05.758" v="415" actId="164"/>
+          <ac:spMkLst>
+            <pc:docMk/>
+            <pc:sldMk cId="2589805446" sldId="298"/>
+            <ac:spMk id="25" creationId="{00000000-0000-0000-0000-000000000000}"/>
+          </ac:spMkLst>
+        </pc:spChg>
+        <pc:spChg chg="mod">
+          <ac:chgData name="Judson Santiago" userId="ebb108da2f256286" providerId="LiveId" clId="{10DB17C9-CFD9-4933-98D9-9151A553522B}" dt="2021-03-28T03:53:05.758" v="415" actId="164"/>
+          <ac:spMkLst>
+            <pc:docMk/>
+            <pc:sldMk cId="2589805446" sldId="298"/>
+            <ac:spMk id="26" creationId="{00000000-0000-0000-0000-000000000000}"/>
+          </ac:spMkLst>
+        </pc:spChg>
+        <pc:spChg chg="mod">
+          <ac:chgData name="Judson Santiago" userId="ebb108da2f256286" providerId="LiveId" clId="{10DB17C9-CFD9-4933-98D9-9151A553522B}" dt="2021-03-28T03:53:05.758" v="415" actId="164"/>
+          <ac:spMkLst>
+            <pc:docMk/>
+            <pc:sldMk cId="2589805446" sldId="298"/>
+            <ac:spMk id="27" creationId="{00000000-0000-0000-0000-000000000000}"/>
+          </ac:spMkLst>
+        </pc:spChg>
+        <pc:spChg chg="del mod">
+          <ac:chgData name="Judson Santiago" userId="ebb108da2f256286" providerId="LiveId" clId="{10DB17C9-CFD9-4933-98D9-9151A553522B}" dt="2021-03-28T04:02:08.415" v="540" actId="478"/>
+          <ac:spMkLst>
+            <pc:docMk/>
+            <pc:sldMk cId="2589805446" sldId="298"/>
+            <ac:spMk id="28" creationId="{00000000-0000-0000-0000-000000000000}"/>
+          </ac:spMkLst>
+        </pc:spChg>
+        <pc:spChg chg="add mod ord topLvl">
+          <ac:chgData name="Judson Santiago" userId="ebb108da2f256286" providerId="LiveId" clId="{10DB17C9-CFD9-4933-98D9-9151A553522B}" dt="2021-04-05T18:58:58.024" v="1201" actId="164"/>
+          <ac:spMkLst>
+            <pc:docMk/>
+            <pc:sldMk cId="2589805446" sldId="298"/>
+            <ac:spMk id="29" creationId="{77E22A05-1DAA-4E5D-8CA8-EBF18837689D}"/>
+          </ac:spMkLst>
+        </pc:spChg>
+        <pc:spChg chg="mod">
+          <ac:chgData name="Judson Santiago" userId="ebb108da2f256286" providerId="LiveId" clId="{10DB17C9-CFD9-4933-98D9-9151A553522B}" dt="2021-04-05T00:41:22.055" v="773" actId="1037"/>
+          <ac:spMkLst>
+            <pc:docMk/>
+            <pc:sldMk cId="2589805446" sldId="298"/>
+            <ac:spMk id="30" creationId="{DEA728A5-6FE1-44C5-8FA5-882017B96DD0}"/>
+          </ac:spMkLst>
+        </pc:spChg>
+        <pc:spChg chg="add mod topLvl">
+          <ac:chgData name="Judson Santiago" userId="ebb108da2f256286" providerId="LiveId" clId="{10DB17C9-CFD9-4933-98D9-9151A553522B}" dt="2021-04-05T18:59:10.813" v="1203" actId="164"/>
+          <ac:spMkLst>
+            <pc:docMk/>
+            <pc:sldMk cId="2589805446" sldId="298"/>
+            <ac:spMk id="31" creationId="{17D412E7-E91B-45B3-87F5-2449D2FD37B9}"/>
+          </ac:spMkLst>
+        </pc:spChg>
+        <pc:spChg chg="add mod">
+          <ac:chgData name="Judson Santiago" userId="ebb108da2f256286" providerId="LiveId" clId="{10DB17C9-CFD9-4933-98D9-9151A553522B}" dt="2021-04-05T18:57:33.630" v="1197" actId="1038"/>
+          <ac:spMkLst>
+            <pc:docMk/>
+            <pc:sldMk cId="2589805446" sldId="298"/>
+            <ac:spMk id="33" creationId="{A3A1EEDC-31AA-40CF-9813-F1CC4AE00C4C}"/>
+          </ac:spMkLst>
+        </pc:spChg>
+        <pc:spChg chg="add mod">
+          <ac:chgData name="Judson Santiago" userId="ebb108da2f256286" providerId="LiveId" clId="{10DB17C9-CFD9-4933-98D9-9151A553522B}" dt="2021-04-05T18:58:58.024" v="1201" actId="164"/>
+          <ac:spMkLst>
+            <pc:docMk/>
+            <pc:sldMk cId="2589805446" sldId="298"/>
+            <ac:spMk id="37" creationId="{7D7B85CB-D1D9-40D0-8B7B-7B126A67773F}"/>
+          </ac:spMkLst>
+        </pc:spChg>
+        <pc:spChg chg="add mod">
+          <ac:chgData name="Judson Santiago" userId="ebb108da2f256286" providerId="LiveId" clId="{10DB17C9-CFD9-4933-98D9-9151A553522B}" dt="2021-04-05T18:59:10.813" v="1203" actId="164"/>
+          <ac:spMkLst>
+            <pc:docMk/>
+            <pc:sldMk cId="2589805446" sldId="298"/>
+            <ac:spMk id="38" creationId="{15050DFD-B9B7-42BC-8998-88AAA0EF38FC}"/>
+          </ac:spMkLst>
+        </pc:spChg>
+        <pc:spChg chg="add mod">
+          <ac:chgData name="Judson Santiago" userId="ebb108da2f256286" providerId="LiveId" clId="{10DB17C9-CFD9-4933-98D9-9151A553522B}" dt="2021-04-05T18:57:45.433" v="1199" actId="1076"/>
+          <ac:spMkLst>
+            <pc:docMk/>
+            <pc:sldMk cId="2589805446" sldId="298"/>
+            <ac:spMk id="39" creationId="{D3B273CB-AE56-4A8D-8715-CEE0DB26415E}"/>
+          </ac:spMkLst>
+        </pc:spChg>
+        <pc:grpChg chg="add mod">
+          <ac:chgData name="Judson Santiago" userId="ebb108da2f256286" providerId="LiveId" clId="{10DB17C9-CFD9-4933-98D9-9151A553522B}" dt="2021-04-05T19:03:36.156" v="1209" actId="1035"/>
+          <ac:grpSpMkLst>
+            <pc:docMk/>
+            <pc:sldMk cId="2589805446" sldId="298"/>
+            <ac:grpSpMk id="4" creationId="{FA970FAE-B0EE-41E1-92B9-D9C8E485ADDD}"/>
+          </ac:grpSpMkLst>
+        </pc:grpChg>
+        <pc:grpChg chg="add mod">
+          <ac:chgData name="Judson Santiago" userId="ebb108da2f256286" providerId="LiveId" clId="{10DB17C9-CFD9-4933-98D9-9151A553522B}" dt="2021-04-05T18:59:39.382" v="1207" actId="1076"/>
+          <ac:grpSpMkLst>
+            <pc:docMk/>
+            <pc:sldMk cId="2589805446" sldId="298"/>
+            <ac:grpSpMk id="8" creationId="{478A098A-1B8D-46FC-B3DD-0FC45BD76A4C}"/>
+          </ac:grpSpMkLst>
+        </pc:grpChg>
+        <pc:grpChg chg="add mod">
+          <ac:chgData name="Judson Santiago" userId="ebb108da2f256286" providerId="LiveId" clId="{10DB17C9-CFD9-4933-98D9-9151A553522B}" dt="2021-04-05T18:59:33.894" v="1206" actId="1076"/>
+          <ac:grpSpMkLst>
+            <pc:docMk/>
+            <pc:sldMk cId="2589805446" sldId="298"/>
+            <ac:grpSpMk id="17" creationId="{634BEF2E-9436-4087-854F-EE1D30737621}"/>
+          </ac:grpSpMkLst>
+        </pc:grpChg>
+        <pc:grpChg chg="add del mod">
+          <ac:chgData name="Judson Santiago" userId="ebb108da2f256286" providerId="LiveId" clId="{10DB17C9-CFD9-4933-98D9-9151A553522B}" dt="2021-04-05T18:58:53.294" v="1200" actId="165"/>
+          <ac:grpSpMkLst>
+            <pc:docMk/>
+            <pc:sldMk cId="2589805446" sldId="298"/>
+            <ac:grpSpMk id="35" creationId="{E957627D-FAA1-4E46-8637-6A9A1A8AC72A}"/>
+          </ac:grpSpMkLst>
+        </pc:grpChg>
+        <pc:grpChg chg="add del mod">
+          <ac:chgData name="Judson Santiago" userId="ebb108da2f256286" providerId="LiveId" clId="{10DB17C9-CFD9-4933-98D9-9151A553522B}" dt="2021-04-05T18:59:06.152" v="1202" actId="165"/>
+          <ac:grpSpMkLst>
+            <pc:docMk/>
+            <pc:sldMk cId="2589805446" sldId="298"/>
+            <ac:grpSpMk id="36" creationId="{C38AD552-8B64-45F5-985D-D44935F67644}"/>
+          </ac:grpSpMkLst>
+        </pc:grpChg>
+        <pc:cxnChg chg="mod topLvl">
+          <ac:chgData name="Judson Santiago" userId="ebb108da2f256286" providerId="LiveId" clId="{10DB17C9-CFD9-4933-98D9-9151A553522B}" dt="2021-04-05T18:58:58.024" v="1201" actId="164"/>
+          <ac:cxnSpMkLst>
+            <pc:docMk/>
+            <pc:sldMk cId="2589805446" sldId="298"/>
+            <ac:cxnSpMk id="7" creationId="{00000000-0000-0000-0000-000000000000}"/>
+          </ac:cxnSpMkLst>
+        </pc:cxnChg>
+        <pc:cxnChg chg="del">
+          <ac:chgData name="Judson Santiago" userId="ebb108da2f256286" providerId="LiveId" clId="{10DB17C9-CFD9-4933-98D9-9151A553522B}" dt="2021-03-28T03:53:46.610" v="425" actId="478"/>
+          <ac:cxnSpMkLst>
+            <pc:docMk/>
+            <pc:sldMk cId="2589805446" sldId="298"/>
+            <ac:cxnSpMk id="8" creationId="{00000000-0000-0000-0000-000000000000}"/>
+          </ac:cxnSpMkLst>
+        </pc:cxnChg>
+        <pc:cxnChg chg="add mod topLvl">
+          <ac:chgData name="Judson Santiago" userId="ebb108da2f256286" providerId="LiveId" clId="{10DB17C9-CFD9-4933-98D9-9151A553522B}" dt="2021-04-05T18:59:10.813" v="1203" actId="164"/>
+          <ac:cxnSpMkLst>
+            <pc:docMk/>
+            <pc:sldMk cId="2589805446" sldId="298"/>
+            <ac:cxnSpMk id="34" creationId="{7640BB8A-C7EE-4B2A-AFB0-F18E0BD40DA1}"/>
+          </ac:cxnSpMkLst>
+        </pc:cxnChg>
+      </pc:sldChg>
+      <pc:sldChg chg="modSp mod modNotesTx">
+        <pc:chgData name="Judson Santiago" userId="ebb108da2f256286" providerId="LiveId" clId="{10DB17C9-CFD9-4933-98D9-9151A553522B}" dt="2021-04-05T19:46:10.795" v="1248" actId="20577"/>
+        <pc:sldMkLst>
+          <pc:docMk/>
+          <pc:sldMk cId="4158842207" sldId="299"/>
+        </pc:sldMkLst>
+        <pc:spChg chg="mod">
+          <ac:chgData name="Judson Santiago" userId="ebb108da2f256286" providerId="LiveId" clId="{10DB17C9-CFD9-4933-98D9-9151A553522B}" dt="2021-03-28T04:02:49.615" v="547" actId="20577"/>
+          <ac:spMkLst>
+            <pc:docMk/>
+            <pc:sldMk cId="4158842207" sldId="299"/>
+            <ac:spMk id="3" creationId="{00000000-0000-0000-0000-000000000000}"/>
+          </ac:spMkLst>
+        </pc:spChg>
+      </pc:sldChg>
+      <pc:sldChg chg="addSp modSp mod modNotesTx">
+        <pc:chgData name="Judson Santiago" userId="ebb108da2f256286" providerId="LiveId" clId="{10DB17C9-CFD9-4933-98D9-9151A553522B}" dt="2021-04-05T18:45:21.061" v="1169" actId="14100"/>
+        <pc:sldMkLst>
+          <pc:docMk/>
+          <pc:sldMk cId="1639487299" sldId="300"/>
+        </pc:sldMkLst>
+        <pc:spChg chg="add mod">
+          <ac:chgData name="Judson Santiago" userId="ebb108da2f256286" providerId="LiveId" clId="{10DB17C9-CFD9-4933-98D9-9151A553522B}" dt="2021-04-05T18:45:21.061" v="1169" actId="14100"/>
+          <ac:spMkLst>
+            <pc:docMk/>
+            <pc:sldMk cId="1639487299" sldId="300"/>
+            <ac:spMk id="8" creationId="{3BBAABAB-0B67-471C-B1BA-241E8B40EC56}"/>
+          </ac:spMkLst>
+        </pc:spChg>
+      </pc:sldChg>
+      <pc:sldChg chg="addSp modSp mod modNotesTx">
+        <pc:chgData name="Judson Santiago" userId="ebb108da2f256286" providerId="LiveId" clId="{10DB17C9-CFD9-4933-98D9-9151A553522B}" dt="2021-04-05T18:08:26.696" v="979" actId="6549"/>
+        <pc:sldMkLst>
+          <pc:docMk/>
+          <pc:sldMk cId="2293817703" sldId="301"/>
+        </pc:sldMkLst>
+        <pc:spChg chg="mod">
+          <ac:chgData name="Judson Santiago" userId="ebb108da2f256286" providerId="LiveId" clId="{10DB17C9-CFD9-4933-98D9-9151A553522B}" dt="2021-04-05T18:07:02.880" v="849" actId="20577"/>
+          <ac:spMkLst>
+            <pc:docMk/>
+            <pc:sldMk cId="2293817703" sldId="301"/>
+            <ac:spMk id="3" creationId="{00000000-0000-0000-0000-000000000000}"/>
+          </ac:spMkLst>
+        </pc:spChg>
+        <pc:spChg chg="add mod">
+          <ac:chgData name="Judson Santiago" userId="ebb108da2f256286" providerId="LiveId" clId="{10DB17C9-CFD9-4933-98D9-9151A553522B}" dt="2021-03-28T03:14:31.885" v="33"/>
+          <ac:spMkLst>
+            <pc:docMk/>
+            <pc:sldMk cId="2293817703" sldId="301"/>
+            <ac:spMk id="8" creationId="{C0F716AB-6D41-48DF-A707-A8D06B4FC55A}"/>
+          </ac:spMkLst>
+        </pc:spChg>
+        <pc:spChg chg="add mod">
+          <ac:chgData name="Judson Santiago" userId="ebb108da2f256286" providerId="LiveId" clId="{10DB17C9-CFD9-4933-98D9-9151A553522B}" dt="2021-03-28T03:14:41.784" v="34" actId="1076"/>
+          <ac:spMkLst>
+            <pc:docMk/>
+            <pc:sldMk cId="2293817703" sldId="301"/>
+            <ac:spMk id="9" creationId="{B366C78D-4E01-411E-9DEB-3954A940ADB9}"/>
+          </ac:spMkLst>
+        </pc:spChg>
+        <pc:spChg chg="add mod">
+          <ac:chgData name="Judson Santiago" userId="ebb108da2f256286" providerId="LiveId" clId="{10DB17C9-CFD9-4933-98D9-9151A553522B}" dt="2021-03-28T03:14:48.776" v="36" actId="1076"/>
+          <ac:spMkLst>
+            <pc:docMk/>
+            <pc:sldMk cId="2293817703" sldId="301"/>
+            <ac:spMk id="10" creationId="{8B0EA20C-8165-4D2F-8F49-18883A94BF87}"/>
+          </ac:spMkLst>
+        </pc:spChg>
+        <pc:graphicFrameChg chg="mod modGraphic">
+          <ac:chgData name="Judson Santiago" userId="ebb108da2f256286" providerId="LiveId" clId="{10DB17C9-CFD9-4933-98D9-9151A553522B}" dt="2021-03-28T03:11:48.336" v="26" actId="21"/>
+          <ac:graphicFrameMkLst>
+            <pc:docMk/>
+            <pc:sldMk cId="2293817703" sldId="301"/>
+            <ac:graphicFrameMk id="7" creationId="{00000000-0000-0000-0000-000000000000}"/>
+          </ac:graphicFrameMkLst>
+        </pc:graphicFrameChg>
+      </pc:sldChg>
+      <pc:sldChg chg="modSp mod modNotesTx">
+        <pc:chgData name="Judson Santiago" userId="ebb108da2f256286" providerId="LiveId" clId="{10DB17C9-CFD9-4933-98D9-9151A553522B}" dt="2021-04-05T19:50:17.091" v="1354" actId="20577"/>
+        <pc:sldMkLst>
+          <pc:docMk/>
+          <pc:sldMk cId="2525381789" sldId="303"/>
+        </pc:sldMkLst>
+        <pc:spChg chg="mod">
+          <ac:chgData name="Judson Santiago" userId="ebb108da2f256286" providerId="LiveId" clId="{10DB17C9-CFD9-4933-98D9-9151A553522B}" dt="2021-03-28T04:09:56.181" v="590" actId="948"/>
+          <ac:spMkLst>
+            <pc:docMk/>
+            <pc:sldMk cId="2525381789" sldId="303"/>
+            <ac:spMk id="3" creationId="{00000000-0000-0000-0000-000000000000}"/>
+          </ac:spMkLst>
+        </pc:spChg>
+        <pc:spChg chg="mod">
+          <ac:chgData name="Judson Santiago" userId="ebb108da2f256286" providerId="LiveId" clId="{10DB17C9-CFD9-4933-98D9-9151A553522B}" dt="2021-03-28T04:10:16.799" v="595" actId="20577"/>
+          <ac:spMkLst>
+            <pc:docMk/>
+            <pc:sldMk cId="2525381789" sldId="303"/>
+            <ac:spMk id="4" creationId="{00000000-0000-0000-0000-000000000000}"/>
+          </ac:spMkLst>
+        </pc:spChg>
+      </pc:sldChg>
+      <pc:sldChg chg="modSp mod">
+        <pc:chgData name="Judson Santiago" userId="ebb108da2f256286" providerId="LiveId" clId="{10DB17C9-CFD9-4933-98D9-9151A553522B}" dt="2021-03-28T04:10:42.347" v="596" actId="1076"/>
+        <pc:sldMkLst>
+          <pc:docMk/>
+          <pc:sldMk cId="81081941" sldId="304"/>
+        </pc:sldMkLst>
+        <pc:spChg chg="mod">
+          <ac:chgData name="Judson Santiago" userId="ebb108da2f256286" providerId="LiveId" clId="{10DB17C9-CFD9-4933-98D9-9151A553522B}" dt="2021-03-28T04:10:42.347" v="596" actId="1076"/>
+          <ac:spMkLst>
+            <pc:docMk/>
+            <pc:sldMk cId="81081941" sldId="304"/>
+            <ac:spMk id="4" creationId="{00000000-0000-0000-0000-000000000000}"/>
+          </ac:spMkLst>
+        </pc:spChg>
+      </pc:sldChg>
+      <pc:sldChg chg="modSp del mod modNotesTx">
+        <pc:chgData name="Judson Santiago" userId="ebb108da2f256286" providerId="LiveId" clId="{10DB17C9-CFD9-4933-98D9-9151A553522B}" dt="2021-03-28T04:29:02.688" v="738" actId="47"/>
+        <pc:sldMkLst>
+          <pc:docMk/>
+          <pc:sldMk cId="2930930696" sldId="305"/>
+        </pc:sldMkLst>
+        <pc:spChg chg="mod">
+          <ac:chgData name="Judson Santiago" userId="ebb108da2f256286" providerId="LiveId" clId="{10DB17C9-CFD9-4933-98D9-9151A553522B}" dt="2021-03-28T04:19:52.011" v="653" actId="20577"/>
+          <ac:spMkLst>
+            <pc:docMk/>
+            <pc:sldMk cId="2930930696" sldId="305"/>
+            <ac:spMk id="4" creationId="{00000000-0000-0000-0000-000000000000}"/>
+          </ac:spMkLst>
+        </pc:spChg>
+      </pc:sldChg>
+      <pc:sldMasterChg chg="setBg modSldLayout">
+        <pc:chgData name="Judson Santiago" userId="ebb108da2f256286" providerId="LiveId" clId="{10DB17C9-CFD9-4933-98D9-9151A553522B}" dt="2021-03-28T02:54:33.134" v="17" actId="167"/>
+        <pc:sldMasterMkLst>
+          <pc:docMk/>
+          <pc:sldMasterMk cId="0" sldId="2147483660"/>
+        </pc:sldMasterMkLst>
+        <pc:sldLayoutChg chg="addSp modSp mod">
+          <pc:chgData name="Judson Santiago" userId="ebb108da2f256286" providerId="LiveId" clId="{10DB17C9-CFD9-4933-98D9-9151A553522B}" dt="2021-03-28T02:54:33.134" v="17" actId="167"/>
+          <pc:sldLayoutMkLst>
+            <pc:docMk/>
+            <pc:sldMasterMk cId="0" sldId="2147483660"/>
+            <pc:sldLayoutMk cId="0" sldId="2147483661"/>
+          </pc:sldLayoutMkLst>
+          <pc:picChg chg="add mod ord">
+            <ac:chgData name="Judson Santiago" userId="ebb108da2f256286" providerId="LiveId" clId="{10DB17C9-CFD9-4933-98D9-9151A553522B}" dt="2021-03-28T02:54:33.134" v="17" actId="167"/>
+            <ac:picMkLst>
+              <pc:docMk/>
+              <pc:sldMasterMk cId="0" sldId="2147483660"/>
+              <pc:sldLayoutMk cId="0" sldId="2147483661"/>
+              <ac:picMk id="13" creationId="{969DF6AC-F258-4938-BA35-2B225A093777}"/>
+            </ac:picMkLst>
+          </pc:picChg>
+        </pc:sldLayoutChg>
+      </pc:sldMasterChg>
     </pc:docChg>
   </pc:docChgLst>
   <pc:docChgLst>
@@ -1444,7 +2426,7 @@
             <a:fld id="{C316FC6E-831B-4C5E-8751-6BBED6FFBE8E}" type="datetimeFigureOut">
               <a:rPr lang="pt-BR" smtClean="0"/>
               <a:pPr/>
-              <a:t>24/10/2019</a:t>
+              <a:t>05/04/2021</a:t>
             </a:fld>
             <a:endParaRPr lang="pt-BR"/>
           </a:p>
@@ -1847,22 +2829,28 @@
           <a:lstStyle/>
           <a:p>
             <a:r>
+              <a:rPr lang="pt-BR" sz="1200" dirty="0">
+                <a:solidFill>
+                  <a:schemeClr val="bg1"/>
+                </a:solidFill>
+              </a:rPr>
+              <a:t>» </a:t>
+            </a:r>
+            <a:r>
               <a:rPr lang="pt-BR" dirty="0"/>
-              <a:t>Pode-se inclusive</a:t>
+              <a:t>Mostrar resultados</a:t>
             </a:r>
             <a:r>
               <a:rPr lang="pt-BR" baseline="0" dirty="0"/>
-              <a:t> deixar os parênteses vazios para inicializar todos os elementos para zero:</a:t>
-            </a:r>
-          </a:p>
-          <a:p>
+              <a:t> no g++ e no </a:t>
+            </a:r>
             <a:r>
               <a:rPr lang="pt-BR" baseline="0" dirty="0" err="1"/>
-              <a:t>long</a:t>
+              <a:t>clang</a:t>
             </a:r>
             <a:r>
               <a:rPr lang="pt-BR" baseline="0" dirty="0"/>
-              <a:t> totais[500]={ };</a:t>
+              <a:t>++</a:t>
             </a:r>
             <a:endParaRPr lang="pt-BR" dirty="0"/>
           </a:p>
@@ -1886,7 +2874,7 @@
             <a:fld id="{0CCBE35C-FFF7-45E7-A1F3-86D06533C3F2}" type="slidenum">
               <a:rPr lang="pt-BR" smtClean="0"/>
               <a:pPr/>
-              <a:t>21</a:t>
+              <a:t>18</a:t>
             </a:fld>
             <a:endParaRPr lang="pt-BR"/>
           </a:p>
@@ -1895,7 +2883,7 @@
     </p:spTree>
     <p:extLst>
       <p:ext uri="{BB962C8B-B14F-4D97-AF65-F5344CB8AC3E}">
-        <p14:creationId xmlns:p14="http://schemas.microsoft.com/office/powerpoint/2010/main" val="4082089977"/>
+        <p14:creationId xmlns:p14="http://schemas.microsoft.com/office/powerpoint/2010/main" val="4249970454"/>
       </p:ext>
     </p:extLst>
   </p:cSld>
@@ -1949,50 +2937,10 @@
           <a:bodyPr/>
           <a:lstStyle/>
           <a:p>
-            <a:pPr marL="0" marR="0" lvl="1" indent="0" algn="l" defTabSz="914400" rtl="0" eaLnBrk="1" fontAlgn="auto" latinLnBrk="0" hangingPunct="1">
-              <a:lnSpc>
-                <a:spcPct val="100000"/>
-              </a:lnSpc>
-              <a:spcBef>
-                <a:spcPts val="0"/>
-              </a:spcBef>
-              <a:spcAft>
-                <a:spcPts val="0"/>
-              </a:spcAft>
-              <a:buClrTx/>
-              <a:buSzTx/>
-              <a:buFontTx/>
-              <a:buNone/>
-              <a:tabLst/>
-              <a:defRPr/>
-            </a:pPr>
             <a:r>
               <a:rPr lang="pt-BR" dirty="0"/>
-              <a:t>† O índice </a:t>
-            </a:r>
-            <a:r>
-              <a:rPr lang="pt-BR" sz="1200" kern="1200" dirty="0">
-                <a:solidFill>
-                  <a:schemeClr val="tx1"/>
-                </a:solidFill>
-                <a:latin typeface="+mn-lt"/>
-                <a:ea typeface="+mn-ea"/>
-                <a:cs typeface="+mn-cs"/>
-              </a:rPr>
-              <a:t>3</a:t>
-            </a:r>
-            <a:r>
-              <a:rPr lang="pt-BR" dirty="0"/>
-              <a:t> é válido para este vetor? Não,</a:t>
-            </a:r>
-            <a:r>
-              <a:rPr lang="pt-BR" baseline="0" dirty="0"/>
-              <a:t> um vetor com 3 elementos tem índices de 0 a 2.</a:t>
-            </a:r>
-            <a:endParaRPr lang="pt-BR" dirty="0"/>
-          </a:p>
-          <a:p>
-            <a:endParaRPr lang="pt-BR" dirty="0"/>
+              <a:t>Ao usar o vetor sem a notação de [ ], estamos acessando um endereço.</a:t>
+            </a:r>
           </a:p>
         </p:txBody>
       </p:sp>
@@ -2014,7 +2962,7 @@
             <a:fld id="{0CCBE35C-FFF7-45E7-A1F3-86D06533C3F2}" type="slidenum">
               <a:rPr lang="pt-BR" smtClean="0"/>
               <a:pPr/>
-              <a:t>23</a:t>
+              <a:t>20</a:t>
             </a:fld>
             <a:endParaRPr lang="pt-BR"/>
           </a:p>
@@ -2023,7 +2971,7 @@
     </p:spTree>
     <p:extLst>
       <p:ext uri="{BB962C8B-B14F-4D97-AF65-F5344CB8AC3E}">
-        <p14:creationId xmlns:p14="http://schemas.microsoft.com/office/powerpoint/2010/main" val="3384909805"/>
+        <p14:creationId xmlns:p14="http://schemas.microsoft.com/office/powerpoint/2010/main" val="4040933080"/>
       </p:ext>
     </p:extLst>
   </p:cSld>
@@ -2078,20 +3026,22 @@
           <a:lstStyle/>
           <a:p>
             <a:r>
-              <a:rPr lang="pt-BR" sz="1200" dirty="0">
-                <a:solidFill>
-                  <a:schemeClr val="bg1"/>
-                </a:solidFill>
-              </a:rPr>
-              <a:t>» Mostrar o que acontece dentro e fora da</a:t>
-            </a:r>
-            <a:r>
-              <a:rPr lang="pt-BR" sz="1200" baseline="0" dirty="0">
-                <a:solidFill>
-                  <a:schemeClr val="bg1"/>
-                </a:solidFill>
-              </a:rPr>
-              <a:t> IDE</a:t>
+              <a:rPr lang="pt-BR" dirty="0"/>
+              <a:t>Pode-se inclusive</a:t>
+            </a:r>
+            <a:r>
+              <a:rPr lang="pt-BR" baseline="0" dirty="0"/>
+              <a:t> deixar os parênteses vazios para inicializar todos os elementos para zero:</a:t>
+            </a:r>
+          </a:p>
+          <a:p>
+            <a:r>
+              <a:rPr lang="pt-BR" baseline="0" dirty="0" err="1"/>
+              <a:t>long</a:t>
+            </a:r>
+            <a:r>
+              <a:rPr lang="pt-BR" baseline="0" dirty="0"/>
+              <a:t> totais[500]={ };</a:t>
             </a:r>
             <a:endParaRPr lang="pt-BR" dirty="0"/>
           </a:p>
@@ -2115,6 +3065,239 @@
             <a:fld id="{0CCBE35C-FFF7-45E7-A1F3-86D06533C3F2}" type="slidenum">
               <a:rPr lang="pt-BR" smtClean="0"/>
               <a:pPr/>
+              <a:t>21</a:t>
+            </a:fld>
+            <a:endParaRPr lang="pt-BR"/>
+          </a:p>
+        </p:txBody>
+      </p:sp>
+    </p:spTree>
+    <p:extLst>
+      <p:ext uri="{BB962C8B-B14F-4D97-AF65-F5344CB8AC3E}">
+        <p14:creationId xmlns:p14="http://schemas.microsoft.com/office/powerpoint/2010/main" val="4082089977"/>
+      </p:ext>
+    </p:extLst>
+  </p:cSld>
+  <p:clrMapOvr>
+    <a:masterClrMapping/>
+  </p:clrMapOvr>
+</p:notes>
+</file>
+
+<file path=ppt/notesSlides/notesSlide13.xml><?xml version="1.0" encoding="utf-8"?>
+<p:notes xmlns:a="http://schemas.openxmlformats.org/drawingml/2006/main" xmlns:r="http://schemas.openxmlformats.org/officeDocument/2006/relationships" xmlns:p="http://schemas.openxmlformats.org/presentationml/2006/main">
+  <p:cSld>
+    <p:spTree>
+      <p:nvGrpSpPr>
+        <p:cNvPr id="1" name=""/>
+        <p:cNvGrpSpPr/>
+        <p:nvPr/>
+      </p:nvGrpSpPr>
+      <p:grpSpPr>
+        <a:xfrm>
+          <a:off x="0" y="0"/>
+          <a:ext cx="0" cy="0"/>
+          <a:chOff x="0" y="0"/>
+          <a:chExt cx="0" cy="0"/>
+        </a:xfrm>
+      </p:grpSpPr>
+      <p:sp>
+        <p:nvSpPr>
+          <p:cNvPr id="2" name="Espaço Reservado para Imagem de Slide 1"/>
+          <p:cNvSpPr>
+            <a:spLocks noGrp="1" noRot="1" noChangeAspect="1"/>
+          </p:cNvSpPr>
+          <p:nvPr>
+            <p:ph type="sldImg"/>
+          </p:nvPr>
+        </p:nvSpPr>
+        <p:spPr/>
+      </p:sp>
+      <p:sp>
+        <p:nvSpPr>
+          <p:cNvPr id="3" name="Espaço Reservado para Anotações 2"/>
+          <p:cNvSpPr>
+            <a:spLocks noGrp="1"/>
+          </p:cNvSpPr>
+          <p:nvPr>
+            <p:ph type="body" idx="1"/>
+          </p:nvPr>
+        </p:nvSpPr>
+        <p:spPr/>
+        <p:txBody>
+          <a:bodyPr/>
+          <a:lstStyle/>
+          <a:p>
+            <a:pPr marL="0" marR="0" lvl="1" indent="0" algn="l" defTabSz="914400" rtl="0" eaLnBrk="1" fontAlgn="auto" latinLnBrk="0" hangingPunct="1">
+              <a:lnSpc>
+                <a:spcPct val="100000"/>
+              </a:lnSpc>
+              <a:spcBef>
+                <a:spcPts val="0"/>
+              </a:spcBef>
+              <a:spcAft>
+                <a:spcPts val="0"/>
+              </a:spcAft>
+              <a:buClrTx/>
+              <a:buSzTx/>
+              <a:buFontTx/>
+              <a:buNone/>
+              <a:tabLst/>
+              <a:defRPr/>
+            </a:pPr>
+            <a:r>
+              <a:rPr lang="pt-BR" baseline="30000" dirty="0"/>
+              <a:t>†</a:t>
+            </a:r>
+            <a:r>
+              <a:rPr lang="pt-BR" dirty="0"/>
+              <a:t> O índice </a:t>
+            </a:r>
+            <a:r>
+              <a:rPr lang="pt-BR" sz="1200" kern="1200" dirty="0">
+                <a:solidFill>
+                  <a:schemeClr val="tx1"/>
+                </a:solidFill>
+                <a:latin typeface="+mn-lt"/>
+                <a:ea typeface="+mn-ea"/>
+                <a:cs typeface="+mn-cs"/>
+              </a:rPr>
+              <a:t>3</a:t>
+            </a:r>
+            <a:r>
+              <a:rPr lang="pt-BR" dirty="0"/>
+              <a:t> é válido para este vetor? Não,</a:t>
+            </a:r>
+            <a:r>
+              <a:rPr lang="pt-BR" baseline="0" dirty="0"/>
+              <a:t> um vetor com 3 elementos tem índices de 0 a 2.</a:t>
+            </a:r>
+            <a:endParaRPr lang="pt-BR" dirty="0"/>
+          </a:p>
+          <a:p>
+            <a:endParaRPr lang="pt-BR" dirty="0"/>
+          </a:p>
+        </p:txBody>
+      </p:sp>
+      <p:sp>
+        <p:nvSpPr>
+          <p:cNvPr id="4" name="Espaço Reservado para Número de Slide 3"/>
+          <p:cNvSpPr>
+            <a:spLocks noGrp="1"/>
+          </p:cNvSpPr>
+          <p:nvPr>
+            <p:ph type="sldNum" sz="quarter" idx="10"/>
+          </p:nvPr>
+        </p:nvSpPr>
+        <p:spPr/>
+        <p:txBody>
+          <a:bodyPr/>
+          <a:lstStyle/>
+          <a:p>
+            <a:fld id="{0CCBE35C-FFF7-45E7-A1F3-86D06533C3F2}" type="slidenum">
+              <a:rPr lang="pt-BR" smtClean="0"/>
+              <a:pPr/>
+              <a:t>23</a:t>
+            </a:fld>
+            <a:endParaRPr lang="pt-BR"/>
+          </a:p>
+        </p:txBody>
+      </p:sp>
+    </p:spTree>
+    <p:extLst>
+      <p:ext uri="{BB962C8B-B14F-4D97-AF65-F5344CB8AC3E}">
+        <p14:creationId xmlns:p14="http://schemas.microsoft.com/office/powerpoint/2010/main" val="3384909805"/>
+      </p:ext>
+    </p:extLst>
+  </p:cSld>
+  <p:clrMapOvr>
+    <a:masterClrMapping/>
+  </p:clrMapOvr>
+</p:notes>
+</file>
+
+<file path=ppt/notesSlides/notesSlide14.xml><?xml version="1.0" encoding="utf-8"?>
+<p:notes xmlns:a="http://schemas.openxmlformats.org/drawingml/2006/main" xmlns:r="http://schemas.openxmlformats.org/officeDocument/2006/relationships" xmlns:p="http://schemas.openxmlformats.org/presentationml/2006/main">
+  <p:cSld>
+    <p:spTree>
+      <p:nvGrpSpPr>
+        <p:cNvPr id="1" name=""/>
+        <p:cNvGrpSpPr/>
+        <p:nvPr/>
+      </p:nvGrpSpPr>
+      <p:grpSpPr>
+        <a:xfrm>
+          <a:off x="0" y="0"/>
+          <a:ext cx="0" cy="0"/>
+          <a:chOff x="0" y="0"/>
+          <a:chExt cx="0" cy="0"/>
+        </a:xfrm>
+      </p:grpSpPr>
+      <p:sp>
+        <p:nvSpPr>
+          <p:cNvPr id="2" name="Espaço Reservado para Imagem de Slide 1"/>
+          <p:cNvSpPr>
+            <a:spLocks noGrp="1" noRot="1" noChangeAspect="1"/>
+          </p:cNvSpPr>
+          <p:nvPr>
+            <p:ph type="sldImg"/>
+          </p:nvPr>
+        </p:nvSpPr>
+        <p:spPr/>
+      </p:sp>
+      <p:sp>
+        <p:nvSpPr>
+          <p:cNvPr id="3" name="Espaço Reservado para Anotações 2"/>
+          <p:cNvSpPr>
+            <a:spLocks noGrp="1"/>
+          </p:cNvSpPr>
+          <p:nvPr>
+            <p:ph type="body" idx="1"/>
+          </p:nvPr>
+        </p:nvSpPr>
+        <p:spPr/>
+        <p:txBody>
+          <a:bodyPr/>
+          <a:lstStyle/>
+          <a:p>
+            <a:r>
+              <a:rPr lang="pt-BR" sz="1200" dirty="0">
+                <a:solidFill>
+                  <a:schemeClr val="bg1"/>
+                </a:solidFill>
+              </a:rPr>
+              <a:t>» Mostrar o que acontece dentro e fora da</a:t>
+            </a:r>
+            <a:r>
+              <a:rPr lang="pt-BR" sz="1200" baseline="0" dirty="0">
+                <a:solidFill>
+                  <a:schemeClr val="bg1"/>
+                </a:solidFill>
+              </a:rPr>
+              <a:t> IDE</a:t>
+            </a:r>
+            <a:endParaRPr lang="pt-BR" dirty="0"/>
+          </a:p>
+        </p:txBody>
+      </p:sp>
+      <p:sp>
+        <p:nvSpPr>
+          <p:cNvPr id="4" name="Espaço Reservado para Número de Slide 3"/>
+          <p:cNvSpPr>
+            <a:spLocks noGrp="1"/>
+          </p:cNvSpPr>
+          <p:nvPr>
+            <p:ph type="sldNum" sz="quarter" idx="10"/>
+          </p:nvPr>
+        </p:nvSpPr>
+        <p:spPr/>
+        <p:txBody>
+          <a:bodyPr/>
+          <a:lstStyle/>
+          <a:p>
+            <a:fld id="{0CCBE35C-FFF7-45E7-A1F3-86D06533C3F2}" type="slidenum">
+              <a:rPr lang="pt-BR" smtClean="0"/>
+              <a:pPr/>
               <a:t>24</a:t>
             </a:fld>
             <a:endParaRPr lang="pt-BR"/>
@@ -2134,7 +3317,7 @@
 </p:notes>
 </file>
 
-<file path=ppt/notesSlides/notesSlide13.xml><?xml version="1.0" encoding="utf-8"?>
+<file path=ppt/notesSlides/notesSlide15.xml><?xml version="1.0" encoding="utf-8"?>
 <p:notes xmlns:a="http://schemas.openxmlformats.org/drawingml/2006/main" xmlns:r="http://schemas.openxmlformats.org/officeDocument/2006/relationships" xmlns:p="http://schemas.openxmlformats.org/presentationml/2006/main">
   <p:cSld>
     <p:spTree>
@@ -2224,7 +3407,92 @@
 </p:notes>
 </file>
 
-<file path=ppt/notesSlides/notesSlide14.xml><?xml version="1.0" encoding="utf-8"?>
+<file path=ppt/notesSlides/notesSlide16.xml><?xml version="1.0" encoding="utf-8"?>
+<p:notes xmlns:a="http://schemas.openxmlformats.org/drawingml/2006/main" xmlns:r="http://schemas.openxmlformats.org/officeDocument/2006/relationships" xmlns:p="http://schemas.openxmlformats.org/presentationml/2006/main">
+  <p:cSld>
+    <p:spTree>
+      <p:nvGrpSpPr>
+        <p:cNvPr id="1" name=""/>
+        <p:cNvGrpSpPr/>
+        <p:nvPr/>
+      </p:nvGrpSpPr>
+      <p:grpSpPr>
+        <a:xfrm>
+          <a:off x="0" y="0"/>
+          <a:ext cx="0" cy="0"/>
+          <a:chOff x="0" y="0"/>
+          <a:chExt cx="0" cy="0"/>
+        </a:xfrm>
+      </p:grpSpPr>
+      <p:sp>
+        <p:nvSpPr>
+          <p:cNvPr id="2" name="Espaço Reservado para Imagem de Slide 1"/>
+          <p:cNvSpPr>
+            <a:spLocks noGrp="1" noRot="1" noChangeAspect="1"/>
+          </p:cNvSpPr>
+          <p:nvPr>
+            <p:ph type="sldImg"/>
+          </p:nvPr>
+        </p:nvSpPr>
+        <p:spPr/>
+      </p:sp>
+      <p:sp>
+        <p:nvSpPr>
+          <p:cNvPr id="3" name="Espaço Reservado para Anotações 2"/>
+          <p:cNvSpPr>
+            <a:spLocks noGrp="1"/>
+          </p:cNvSpPr>
+          <p:nvPr>
+            <p:ph type="body" idx="1"/>
+          </p:nvPr>
+        </p:nvSpPr>
+        <p:spPr/>
+        <p:txBody>
+          <a:bodyPr/>
+          <a:lstStyle/>
+          <a:p>
+            <a:endParaRPr lang="pt-BR" dirty="0"/>
+          </a:p>
+        </p:txBody>
+      </p:sp>
+      <p:sp>
+        <p:nvSpPr>
+          <p:cNvPr id="4" name="Espaço Reservado para Número de Slide 3"/>
+          <p:cNvSpPr>
+            <a:spLocks noGrp="1"/>
+          </p:cNvSpPr>
+          <p:nvPr>
+            <p:ph type="sldNum" sz="quarter" idx="5"/>
+          </p:nvPr>
+        </p:nvSpPr>
+        <p:spPr/>
+        <p:txBody>
+          <a:bodyPr/>
+          <a:lstStyle/>
+          <a:p>
+            <a:fld id="{0CCBE35C-FFF7-45E7-A1F3-86D06533C3F2}" type="slidenum">
+              <a:rPr lang="pt-BR" smtClean="0"/>
+              <a:pPr/>
+              <a:t>26</a:t>
+            </a:fld>
+            <a:endParaRPr lang="pt-BR"/>
+          </a:p>
+        </p:txBody>
+      </p:sp>
+    </p:spTree>
+    <p:extLst>
+      <p:ext uri="{BB962C8B-B14F-4D97-AF65-F5344CB8AC3E}">
+        <p14:creationId xmlns:p14="http://schemas.microsoft.com/office/powerpoint/2010/main" val="3974205208"/>
+      </p:ext>
+    </p:extLst>
+  </p:cSld>
+  <p:clrMapOvr>
+    <a:masterClrMapping/>
+  </p:clrMapOvr>
+</p:notes>
+</file>
+
+<file path=ppt/notesSlides/notesSlide17.xml><?xml version="1.0" encoding="utf-8"?>
 <p:notes xmlns:a="http://schemas.openxmlformats.org/drawingml/2006/main" xmlns:r="http://schemas.openxmlformats.org/officeDocument/2006/relationships" xmlns:p="http://schemas.openxmlformats.org/presentationml/2006/main">
   <p:cSld>
     <p:spTree>
@@ -2322,7 +3590,7 @@
 </p:notes>
 </file>
 
-<file path=ppt/notesSlides/notesSlide15.xml><?xml version="1.0" encoding="utf-8"?>
+<file path=ppt/notesSlides/notesSlide18.xml><?xml version="1.0" encoding="utf-8"?>
 <p:notes xmlns:a="http://schemas.openxmlformats.org/drawingml/2006/main" xmlns:r="http://schemas.openxmlformats.org/officeDocument/2006/relationships" xmlns:p="http://schemas.openxmlformats.org/presentationml/2006/main">
   <p:cSld>
     <p:spTree>
@@ -2367,46 +3635,13 @@
           <a:lstStyle/>
           <a:p>
             <a:r>
+              <a:rPr lang="pt-BR" dirty="0" err="1"/>
+              <a:t>vet.push_back</a:t>
+            </a:r>
+            <a:r>
               <a:rPr lang="pt-BR" dirty="0"/>
-              <a:t>É importante observar que o</a:t>
-            </a:r>
-            <a:r>
-              <a:rPr lang="pt-BR" baseline="0" dirty="0"/>
-              <a:t> acesso aos elementos através da notação </a:t>
-            </a:r>
-            <a:r>
-              <a:rPr lang="pt-BR" baseline="0" dirty="0" err="1"/>
-              <a:t>vetC</a:t>
-            </a:r>
-            <a:r>
-              <a:rPr lang="pt-BR" baseline="0" dirty="0"/>
-              <a:t>[2] é tão inseguro quanto </a:t>
-            </a:r>
-            <a:r>
-              <a:rPr lang="pt-BR" baseline="0" dirty="0" err="1"/>
-              <a:t>vetA</a:t>
-            </a:r>
-            <a:r>
-              <a:rPr lang="pt-BR" baseline="0" dirty="0"/>
-              <a:t>[2]. No entanto uma posição do </a:t>
-            </a:r>
-            <a:r>
-              <a:rPr lang="pt-BR" baseline="0" dirty="0" err="1"/>
-              <a:t>array</a:t>
-            </a:r>
-            <a:r>
-              <a:rPr lang="pt-BR" baseline="0" dirty="0"/>
-              <a:t> pode ser acessada através de vetC.at(4). O método </a:t>
-            </a:r>
-            <a:r>
-              <a:rPr lang="pt-BR" baseline="0" dirty="0" err="1"/>
-              <a:t>at</a:t>
-            </a:r>
-            <a:r>
-              <a:rPr lang="pt-BR" baseline="0" dirty="0"/>
-              <a:t>() faz verificação de faixa. Ele não é usado por padrão porque a verificação implica em um custo adicional no tratamento do vetor. Cabe ao programador escolher se o custo adicional vale a pena.</a:t>
-            </a:r>
-            <a:endParaRPr lang="pt-BR" dirty="0"/>
+              <a:t>( ) insere elementos e cresce automaticamente o vetor.</a:t>
+            </a:r>
           </a:p>
         </p:txBody>
       </p:sp>
@@ -2417,7 +3652,7 @@
             <a:spLocks noGrp="1"/>
           </p:cNvSpPr>
           <p:nvPr>
-            <p:ph type="sldNum" sz="quarter" idx="10"/>
+            <p:ph type="sldNum" sz="quarter" idx="5"/>
           </p:nvPr>
         </p:nvSpPr>
         <p:spPr/>
@@ -2425,10 +3660,10 @@
           <a:bodyPr/>
           <a:lstStyle/>
           <a:p>
-            <a:fld id="{EF334A8D-C5BE-432D-90D0-92D67DD437AB}" type="slidenum">
+            <a:fld id="{0CCBE35C-FFF7-45E7-A1F3-86D06533C3F2}" type="slidenum">
               <a:rPr lang="pt-BR" smtClean="0"/>
               <a:pPr/>
-              <a:t>30</a:t>
+              <a:t>28</a:t>
             </a:fld>
             <a:endParaRPr lang="pt-BR"/>
           </a:p>
@@ -2437,7 +3672,7 @@
     </p:spTree>
     <p:extLst>
       <p:ext uri="{BB962C8B-B14F-4D97-AF65-F5344CB8AC3E}">
-        <p14:creationId xmlns:p14="http://schemas.microsoft.com/office/powerpoint/2010/main" val="3521317888"/>
+        <p14:creationId xmlns:p14="http://schemas.microsoft.com/office/powerpoint/2010/main" val="1244376816"/>
       </p:ext>
     </p:extLst>
   </p:cSld>
@@ -2707,7 +3942,23 @@
             </a:r>
             <a:r>
               <a:rPr lang="pt-BR" baseline="0" dirty="0"/>
-              <a:t> </a:t>
+              <a:t> compilador g++ (Linux) e seus </a:t>
+            </a:r>
+            <a:r>
+              <a:rPr lang="pt-BR" baseline="0" dirty="0" err="1"/>
+              <a:t>ports</a:t>
+            </a:r>
+            <a:r>
+              <a:rPr lang="pt-BR" baseline="0" dirty="0"/>
+              <a:t>, como o do </a:t>
+            </a:r>
+            <a:r>
+              <a:rPr lang="pt-BR" baseline="0" dirty="0" err="1"/>
+              <a:t>MinGW</a:t>
+            </a:r>
+            <a:r>
+              <a:rPr lang="pt-BR" baseline="0" dirty="0"/>
+              <a:t> usado no </a:t>
             </a:r>
             <a:r>
               <a:rPr lang="pt-BR" baseline="0" dirty="0" err="1"/>
@@ -2715,7 +3966,7 @@
             </a:r>
             <a:r>
               <a:rPr lang="pt-BR" baseline="0" dirty="0"/>
-              <a:t>++ permite criar vetores usando uma variável para o tamanho do vetor, mas isso não é correto.</a:t>
+              <a:t>++, habilitam por padrão uma extensão não padronizada da linguagem que permite criar vetores usando uma variável para o tamanho do vetor, mas isso não é correto.</a:t>
             </a:r>
             <a:endParaRPr lang="pt-BR" dirty="0"/>
           </a:p>
@@ -2785,12 +4036,7 @@
             <p:ph type="sldImg"/>
           </p:nvPr>
         </p:nvSpPr>
-        <p:spPr>
-          <a:xfrm>
-            <a:off x="381000" y="685800"/>
-            <a:ext cx="6096000" cy="3429000"/>
-          </a:xfrm>
-        </p:spPr>
+        <p:spPr/>
       </p:sp>
       <p:sp>
         <p:nvSpPr>
@@ -2804,28 +4050,37 @@
         </p:nvSpPr>
         <p:spPr/>
         <p:txBody>
-          <a:bodyPr>
-            <a:normAutofit/>
-          </a:bodyPr>
+          <a:bodyPr/>
           <a:lstStyle/>
           <a:p>
             <a:r>
               <a:rPr lang="pt-BR" dirty="0"/>
-              <a:t>» Mostrar o erro na compilação: Max não pode ser </a:t>
+              <a:t>Será que eu posso usar os valores 30, 5*</a:t>
             </a:r>
             <a:r>
               <a:rPr lang="pt-BR" dirty="0" err="1"/>
-              <a:t>constexpr</a:t>
+              <a:t>sizeof</a:t>
             </a:r>
             <a:r>
               <a:rPr lang="pt-BR" dirty="0"/>
-              <a:t> e portanto não pode ser usado para</a:t>
-            </a:r>
-            <a:r>
-              <a:rPr lang="pt-BR" baseline="0" dirty="0"/>
-              <a:t> o tamanho do vetor.</a:t>
-            </a:r>
-            <a:endParaRPr lang="pt-BR" dirty="0"/>
+              <a:t>(</a:t>
+            </a:r>
+            <a:r>
+              <a:rPr lang="pt-BR" dirty="0" err="1"/>
+              <a:t>int</a:t>
+            </a:r>
+            <a:r>
+              <a:rPr lang="pt-BR" dirty="0"/>
+              <a:t>) e </a:t>
+            </a:r>
+            <a:r>
+              <a:rPr lang="pt-BR" dirty="0" err="1"/>
+              <a:t>rand</a:t>
+            </a:r>
+            <a:r>
+              <a:rPr lang="pt-BR" dirty="0"/>
+              <a:t>() para o tamanho de um vetor?</a:t>
+            </a:r>
           </a:p>
         </p:txBody>
       </p:sp>
@@ -2836,7 +4091,7 @@
             <a:spLocks noGrp="1"/>
           </p:cNvSpPr>
           <p:nvPr>
-            <p:ph type="sldNum" sz="quarter" idx="10"/>
+            <p:ph type="sldNum" sz="quarter" idx="5"/>
           </p:nvPr>
         </p:nvSpPr>
         <p:spPr/>
@@ -2847,7 +4102,7 @@
             <a:fld id="{0CCBE35C-FFF7-45E7-A1F3-86D06533C3F2}" type="slidenum">
               <a:rPr lang="pt-BR" smtClean="0"/>
               <a:pPr/>
-              <a:t>11</a:t>
+              <a:t>10</a:t>
             </a:fld>
             <a:endParaRPr lang="pt-BR"/>
           </a:p>
@@ -2856,7 +4111,7 @@
     </p:spTree>
     <p:extLst>
       <p:ext uri="{BB962C8B-B14F-4D97-AF65-F5344CB8AC3E}">
-        <p14:creationId xmlns:p14="http://schemas.microsoft.com/office/powerpoint/2010/main" val="3245106347"/>
+        <p14:creationId xmlns:p14="http://schemas.microsoft.com/office/powerpoint/2010/main" val="2966683526"/>
       </p:ext>
     </p:extLst>
   </p:cSld>
@@ -2919,11 +4174,19 @@
           <a:p>
             <a:r>
               <a:rPr lang="pt-BR" dirty="0"/>
-              <a:t>Ilustra</a:t>
+              <a:t>» Mostrar o erro na compilação: Max não pode ser </a:t>
+            </a:r>
+            <a:r>
+              <a:rPr lang="pt-BR" dirty="0" err="1"/>
+              <a:t>constexpr</a:t>
+            </a:r>
+            <a:r>
+              <a:rPr lang="pt-BR" dirty="0"/>
+              <a:t> e portanto não pode ser usado para</a:t>
             </a:r>
             <a:r>
               <a:rPr lang="pt-BR" baseline="0" dirty="0"/>
-              <a:t> declaração, atribuição e inicialização de vetores.</a:t>
+              <a:t> o tamanho do vetor (ConstTam.cpp)</a:t>
             </a:r>
             <a:endParaRPr lang="pt-BR" dirty="0"/>
           </a:p>
@@ -2947,7 +4210,7 @@
             <a:fld id="{0CCBE35C-FFF7-45E7-A1F3-86D06533C3F2}" type="slidenum">
               <a:rPr lang="pt-BR" smtClean="0"/>
               <a:pPr/>
-              <a:t>15</a:t>
+              <a:t>11</a:t>
             </a:fld>
             <a:endParaRPr lang="pt-BR"/>
           </a:p>
@@ -2956,7 +4219,7 @@
     </p:spTree>
     <p:extLst>
       <p:ext uri="{BB962C8B-B14F-4D97-AF65-F5344CB8AC3E}">
-        <p14:creationId xmlns:p14="http://schemas.microsoft.com/office/powerpoint/2010/main" val="3200231627"/>
+        <p14:creationId xmlns:p14="http://schemas.microsoft.com/office/powerpoint/2010/main" val="3245106347"/>
       </p:ext>
     </p:extLst>
   </p:cSld>
@@ -2967,6 +4230,102 @@
 </file>
 
 <file path=ppt/notesSlides/notesSlide7.xml><?xml version="1.0" encoding="utf-8"?>
+<p:notes xmlns:a="http://schemas.openxmlformats.org/drawingml/2006/main" xmlns:r="http://schemas.openxmlformats.org/officeDocument/2006/relationships" xmlns:p="http://schemas.openxmlformats.org/presentationml/2006/main">
+  <p:cSld>
+    <p:spTree>
+      <p:nvGrpSpPr>
+        <p:cNvPr id="1" name=""/>
+        <p:cNvGrpSpPr/>
+        <p:nvPr/>
+      </p:nvGrpSpPr>
+      <p:grpSpPr>
+        <a:xfrm>
+          <a:off x="0" y="0"/>
+          <a:ext cx="0" cy="0"/>
+          <a:chOff x="0" y="0"/>
+          <a:chExt cx="0" cy="0"/>
+        </a:xfrm>
+      </p:grpSpPr>
+      <p:sp>
+        <p:nvSpPr>
+          <p:cNvPr id="2" name="Espaço Reservado para Imagem de Slide 1"/>
+          <p:cNvSpPr>
+            <a:spLocks noGrp="1" noRot="1" noChangeAspect="1"/>
+          </p:cNvSpPr>
+          <p:nvPr>
+            <p:ph type="sldImg"/>
+          </p:nvPr>
+        </p:nvSpPr>
+        <p:spPr/>
+      </p:sp>
+      <p:sp>
+        <p:nvSpPr>
+          <p:cNvPr id="3" name="Espaço Reservado para Anotações 2"/>
+          <p:cNvSpPr>
+            <a:spLocks noGrp="1"/>
+          </p:cNvSpPr>
+          <p:nvPr>
+            <p:ph type="body" idx="1"/>
+          </p:nvPr>
+        </p:nvSpPr>
+        <p:spPr/>
+        <p:txBody>
+          <a:bodyPr/>
+          <a:lstStyle/>
+          <a:p>
+            <a:r>
+              <a:rPr lang="pt-BR" dirty="0"/>
+              <a:t>Os endereços representados na ilustração saltam de 4 em 4 bytes (tamanho de um </a:t>
+            </a:r>
+            <a:r>
+              <a:rPr lang="pt-BR" dirty="0" err="1"/>
+              <a:t>int</a:t>
+            </a:r>
+            <a:r>
+              <a:rPr lang="pt-BR" dirty="0"/>
+              <a:t>).</a:t>
+            </a:r>
+          </a:p>
+        </p:txBody>
+      </p:sp>
+      <p:sp>
+        <p:nvSpPr>
+          <p:cNvPr id="4" name="Espaço Reservado para Número de Slide 3"/>
+          <p:cNvSpPr>
+            <a:spLocks noGrp="1"/>
+          </p:cNvSpPr>
+          <p:nvPr>
+            <p:ph type="sldNum" sz="quarter" idx="5"/>
+          </p:nvPr>
+        </p:nvSpPr>
+        <p:spPr/>
+        <p:txBody>
+          <a:bodyPr/>
+          <a:lstStyle/>
+          <a:p>
+            <a:fld id="{0CCBE35C-FFF7-45E7-A1F3-86D06533C3F2}" type="slidenum">
+              <a:rPr lang="pt-BR" smtClean="0"/>
+              <a:pPr/>
+              <a:t>13</a:t>
+            </a:fld>
+            <a:endParaRPr lang="pt-BR"/>
+          </a:p>
+        </p:txBody>
+      </p:sp>
+    </p:spTree>
+    <p:extLst>
+      <p:ext uri="{BB962C8B-B14F-4D97-AF65-F5344CB8AC3E}">
+        <p14:creationId xmlns:p14="http://schemas.microsoft.com/office/powerpoint/2010/main" val="329260946"/>
+      </p:ext>
+    </p:extLst>
+  </p:cSld>
+  <p:clrMapOvr>
+    <a:masterClrMapping/>
+  </p:clrMapOvr>
+</p:notes>
+</file>
+
+<file path=ppt/notesSlides/notesSlide8.xml><?xml version="1.0" encoding="utf-8"?>
 <p:notes xmlns:a="http://schemas.openxmlformats.org/drawingml/2006/main" xmlns:r="http://schemas.openxmlformats.org/officeDocument/2006/relationships" xmlns:p="http://schemas.openxmlformats.org/presentationml/2006/main">
   <p:cSld>
     <p:spTree>
@@ -3018,20 +4377,12 @@
           <a:lstStyle/>
           <a:p>
             <a:r>
-              <a:rPr lang="pt-BR" sz="1200" dirty="0">
-                <a:solidFill>
-                  <a:schemeClr val="bg1"/>
-                </a:solidFill>
-              </a:rPr>
-              <a:t>» Visualizar</a:t>
-            </a:r>
-            <a:r>
-              <a:rPr lang="pt-BR" sz="1200" baseline="0" dirty="0">
-                <a:solidFill>
-                  <a:schemeClr val="bg1"/>
-                </a:solidFill>
-              </a:rPr>
-              <a:t> o conteúdo de um vetor através do depurador</a:t>
+              <a:rPr lang="pt-BR" dirty="0"/>
+              <a:t>Ilustra</a:t>
+            </a:r>
+            <a:r>
+              <a:rPr lang="pt-BR" baseline="0" dirty="0"/>
+              <a:t> declaração, atribuição e inicialização de vetores (Vetores.cpp)</a:t>
             </a:r>
             <a:endParaRPr lang="pt-BR" dirty="0"/>
           </a:p>
@@ -3055,7 +4406,7 @@
             <a:fld id="{0CCBE35C-FFF7-45E7-A1F3-86D06533C3F2}" type="slidenum">
               <a:rPr lang="pt-BR" smtClean="0"/>
               <a:pPr/>
-              <a:t>17</a:t>
+              <a:t>15</a:t>
             </a:fld>
             <a:endParaRPr lang="pt-BR"/>
           </a:p>
@@ -3064,116 +4415,7 @@
     </p:spTree>
     <p:extLst>
       <p:ext uri="{BB962C8B-B14F-4D97-AF65-F5344CB8AC3E}">
-        <p14:creationId xmlns:p14="http://schemas.microsoft.com/office/powerpoint/2010/main" val="3023330459"/>
-      </p:ext>
-    </p:extLst>
-  </p:cSld>
-  <p:clrMapOvr>
-    <a:masterClrMapping/>
-  </p:clrMapOvr>
-</p:notes>
-</file>
-
-<file path=ppt/notesSlides/notesSlide8.xml><?xml version="1.0" encoding="utf-8"?>
-<p:notes xmlns:a="http://schemas.openxmlformats.org/drawingml/2006/main" xmlns:r="http://schemas.openxmlformats.org/officeDocument/2006/relationships" xmlns:p="http://schemas.openxmlformats.org/presentationml/2006/main">
-  <p:cSld>
-    <p:spTree>
-      <p:nvGrpSpPr>
-        <p:cNvPr id="1" name=""/>
-        <p:cNvGrpSpPr/>
-        <p:nvPr/>
-      </p:nvGrpSpPr>
-      <p:grpSpPr>
-        <a:xfrm>
-          <a:off x="0" y="0"/>
-          <a:ext cx="0" cy="0"/>
-          <a:chOff x="0" y="0"/>
-          <a:chExt cx="0" cy="0"/>
-        </a:xfrm>
-      </p:grpSpPr>
-      <p:sp>
-        <p:nvSpPr>
-          <p:cNvPr id="2" name="Espaço Reservado para Imagem de Slide 1"/>
-          <p:cNvSpPr>
-            <a:spLocks noGrp="1" noRot="1" noChangeAspect="1"/>
-          </p:cNvSpPr>
-          <p:nvPr>
-            <p:ph type="sldImg"/>
-          </p:nvPr>
-        </p:nvSpPr>
-        <p:spPr/>
-      </p:sp>
-      <p:sp>
-        <p:nvSpPr>
-          <p:cNvPr id="3" name="Espaço Reservado para Anotações 2"/>
-          <p:cNvSpPr>
-            <a:spLocks noGrp="1"/>
-          </p:cNvSpPr>
-          <p:nvPr>
-            <p:ph type="body" idx="1"/>
-          </p:nvPr>
-        </p:nvSpPr>
-        <p:spPr/>
-        <p:txBody>
-          <a:bodyPr/>
-          <a:lstStyle/>
-          <a:p>
-            <a:r>
-              <a:rPr lang="pt-BR" sz="1200" dirty="0">
-                <a:solidFill>
-                  <a:schemeClr val="bg1"/>
-                </a:solidFill>
-              </a:rPr>
-              <a:t>» </a:t>
-            </a:r>
-            <a:r>
-              <a:rPr lang="pt-BR" dirty="0"/>
-              <a:t>Mostrar resultados</a:t>
-            </a:r>
-            <a:r>
-              <a:rPr lang="pt-BR" baseline="0" dirty="0"/>
-              <a:t> no g++ e no </a:t>
-            </a:r>
-            <a:r>
-              <a:rPr lang="pt-BR" baseline="0" dirty="0" err="1"/>
-              <a:t>clang</a:t>
-            </a:r>
-            <a:r>
-              <a:rPr lang="pt-BR" baseline="0" dirty="0"/>
-              <a:t>++</a:t>
-            </a:r>
-            <a:endParaRPr lang="pt-BR" dirty="0"/>
-          </a:p>
-        </p:txBody>
-      </p:sp>
-      <p:sp>
-        <p:nvSpPr>
-          <p:cNvPr id="4" name="Espaço Reservado para Número de Slide 3"/>
-          <p:cNvSpPr>
-            <a:spLocks noGrp="1"/>
-          </p:cNvSpPr>
-          <p:nvPr>
-            <p:ph type="sldNum" sz="quarter" idx="10"/>
-          </p:nvPr>
-        </p:nvSpPr>
-        <p:spPr/>
-        <p:txBody>
-          <a:bodyPr/>
-          <a:lstStyle/>
-          <a:p>
-            <a:fld id="{0CCBE35C-FFF7-45E7-A1F3-86D06533C3F2}" type="slidenum">
-              <a:rPr lang="pt-BR" smtClean="0"/>
-              <a:pPr/>
-              <a:t>18</a:t>
-            </a:fld>
-            <a:endParaRPr lang="pt-BR"/>
-          </a:p>
-        </p:txBody>
-      </p:sp>
-    </p:spTree>
-    <p:extLst>
-      <p:ext uri="{BB962C8B-B14F-4D97-AF65-F5344CB8AC3E}">
-        <p14:creationId xmlns:p14="http://schemas.microsoft.com/office/powerpoint/2010/main" val="4249970454"/>
+        <p14:creationId xmlns:p14="http://schemas.microsoft.com/office/powerpoint/2010/main" val="3200231627"/>
       </p:ext>
     </p:extLst>
   </p:cSld>
@@ -3210,7 +4452,12 @@
             <p:ph type="sldImg"/>
           </p:nvPr>
         </p:nvSpPr>
-        <p:spPr/>
+        <p:spPr>
+          <a:xfrm>
+            <a:off x="381000" y="685800"/>
+            <a:ext cx="6096000" cy="3429000"/>
+          </a:xfrm>
+        </p:spPr>
       </p:sp>
       <p:sp>
         <p:nvSpPr>
@@ -3224,13 +4471,28 @@
         </p:nvSpPr>
         <p:spPr/>
         <p:txBody>
-          <a:bodyPr/>
+          <a:bodyPr>
+            <a:normAutofit/>
+          </a:bodyPr>
           <a:lstStyle/>
           <a:p>
             <a:r>
-              <a:rPr lang="pt-BR" dirty="0"/>
-              <a:t>Ao usar o vetor sem a notação de [ ], estamos acessando um endereço.</a:t>
-            </a:r>
+              <a:rPr lang="pt-BR" sz="1200" dirty="0">
+                <a:solidFill>
+                  <a:schemeClr val="bg1"/>
+                </a:solidFill>
+              </a:rPr>
+              <a:t>» Visualizar</a:t>
+            </a:r>
+            <a:r>
+              <a:rPr lang="pt-BR" sz="1200" baseline="0" dirty="0">
+                <a:solidFill>
+                  <a:schemeClr val="bg1"/>
+                </a:solidFill>
+              </a:rPr>
+              <a:t> o conteúdo de um vetor através do depurador (NaoInicializado.cpp)</a:t>
+            </a:r>
+            <a:endParaRPr lang="pt-BR" dirty="0"/>
           </a:p>
         </p:txBody>
       </p:sp>
@@ -3252,7 +4514,7 @@
             <a:fld id="{0CCBE35C-FFF7-45E7-A1F3-86D06533C3F2}" type="slidenum">
               <a:rPr lang="pt-BR" smtClean="0"/>
               <a:pPr/>
-              <a:t>20</a:t>
+              <a:t>17</a:t>
             </a:fld>
             <a:endParaRPr lang="pt-BR"/>
           </a:p>
@@ -3261,7 +4523,7 @@
     </p:spTree>
     <p:extLst>
       <p:ext uri="{BB962C8B-B14F-4D97-AF65-F5344CB8AC3E}">
-        <p14:creationId xmlns:p14="http://schemas.microsoft.com/office/powerpoint/2010/main" val="4040933080"/>
+        <p14:creationId xmlns:p14="http://schemas.microsoft.com/office/powerpoint/2010/main" val="3023330459"/>
       </p:ext>
     </p:extLst>
   </p:cSld>
@@ -3288,6 +4550,37 @@
           <a:chExt cx="0" cy="0"/>
         </a:xfrm>
       </p:grpSpPr>
+      <p:pic>
+        <p:nvPicPr>
+          <p:cNvPr id="13" name="Picture 3" descr="Rede de tecnologia iluminada em uma tela de fundo escura">
+            <a:extLst>
+              <a:ext uri="{FF2B5EF4-FFF2-40B4-BE49-F238E27FC236}">
+                <a16:creationId xmlns:a16="http://schemas.microsoft.com/office/drawing/2014/main" id="{969DF6AC-F258-4938-BA35-2B225A093777}"/>
+              </a:ext>
+            </a:extLst>
+          </p:cNvPr>
+          <p:cNvPicPr>
+            <a:picLocks noChangeAspect="1"/>
+          </p:cNvPicPr>
+          <p:nvPr userDrawn="1"/>
+        </p:nvPicPr>
+        <p:blipFill rotWithShape="1">
+          <a:blip r:embed="rId2">
+            <a:alphaModFix amt="30000"/>
+          </a:blip>
+          <a:srcRect t="22329"/>
+          <a:stretch/>
+        </p:blipFill>
+        <p:spPr>
+          <a:xfrm flipH="1" flipV="1">
+            <a:off x="487680" y="0"/>
+            <a:ext cx="11704320" cy="6858000"/>
+          </a:xfrm>
+          <a:prstGeom prst="rect">
+            <a:avLst/>
+          </a:prstGeom>
+        </p:spPr>
+      </p:pic>
       <p:sp>
         <p:nvSpPr>
           <p:cNvPr id="28" name="Espaço Reservado para Data 27"/>
@@ -3306,7 +4599,7 @@
             <a:fld id="{D7C55EEC-0318-498A-BF02-D605D7177864}" type="datetimeFigureOut">
               <a:rPr lang="pt-BR" smtClean="0"/>
               <a:pPr/>
-              <a:t>24/10/2019</a:t>
+              <a:t>05/04/2021</a:t>
             </a:fld>
             <a:endParaRPr lang="pt-BR"/>
           </a:p>
@@ -3861,7 +5154,7 @@
             <a:fld id="{D7C55EEC-0318-498A-BF02-D605D7177864}" type="datetimeFigureOut">
               <a:rPr lang="pt-BR" smtClean="0"/>
               <a:pPr/>
-              <a:t>24/10/2019</a:t>
+              <a:t>05/04/2021</a:t>
             </a:fld>
             <a:endParaRPr lang="pt-BR"/>
           </a:p>
@@ -4038,7 +5331,7 @@
             <a:fld id="{D7C55EEC-0318-498A-BF02-D605D7177864}" type="datetimeFigureOut">
               <a:rPr lang="pt-BR" smtClean="0"/>
               <a:pPr/>
-              <a:t>24/10/2019</a:t>
+              <a:t>05/04/2021</a:t>
             </a:fld>
             <a:endParaRPr lang="pt-BR"/>
           </a:p>
@@ -4205,7 +5498,7 @@
             <a:fld id="{D7C55EEC-0318-498A-BF02-D605D7177864}" type="datetimeFigureOut">
               <a:rPr lang="pt-BR" smtClean="0"/>
               <a:pPr/>
-              <a:t>24/10/2019</a:t>
+              <a:t>05/04/2021</a:t>
             </a:fld>
             <a:endParaRPr lang="pt-BR"/>
           </a:p>
@@ -5654,7 +6947,7 @@
             <a:fld id="{D7C55EEC-0318-498A-BF02-D605D7177864}" type="datetimeFigureOut">
               <a:rPr lang="pt-BR" smtClean="0"/>
               <a:pPr/>
-              <a:t>24/10/2019</a:t>
+              <a:t>05/04/2021</a:t>
             </a:fld>
             <a:endParaRPr lang="pt-BR"/>
           </a:p>
@@ -6236,7 +7529,7 @@
             <a:fld id="{D7C55EEC-0318-498A-BF02-D605D7177864}" type="datetimeFigureOut">
               <a:rPr lang="pt-BR" smtClean="0"/>
               <a:pPr/>
-              <a:t>24/10/2019</a:t>
+              <a:t>05/04/2021</a:t>
             </a:fld>
             <a:endParaRPr lang="pt-BR"/>
           </a:p>
@@ -6667,7 +7960,7 @@
             <a:fld id="{D7C55EEC-0318-498A-BF02-D605D7177864}" type="datetimeFigureOut">
               <a:rPr lang="pt-BR" smtClean="0"/>
               <a:pPr/>
-              <a:t>24/10/2019</a:t>
+              <a:t>05/04/2021</a:t>
             </a:fld>
             <a:endParaRPr lang="pt-BR"/>
           </a:p>
@@ -7206,7 +8499,7 @@
             <a:fld id="{D7C55EEC-0318-498A-BF02-D605D7177864}" type="datetimeFigureOut">
               <a:rPr lang="pt-BR" smtClean="0"/>
               <a:pPr/>
-              <a:t>24/10/2019</a:t>
+              <a:t>05/04/2021</a:t>
             </a:fld>
             <a:endParaRPr lang="pt-BR"/>
           </a:p>
@@ -7298,7 +8591,7 @@
             <a:fld id="{D7C55EEC-0318-498A-BF02-D605D7177864}" type="datetimeFigureOut">
               <a:rPr lang="pt-BR" smtClean="0"/>
               <a:pPr/>
-              <a:t>24/10/2019</a:t>
+              <a:t>05/04/2021</a:t>
             </a:fld>
             <a:endParaRPr lang="pt-BR"/>
           </a:p>
@@ -7548,7 +8841,7 @@
             <a:fld id="{D7C55EEC-0318-498A-BF02-D605D7177864}" type="datetimeFigureOut">
               <a:rPr lang="pt-BR" smtClean="0"/>
               <a:pPr/>
-              <a:t>24/10/2019</a:t>
+              <a:t>05/04/2021</a:t>
             </a:fld>
             <a:endParaRPr lang="pt-BR"/>
           </a:p>
@@ -8263,7 +9556,7 @@
             <a:fld id="{D7C55EEC-0318-498A-BF02-D605D7177864}" type="datetimeFigureOut">
               <a:rPr lang="pt-BR" smtClean="0"/>
               <a:pPr/>
-              <a:t>24/10/2019</a:t>
+              <a:t>05/04/2021</a:t>
             </a:fld>
             <a:endParaRPr lang="pt-BR"/>
           </a:p>
@@ -8334,9 +9627,23 @@
 <p:sldMaster xmlns:a="http://schemas.openxmlformats.org/drawingml/2006/main" xmlns:r="http://schemas.openxmlformats.org/officeDocument/2006/relationships" xmlns:p="http://schemas.openxmlformats.org/presentationml/2006/main">
   <p:cSld>
     <p:bg>
-      <p:bgRef idx="1002">
-        <a:schemeClr val="bg2"/>
-      </p:bgRef>
+      <p:bgPr>
+        <a:gradFill rotWithShape="1">
+          <a:gsLst>
+            <a:gs pos="50000">
+              <a:schemeClr val="bg1">
+                <a:shade val="90000"/>
+                <a:satMod val="375000"/>
+              </a:schemeClr>
+            </a:gs>
+            <a:gs pos="100000">
+              <a:srgbClr val="28415E"/>
+            </a:gs>
+          </a:gsLst>
+          <a:lin ang="5400000" scaled="0"/>
+        </a:gradFill>
+        <a:effectLst/>
+      </p:bgPr>
     </p:bg>
     <p:spTree>
       <p:nvGrpSpPr>
@@ -8530,7 +9837,7 @@
             <a:fld id="{D7C55EEC-0318-498A-BF02-D605D7177864}" type="datetimeFigureOut">
               <a:rPr lang="pt-BR" smtClean="0"/>
               <a:pPr/>
-              <a:t>24/10/2019</a:t>
+              <a:t>05/04/2021</a:t>
             </a:fld>
             <a:endParaRPr lang="pt-BR"/>
           </a:p>
@@ -9242,7 +10549,14 @@
             <a:pPr lvl="1"/>
             <a:r>
               <a:rPr lang="pt-BR" dirty="0"/>
-              <a:t>Declara uma constante que pode ser inicializada apenas para valores </a:t>
+              <a:t>Declara uma constante que pode ser inicializada apenas </a:t>
+            </a:r>
+            <a:br>
+              <a:rPr lang="pt-BR" dirty="0"/>
+            </a:br>
+            <a:r>
+              <a:rPr lang="pt-BR" dirty="0"/>
+              <a:t>para valores </a:t>
             </a:r>
             <a:r>
               <a:rPr lang="pt-BR" dirty="0">
@@ -9252,7 +10566,7 @@
                   </a:schemeClr>
                 </a:solidFill>
               </a:rPr>
-              <a:t>calculados durante o processo de compilação</a:t>
+              <a:t>conhecidos na compilação do programa</a:t>
             </a:r>
             <a:br>
               <a:rPr lang="pt-BR" dirty="0"/>
@@ -10204,7 +11518,7 @@
           <p:nvPr>
             <p:extLst>
               <p:ext uri="{D42A27DB-BD31-4B8C-83A1-F6EECF244321}">
-                <p14:modId xmlns:p14="http://schemas.microsoft.com/office/powerpoint/2010/main" val="3270111232"/>
+                <p14:modId xmlns:p14="http://schemas.microsoft.com/office/powerpoint/2010/main" val="1171265932"/>
               </p:ext>
             </p:extLst>
           </p:nvPr>
@@ -10499,18 +11813,7 @@
                           <a:ea typeface="+mn-ea"/>
                           <a:cs typeface="+mn-cs"/>
                         </a:rPr>
-                        <a:t>();      </a:t>
-                      </a:r>
-                      <a:r>
-                        <a:rPr kumimoji="0" lang="pt-BR" b="1" kern="1200" dirty="0">
-                          <a:solidFill>
-                            <a:srgbClr val="FF0000"/>
-                          </a:solidFill>
-                          <a:latin typeface="+mj-lt"/>
-                          <a:ea typeface="+mn-ea"/>
-                          <a:cs typeface="+mn-cs"/>
-                        </a:rPr>
-                        <a:t>X</a:t>
+                        <a:t>(); </a:t>
                       </a:r>
                       <a:endParaRPr lang="pt-BR" b="0" dirty="0">
                         <a:latin typeface="+mj-lt"/>
@@ -10574,6 +11877,126 @@
               <a:rPr lang="pt-BR" dirty="0"/>
               <a:t>Declaração de Vetores</a:t>
             </a:r>
+          </a:p>
+        </p:txBody>
+      </p:sp>
+      <p:sp>
+        <p:nvSpPr>
+          <p:cNvPr id="8" name="CaixaDeTexto 7">
+            <a:extLst>
+              <a:ext uri="{FF2B5EF4-FFF2-40B4-BE49-F238E27FC236}">
+                <a16:creationId xmlns:a16="http://schemas.microsoft.com/office/drawing/2014/main" id="{C0F716AB-6D41-48DF-A707-A8D06B4FC55A}"/>
+              </a:ext>
+            </a:extLst>
+          </p:cNvPr>
+          <p:cNvSpPr txBox="1"/>
+          <p:nvPr/>
+        </p:nvSpPr>
+        <p:spPr>
+          <a:xfrm>
+            <a:off x="10284032" y="5586741"/>
+            <a:ext cx="311696" cy="369332"/>
+          </a:xfrm>
+          <a:prstGeom prst="rect">
+            <a:avLst/>
+          </a:prstGeom>
+          <a:noFill/>
+        </p:spPr>
+        <p:txBody>
+          <a:bodyPr wrap="square">
+            <a:spAutoFit/>
+          </a:bodyPr>
+          <a:lstStyle/>
+          <a:p>
+            <a:r>
+              <a:rPr lang="pt-BR" dirty="0">
+                <a:solidFill>
+                  <a:srgbClr val="FF0000"/>
+                </a:solidFill>
+              </a:rPr>
+              <a:t>×</a:t>
+            </a:r>
+            <a:endParaRPr lang="pt-BR" dirty="0"/>
+          </a:p>
+        </p:txBody>
+      </p:sp>
+      <p:sp>
+        <p:nvSpPr>
+          <p:cNvPr id="9" name="CaixaDeTexto 8">
+            <a:extLst>
+              <a:ext uri="{FF2B5EF4-FFF2-40B4-BE49-F238E27FC236}">
+                <a16:creationId xmlns:a16="http://schemas.microsoft.com/office/drawing/2014/main" id="{B366C78D-4E01-411E-9DEB-3954A940ADB9}"/>
+              </a:ext>
+            </a:extLst>
+          </p:cNvPr>
+          <p:cNvSpPr txBox="1"/>
+          <p:nvPr/>
+        </p:nvSpPr>
+        <p:spPr>
+          <a:xfrm>
+            <a:off x="11258829" y="4655906"/>
+            <a:ext cx="311696" cy="369332"/>
+          </a:xfrm>
+          <a:prstGeom prst="rect">
+            <a:avLst/>
+          </a:prstGeom>
+          <a:noFill/>
+        </p:spPr>
+        <p:txBody>
+          <a:bodyPr wrap="square">
+            <a:spAutoFit/>
+          </a:bodyPr>
+          <a:lstStyle/>
+          <a:p>
+            <a:r>
+              <a:rPr lang="pt-BR" dirty="0">
+                <a:solidFill>
+                  <a:srgbClr val="00B050"/>
+                </a:solidFill>
+              </a:rPr>
+              <a:t>√</a:t>
+            </a:r>
+            <a:endParaRPr lang="pt-BR" dirty="0"/>
+          </a:p>
+        </p:txBody>
+      </p:sp>
+      <p:sp>
+        <p:nvSpPr>
+          <p:cNvPr id="10" name="CaixaDeTexto 9">
+            <a:extLst>
+              <a:ext uri="{FF2B5EF4-FFF2-40B4-BE49-F238E27FC236}">
+                <a16:creationId xmlns:a16="http://schemas.microsoft.com/office/drawing/2014/main" id="{8B0EA20C-8165-4D2F-8F49-18883A94BF87}"/>
+              </a:ext>
+            </a:extLst>
+          </p:cNvPr>
+          <p:cNvSpPr txBox="1"/>
+          <p:nvPr/>
+        </p:nvSpPr>
+        <p:spPr>
+          <a:xfrm>
+            <a:off x="9812389" y="3736122"/>
+            <a:ext cx="311696" cy="369332"/>
+          </a:xfrm>
+          <a:prstGeom prst="rect">
+            <a:avLst/>
+          </a:prstGeom>
+          <a:noFill/>
+        </p:spPr>
+        <p:txBody>
+          <a:bodyPr wrap="square">
+            <a:spAutoFit/>
+          </a:bodyPr>
+          <a:lstStyle/>
+          <a:p>
+            <a:r>
+              <a:rPr lang="pt-BR" dirty="0">
+                <a:solidFill>
+                  <a:srgbClr val="00B050"/>
+                </a:solidFill>
+              </a:rPr>
+              <a:t>√</a:t>
+            </a:r>
+            <a:endParaRPr lang="pt-BR" dirty="0"/>
           </a:p>
         </p:txBody>
       </p:sp>
@@ -11514,6 +12937,49 @@
           </p:txBody>
         </p:sp>
       </p:grpSp>
+      <p:sp>
+        <p:nvSpPr>
+          <p:cNvPr id="8" name="CaixaDeTexto 7">
+            <a:extLst>
+              <a:ext uri="{FF2B5EF4-FFF2-40B4-BE49-F238E27FC236}">
+                <a16:creationId xmlns:a16="http://schemas.microsoft.com/office/drawing/2014/main" id="{3BBAABAB-0B67-471C-B1BA-241E8B40EC56}"/>
+              </a:ext>
+            </a:extLst>
+          </p:cNvPr>
+          <p:cNvSpPr txBox="1"/>
+          <p:nvPr/>
+        </p:nvSpPr>
+        <p:spPr>
+          <a:xfrm rot="16200000">
+            <a:off x="-714272" y="5774776"/>
+            <a:ext cx="1800200" cy="276999"/>
+          </a:xfrm>
+          <a:prstGeom prst="rect">
+            <a:avLst/>
+          </a:prstGeom>
+          <a:noFill/>
+        </p:spPr>
+        <p:txBody>
+          <a:bodyPr wrap="square" rtlCol="0">
+            <a:spAutoFit/>
+          </a:bodyPr>
+          <a:lstStyle/>
+          <a:p>
+            <a:r>
+              <a:rPr lang="pt-BR" sz="1200" dirty="0">
+                <a:solidFill>
+                  <a:schemeClr val="bg2">
+                    <a:lumMod val="60000"/>
+                    <a:lumOff val="40000"/>
+                  </a:schemeClr>
+                </a:solidFill>
+                <a:latin typeface="+mj-lt"/>
+              </a:rPr>
+              <a:t>// ConstTam.cpp</a:t>
+            </a:r>
+          </a:p>
+        </p:txBody>
+      </p:sp>
     </p:spTree>
     <p:extLst>
       <p:ext uri="{BB962C8B-B14F-4D97-AF65-F5344CB8AC3E}">
@@ -11964,8 +13430,8 @@
         </p:nvSpPr>
         <p:spPr>
           <a:xfrm>
-            <a:off x="1703512" y="4581128"/>
-            <a:ext cx="2314250" cy="400110"/>
+            <a:off x="2135560" y="4557762"/>
+            <a:ext cx="1872208" cy="400110"/>
           </a:xfrm>
           <a:prstGeom prst="rect">
             <a:avLst/>
@@ -12012,16 +13478,22 @@
       </p:sp>
       <p:grpSp>
         <p:nvGrpSpPr>
-          <p:cNvPr id="4" name="Agrupar 3"/>
+          <p:cNvPr id="5" name="Agrupar 4">
+            <a:extLst>
+              <a:ext uri="{FF2B5EF4-FFF2-40B4-BE49-F238E27FC236}">
+                <a16:creationId xmlns:a16="http://schemas.microsoft.com/office/drawing/2014/main" id="{AD29A9D3-F5FB-4664-9653-13A4DDD0C4BF}"/>
+              </a:ext>
+            </a:extLst>
+          </p:cNvPr>
           <p:cNvGrpSpPr/>
           <p:nvPr/>
         </p:nvGrpSpPr>
         <p:grpSpPr>
           <a:xfrm>
-            <a:off x="4367808" y="3838230"/>
-            <a:ext cx="4398879" cy="2286016"/>
-            <a:chOff x="5121554" y="3484352"/>
-            <a:chExt cx="4398879" cy="2286016"/>
+            <a:off x="5145956" y="3838230"/>
+            <a:ext cx="4264004" cy="2286016"/>
+            <a:chOff x="5145956" y="3838230"/>
+            <a:chExt cx="4264004" cy="2286016"/>
           </a:xfrm>
         </p:grpSpPr>
         <p:sp>
@@ -12032,7 +13504,7 @@
           </p:nvSpPr>
           <p:spPr>
             <a:xfrm>
-              <a:off x="7731093" y="3484352"/>
+              <a:off x="6977347" y="3838230"/>
               <a:ext cx="1071570" cy="285752"/>
             </a:xfrm>
             <a:prstGeom prst="rect">
@@ -12101,7 +13573,7 @@
           </p:nvSpPr>
           <p:spPr>
             <a:xfrm>
-              <a:off x="7731093" y="3770104"/>
+              <a:off x="6977347" y="4123982"/>
               <a:ext cx="1071570" cy="285752"/>
             </a:xfrm>
             <a:prstGeom prst="rect">
@@ -12170,7 +13642,7 @@
           </p:nvSpPr>
           <p:spPr>
             <a:xfrm>
-              <a:off x="7731093" y="4055856"/>
+              <a:off x="6977347" y="4409734"/>
               <a:ext cx="1071570" cy="285752"/>
             </a:xfrm>
             <a:prstGeom prst="rect">
@@ -12239,7 +13711,7 @@
           </p:nvSpPr>
           <p:spPr>
             <a:xfrm>
-              <a:off x="7731093" y="4341608"/>
+              <a:off x="6977347" y="4695486"/>
               <a:ext cx="1071570" cy="285752"/>
             </a:xfrm>
             <a:prstGeom prst="rect">
@@ -12308,7 +13780,7 @@
           </p:nvSpPr>
           <p:spPr>
             <a:xfrm>
-              <a:off x="7731093" y="4627360"/>
+              <a:off x="6977347" y="4981238"/>
               <a:ext cx="1071570" cy="285752"/>
             </a:xfrm>
             <a:prstGeom prst="rect">
@@ -12377,7 +13849,7 @@
           </p:nvSpPr>
           <p:spPr>
             <a:xfrm>
-              <a:off x="7731093" y="4913112"/>
+              <a:off x="6977347" y="5266990"/>
               <a:ext cx="1071570" cy="285752"/>
             </a:xfrm>
             <a:prstGeom prst="rect">
@@ -12446,7 +13918,7 @@
           </p:nvSpPr>
           <p:spPr>
             <a:xfrm>
-              <a:off x="7731093" y="5198864"/>
+              <a:off x="6977347" y="5552742"/>
               <a:ext cx="1071570" cy="285752"/>
             </a:xfrm>
             <a:prstGeom prst="rect">
@@ -12515,7 +13987,7 @@
           </p:nvSpPr>
           <p:spPr>
             <a:xfrm>
-              <a:off x="7731093" y="5484616"/>
+              <a:off x="6977347" y="5838494"/>
               <a:ext cx="1071570" cy="285752"/>
             </a:xfrm>
             <a:prstGeom prst="rect">
@@ -12584,7 +14056,7 @@
           </p:nvSpPr>
           <p:spPr>
             <a:xfrm flipH="1">
-              <a:off x="7088151" y="3770104"/>
+              <a:off x="6334405" y="4123982"/>
               <a:ext cx="214314" cy="1428760"/>
             </a:xfrm>
             <a:prstGeom prst="rightBrace">
@@ -12627,8 +14099,8 @@
           </p:nvSpPr>
           <p:spPr>
             <a:xfrm>
-              <a:off x="5121554" y="4287747"/>
-              <a:ext cx="1803699" cy="369332"/>
+              <a:off x="5145956" y="4515196"/>
+              <a:ext cx="1087157" cy="646331"/>
             </a:xfrm>
             <a:prstGeom prst="rect">
               <a:avLst/>
@@ -12650,7 +14122,14 @@
               </a:r>
               <a:r>
                 <a:rPr lang="pt-BR" dirty="0"/>
-                <a:t> valores inteiros</a:t>
+                <a:t> valores </a:t>
+              </a:r>
+              <a:br>
+                <a:rPr lang="pt-BR" dirty="0"/>
+              </a:br>
+              <a:r>
+                <a:rPr lang="pt-BR" dirty="0"/>
+                <a:t>inteiros</a:t>
               </a:r>
             </a:p>
           </p:txBody>
@@ -12663,7 +14142,7 @@
           </p:nvSpPr>
           <p:spPr>
             <a:xfrm>
-              <a:off x="7373903" y="3770104"/>
+              <a:off x="6620157" y="4123982"/>
               <a:ext cx="261610" cy="261610"/>
             </a:xfrm>
             <a:prstGeom prst="rect">
@@ -12694,7 +14173,7 @@
           </p:nvSpPr>
           <p:spPr>
             <a:xfrm>
-              <a:off x="7373903" y="4055856"/>
+              <a:off x="6620157" y="4409734"/>
               <a:ext cx="261610" cy="261610"/>
             </a:xfrm>
             <a:prstGeom prst="rect">
@@ -12725,7 +14204,7 @@
           </p:nvSpPr>
           <p:spPr>
             <a:xfrm>
-              <a:off x="7373903" y="4341608"/>
+              <a:off x="6620157" y="4695486"/>
               <a:ext cx="261610" cy="261610"/>
             </a:xfrm>
             <a:prstGeom prst="rect">
@@ -12756,7 +14235,7 @@
           </p:nvSpPr>
           <p:spPr>
             <a:xfrm>
-              <a:off x="7373903" y="4627360"/>
+              <a:off x="6620157" y="4981238"/>
               <a:ext cx="261610" cy="261610"/>
             </a:xfrm>
             <a:prstGeom prst="rect">
@@ -12787,7 +14266,7 @@
           </p:nvSpPr>
           <p:spPr>
             <a:xfrm>
-              <a:off x="7373903" y="4913112"/>
+              <a:off x="6620157" y="5266990"/>
               <a:ext cx="261610" cy="261610"/>
             </a:xfrm>
             <a:prstGeom prst="rect">
@@ -12818,7 +14297,38 @@
           </p:nvSpPr>
           <p:spPr>
             <a:xfrm>
-              <a:off x="8874102" y="3484352"/>
+              <a:off x="8120356" y="3838230"/>
+              <a:ext cx="646331" cy="261610"/>
+            </a:xfrm>
+            <a:prstGeom prst="rect">
+              <a:avLst/>
+            </a:prstGeom>
+            <a:noFill/>
+          </p:spPr>
+          <p:txBody>
+            <a:bodyPr wrap="none" rtlCol="0">
+              <a:spAutoFit/>
+            </a:bodyPr>
+            <a:lstStyle/>
+            <a:p>
+              <a:r>
+                <a:rPr lang="pt-BR" sz="1100" dirty="0">
+                  <a:latin typeface="+mj-lt"/>
+                </a:rPr>
+                <a:t>0xCB19</a:t>
+              </a:r>
+            </a:p>
+          </p:txBody>
+        </p:sp>
+        <p:sp>
+          <p:nvSpPr>
+            <p:cNvPr id="57" name="CaixaDeTexto 56"/>
+            <p:cNvSpPr txBox="1"/>
+            <p:nvPr/>
+          </p:nvSpPr>
+          <p:spPr>
+            <a:xfrm>
+              <a:off x="8120356" y="4123982"/>
               <a:ext cx="646331" cy="261610"/>
             </a:xfrm>
             <a:prstGeom prst="rect">
@@ -12843,106 +14353,13 @@
         </p:sp>
         <p:sp>
           <p:nvSpPr>
-            <p:cNvPr id="57" name="CaixaDeTexto 56"/>
-            <p:cNvSpPr txBox="1"/>
-            <p:nvPr/>
-          </p:nvSpPr>
-          <p:spPr>
-            <a:xfrm>
-              <a:off x="8874102" y="3770104"/>
-              <a:ext cx="646331" cy="261610"/>
-            </a:xfrm>
-            <a:prstGeom prst="rect">
-              <a:avLst/>
-            </a:prstGeom>
-            <a:noFill/>
-          </p:spPr>
-          <p:txBody>
-            <a:bodyPr wrap="none" rtlCol="0">
-              <a:spAutoFit/>
-            </a:bodyPr>
-            <a:lstStyle/>
-            <a:p>
-              <a:r>
-                <a:rPr lang="pt-BR" sz="1100" dirty="0">
-                  <a:latin typeface="+mj-lt"/>
-                </a:rPr>
-                <a:t>0xCB21</a:t>
-              </a:r>
-            </a:p>
-          </p:txBody>
-        </p:sp>
-        <p:sp>
-          <p:nvSpPr>
             <p:cNvPr id="58" name="CaixaDeTexto 57"/>
             <p:cNvSpPr txBox="1"/>
             <p:nvPr/>
           </p:nvSpPr>
           <p:spPr>
             <a:xfrm>
-              <a:off x="8874102" y="4055856"/>
-              <a:ext cx="646331" cy="261610"/>
-            </a:xfrm>
-            <a:prstGeom prst="rect">
-              <a:avLst/>
-            </a:prstGeom>
-            <a:noFill/>
-          </p:spPr>
-          <p:txBody>
-            <a:bodyPr wrap="none" rtlCol="0">
-              <a:spAutoFit/>
-            </a:bodyPr>
-            <a:lstStyle/>
-            <a:p>
-              <a:r>
-                <a:rPr lang="pt-BR" sz="1100" dirty="0">
-                  <a:latin typeface="+mj-lt"/>
-                </a:rPr>
-                <a:t>0xCB22</a:t>
-              </a:r>
-            </a:p>
-          </p:txBody>
-        </p:sp>
-        <p:sp>
-          <p:nvSpPr>
-            <p:cNvPr id="59" name="CaixaDeTexto 58"/>
-            <p:cNvSpPr txBox="1"/>
-            <p:nvPr/>
-          </p:nvSpPr>
-          <p:spPr>
-            <a:xfrm>
-              <a:off x="8874102" y="4341608"/>
-              <a:ext cx="646331" cy="261610"/>
-            </a:xfrm>
-            <a:prstGeom prst="rect">
-              <a:avLst/>
-            </a:prstGeom>
-            <a:noFill/>
-          </p:spPr>
-          <p:txBody>
-            <a:bodyPr wrap="none" rtlCol="0">
-              <a:spAutoFit/>
-            </a:bodyPr>
-            <a:lstStyle/>
-            <a:p>
-              <a:r>
-                <a:rPr lang="pt-BR" sz="1100" dirty="0">
-                  <a:latin typeface="+mj-lt"/>
-                </a:rPr>
-                <a:t>0xCB23</a:t>
-              </a:r>
-            </a:p>
-          </p:txBody>
-        </p:sp>
-        <p:sp>
-          <p:nvSpPr>
-            <p:cNvPr id="60" name="CaixaDeTexto 59"/>
-            <p:cNvSpPr txBox="1"/>
-            <p:nvPr/>
-          </p:nvSpPr>
-          <p:spPr>
-            <a:xfrm>
-              <a:off x="8874102" y="4627360"/>
+              <a:off x="8120356" y="4409734"/>
               <a:ext cx="646331" cy="261610"/>
             </a:xfrm>
             <a:prstGeom prst="rect">
@@ -12967,13 +14384,13 @@
         </p:sp>
         <p:sp>
           <p:nvSpPr>
-            <p:cNvPr id="61" name="CaixaDeTexto 60"/>
+            <p:cNvPr id="59" name="CaixaDeTexto 58"/>
             <p:cNvSpPr txBox="1"/>
             <p:nvPr/>
           </p:nvSpPr>
           <p:spPr>
             <a:xfrm>
-              <a:off x="8874102" y="4913112"/>
+              <a:off x="8120356" y="4695486"/>
               <a:ext cx="646331" cy="261610"/>
             </a:xfrm>
             <a:prstGeom prst="rect">
@@ -12991,20 +14408,20 @@
                 <a:rPr lang="pt-BR" sz="1100" dirty="0">
                   <a:latin typeface="+mj-lt"/>
                 </a:rPr>
-                <a:t>0xCB25</a:t>
+                <a:t>0xCB28</a:t>
               </a:r>
             </a:p>
           </p:txBody>
         </p:sp>
         <p:sp>
           <p:nvSpPr>
-            <p:cNvPr id="62" name="CaixaDeTexto 61"/>
+            <p:cNvPr id="60" name="CaixaDeTexto 59"/>
             <p:cNvSpPr txBox="1"/>
             <p:nvPr/>
           </p:nvSpPr>
           <p:spPr>
             <a:xfrm>
-              <a:off x="8874102" y="5198864"/>
+              <a:off x="8120356" y="4981238"/>
               <a:ext cx="646331" cy="261610"/>
             </a:xfrm>
             <a:prstGeom prst="rect">
@@ -13022,20 +14439,20 @@
                 <a:rPr lang="pt-BR" sz="1100" dirty="0">
                   <a:latin typeface="+mj-lt"/>
                 </a:rPr>
-                <a:t>0xCB26</a:t>
+                <a:t>0xCB2C</a:t>
               </a:r>
             </a:p>
           </p:txBody>
         </p:sp>
         <p:sp>
           <p:nvSpPr>
-            <p:cNvPr id="63" name="CaixaDeTexto 62"/>
+            <p:cNvPr id="61" name="CaixaDeTexto 60"/>
             <p:cNvSpPr txBox="1"/>
             <p:nvPr/>
           </p:nvSpPr>
           <p:spPr>
             <a:xfrm>
-              <a:off x="8874102" y="5484616"/>
+              <a:off x="8120356" y="5266990"/>
               <a:ext cx="646331" cy="261610"/>
             </a:xfrm>
             <a:prstGeom prst="rect">
@@ -13053,8 +14470,110 @@
                 <a:rPr lang="pt-BR" sz="1100" dirty="0">
                   <a:latin typeface="+mj-lt"/>
                 </a:rPr>
-                <a:t>0xCB27</a:t>
+                <a:t>0xCB30</a:t>
               </a:r>
+            </a:p>
+          </p:txBody>
+        </p:sp>
+        <p:sp>
+          <p:nvSpPr>
+            <p:cNvPr id="62" name="CaixaDeTexto 61"/>
+            <p:cNvSpPr txBox="1"/>
+            <p:nvPr/>
+          </p:nvSpPr>
+          <p:spPr>
+            <a:xfrm>
+              <a:off x="8120356" y="5552742"/>
+              <a:ext cx="646331" cy="261610"/>
+            </a:xfrm>
+            <a:prstGeom prst="rect">
+              <a:avLst/>
+            </a:prstGeom>
+            <a:noFill/>
+          </p:spPr>
+          <p:txBody>
+            <a:bodyPr wrap="none" rtlCol="0">
+              <a:spAutoFit/>
+            </a:bodyPr>
+            <a:lstStyle/>
+            <a:p>
+              <a:r>
+                <a:rPr lang="pt-BR" sz="1100" dirty="0">
+                  <a:latin typeface="+mj-lt"/>
+                </a:rPr>
+                <a:t>0xCB34</a:t>
+              </a:r>
+            </a:p>
+          </p:txBody>
+        </p:sp>
+        <p:sp>
+          <p:nvSpPr>
+            <p:cNvPr id="63" name="CaixaDeTexto 62"/>
+            <p:cNvSpPr txBox="1"/>
+            <p:nvPr/>
+          </p:nvSpPr>
+          <p:spPr>
+            <a:xfrm>
+              <a:off x="8120356" y="5838494"/>
+              <a:ext cx="646331" cy="261610"/>
+            </a:xfrm>
+            <a:prstGeom prst="rect">
+              <a:avLst/>
+            </a:prstGeom>
+            <a:noFill/>
+          </p:spPr>
+          <p:txBody>
+            <a:bodyPr wrap="none" rtlCol="0">
+              <a:spAutoFit/>
+            </a:bodyPr>
+            <a:lstStyle/>
+            <a:p>
+              <a:r>
+                <a:rPr lang="pt-BR" sz="1100" dirty="0">
+                  <a:latin typeface="+mj-lt"/>
+                </a:rPr>
+                <a:t>0xCB38</a:t>
+              </a:r>
+            </a:p>
+          </p:txBody>
+        </p:sp>
+        <p:sp>
+          <p:nvSpPr>
+            <p:cNvPr id="37" name="TextBox 41">
+              <a:extLst>
+                <a:ext uri="{FF2B5EF4-FFF2-40B4-BE49-F238E27FC236}">
+                  <a16:creationId xmlns:a16="http://schemas.microsoft.com/office/drawing/2014/main" id="{3E009A8C-78C8-4BB4-8853-8C3BECCFBE5A}"/>
+                </a:ext>
+              </a:extLst>
+            </p:cNvPr>
+            <p:cNvSpPr txBox="1"/>
+            <p:nvPr/>
+          </p:nvSpPr>
+          <p:spPr>
+            <a:xfrm>
+              <a:off x="8688288" y="4039920"/>
+              <a:ext cx="721672" cy="400110"/>
+            </a:xfrm>
+            <a:prstGeom prst="rect">
+              <a:avLst/>
+            </a:prstGeom>
+            <a:noFill/>
+          </p:spPr>
+          <p:txBody>
+            <a:bodyPr wrap="none" rtlCol="0">
+              <a:spAutoFit/>
+            </a:bodyPr>
+            <a:lstStyle/>
+            <a:p>
+              <a:r>
+                <a:rPr lang="pt-BR" sz="2000" dirty="0"/>
+                <a:t>=  </a:t>
+              </a:r>
+              <a:r>
+                <a:rPr lang="pt-BR" dirty="0" err="1"/>
+                <a:t>vet</a:t>
+              </a:r>
+              <a:endParaRPr lang="pt-BR" sz="2000" dirty="0"/>
             </a:p>
           </p:txBody>
         </p:sp>
@@ -14814,6 +16333,49 @@
                 <a:latin typeface="+mj-lt"/>
               </a:rPr>
               <a:t>}</a:t>
+            </a:r>
+          </a:p>
+        </p:txBody>
+      </p:sp>
+      <p:sp>
+        <p:nvSpPr>
+          <p:cNvPr id="3" name="CaixaDeTexto 2">
+            <a:extLst>
+              <a:ext uri="{FF2B5EF4-FFF2-40B4-BE49-F238E27FC236}">
+                <a16:creationId xmlns:a16="http://schemas.microsoft.com/office/drawing/2014/main" id="{AAC1C45A-C9E3-431E-8816-6D447B4E29A7}"/>
+              </a:ext>
+            </a:extLst>
+          </p:cNvPr>
+          <p:cNvSpPr txBox="1"/>
+          <p:nvPr/>
+        </p:nvSpPr>
+        <p:spPr>
+          <a:xfrm rot="16200000">
+            <a:off x="-521868" y="5967181"/>
+            <a:ext cx="1415391" cy="276999"/>
+          </a:xfrm>
+          <a:prstGeom prst="rect">
+            <a:avLst/>
+          </a:prstGeom>
+          <a:noFill/>
+        </p:spPr>
+        <p:txBody>
+          <a:bodyPr wrap="square" rtlCol="0">
+            <a:spAutoFit/>
+          </a:bodyPr>
+          <a:lstStyle/>
+          <a:p>
+            <a:r>
+              <a:rPr lang="pt-BR" sz="1200" dirty="0">
+                <a:solidFill>
+                  <a:schemeClr val="bg2">
+                    <a:lumMod val="60000"/>
+                    <a:lumOff val="40000"/>
+                  </a:schemeClr>
+                </a:solidFill>
+                <a:latin typeface="+mj-lt"/>
+              </a:rPr>
+              <a:t>// Vetores.cpp</a:t>
             </a:r>
           </a:p>
         </p:txBody>
@@ -16023,6 +17585,49 @@
           </p:txBody>
         </p:sp>
       </p:grpSp>
+      <p:sp>
+        <p:nvSpPr>
+          <p:cNvPr id="8" name="CaixaDeTexto 7">
+            <a:extLst>
+              <a:ext uri="{FF2B5EF4-FFF2-40B4-BE49-F238E27FC236}">
+                <a16:creationId xmlns:a16="http://schemas.microsoft.com/office/drawing/2014/main" id="{2C5CFDD8-CCC8-4643-ABAB-30FD5CA320AC}"/>
+              </a:ext>
+            </a:extLst>
+          </p:cNvPr>
+          <p:cNvSpPr txBox="1"/>
+          <p:nvPr/>
+        </p:nvSpPr>
+        <p:spPr>
+          <a:xfrm rot="16200000">
+            <a:off x="-930295" y="5558752"/>
+            <a:ext cx="2232248" cy="276999"/>
+          </a:xfrm>
+          <a:prstGeom prst="rect">
+            <a:avLst/>
+          </a:prstGeom>
+          <a:noFill/>
+        </p:spPr>
+        <p:txBody>
+          <a:bodyPr wrap="square" rtlCol="0">
+            <a:spAutoFit/>
+          </a:bodyPr>
+          <a:lstStyle/>
+          <a:p>
+            <a:r>
+              <a:rPr lang="pt-BR" sz="1200" dirty="0">
+                <a:solidFill>
+                  <a:schemeClr val="bg2">
+                    <a:lumMod val="60000"/>
+                    <a:lumOff val="40000"/>
+                  </a:schemeClr>
+                </a:solidFill>
+                <a:latin typeface="+mj-lt"/>
+              </a:rPr>
+              <a:t>// NaoInicializado.cpp</a:t>
+            </a:r>
+          </a:p>
+        </p:txBody>
+      </p:sp>
     </p:spTree>
   </p:cSld>
   <p:clrMapOvr>
@@ -17267,9 +18872,9 @@
         <p:grpSpPr>
           <a:xfrm>
             <a:off x="2135560" y="3789040"/>
-            <a:ext cx="3026438" cy="2376264"/>
+            <a:ext cx="3104232" cy="2376264"/>
             <a:chOff x="2135560" y="3789040"/>
-            <a:chExt cx="3026438" cy="2376264"/>
+            <a:chExt cx="3104232" cy="2376264"/>
           </a:xfrm>
         </p:grpSpPr>
         <p:sp>
@@ -18017,7 +19622,7 @@
                 <a:rPr lang="pt-BR" sz="1100" dirty="0">
                   <a:latin typeface="+mj-lt"/>
                 </a:rPr>
-                <a:t>0xCB21</a:t>
+                <a:t>0xCB24</a:t>
               </a:r>
             </a:p>
           </p:txBody>
@@ -18048,7 +19653,7 @@
                 <a:rPr lang="pt-BR" sz="1100" dirty="0">
                   <a:latin typeface="+mj-lt"/>
                 </a:rPr>
-                <a:t>0xCB22</a:t>
+                <a:t>0xCB28</a:t>
               </a:r>
             </a:p>
           </p:txBody>
@@ -18079,7 +19684,7 @@
                 <a:rPr lang="pt-BR" sz="1100" dirty="0">
                   <a:latin typeface="+mj-lt"/>
                 </a:rPr>
-                <a:t>0xCB23</a:t>
+                <a:t>0xCB2C</a:t>
               </a:r>
             </a:p>
           </p:txBody>
@@ -18110,7 +19715,7 @@
                 <a:rPr lang="pt-BR" sz="1100" dirty="0">
                   <a:latin typeface="+mj-lt"/>
                 </a:rPr>
-                <a:t>0xCB24</a:t>
+                <a:t>0xCB30</a:t>
               </a:r>
             </a:p>
           </p:txBody>
@@ -18141,7 +19746,7 @@
                 <a:rPr lang="pt-BR" sz="1100" dirty="0">
                   <a:latin typeface="+mj-lt"/>
                 </a:rPr>
-                <a:t>0xCB25</a:t>
+                <a:t>0xCB34</a:t>
               </a:r>
             </a:p>
           </p:txBody>
@@ -18172,7 +19777,7 @@
                 <a:rPr lang="pt-BR" sz="1100" dirty="0">
                   <a:latin typeface="+mj-lt"/>
                 </a:rPr>
-                <a:t>0xCB26</a:t>
+                <a:t>0xCB38</a:t>
               </a:r>
             </a:p>
           </p:txBody>
@@ -18203,7 +19808,7 @@
                 <a:rPr lang="pt-BR" sz="1100" dirty="0">
                   <a:latin typeface="+mj-lt"/>
                 </a:rPr>
-                <a:t>0xCB27</a:t>
+                <a:t>0xCB3C</a:t>
               </a:r>
             </a:p>
           </p:txBody>
@@ -18216,8 +19821,8 @@
           </p:nvSpPr>
           <p:spPr>
             <a:xfrm>
-              <a:off x="4151785" y="3789040"/>
-              <a:ext cx="1010213" cy="400110"/>
+              <a:off x="4242403" y="3789040"/>
+              <a:ext cx="997389" cy="400110"/>
             </a:xfrm>
             <a:prstGeom prst="rect">
               <a:avLst/>
@@ -18231,15 +19836,14 @@
             <a:lstStyle/>
             <a:p>
               <a:r>
-                <a:rPr lang="pt-BR" sz="2000" dirty="0">
-                  <a:solidFill>
-                    <a:schemeClr val="accent3">
-                      <a:lumMod val="75000"/>
-                    </a:schemeClr>
-                  </a:solidFill>
-                </a:rPr>
-                <a:t>= cartas</a:t>
+                <a:rPr lang="pt-BR" sz="2000" dirty="0"/>
+                <a:t>=  </a:t>
               </a:r>
+              <a:r>
+                <a:rPr lang="pt-BR" dirty="0"/>
+                <a:t>cartas</a:t>
+              </a:r>
+              <a:endParaRPr lang="pt-BR" sz="2000" dirty="0"/>
             </a:p>
           </p:txBody>
         </p:sp>
@@ -18375,8 +19979,8 @@
           </p:nvSpPr>
           <p:spPr>
             <a:xfrm>
-              <a:off x="4151785" y="4941168"/>
-              <a:ext cx="841897" cy="400110"/>
+              <a:off x="4242403" y="4941168"/>
+              <a:ext cx="846707" cy="400110"/>
             </a:xfrm>
             <a:prstGeom prst="rect">
               <a:avLst/>
@@ -18390,15 +19994,14 @@
             <a:lstStyle/>
             <a:p>
               <a:r>
-                <a:rPr lang="pt-BR" sz="2000" dirty="0">
-                  <a:solidFill>
-                    <a:schemeClr val="accent3">
-                      <a:lumMod val="75000"/>
-                    </a:schemeClr>
-                  </a:solidFill>
-                </a:rPr>
-                <a:t>= mao</a:t>
+                <a:rPr lang="pt-BR" sz="2000" dirty="0"/>
+                <a:t>=  </a:t>
               </a:r>
+              <a:r>
+                <a:rPr lang="pt-BR" dirty="0" err="1"/>
+                <a:t>mao</a:t>
+              </a:r>
+              <a:endParaRPr lang="pt-BR" sz="2000" dirty="0"/>
             </a:p>
           </p:txBody>
         </p:sp>
@@ -18411,8 +20014,8 @@
         </p:nvSpPr>
         <p:spPr>
           <a:xfrm>
-            <a:off x="6091797" y="4205629"/>
-            <a:ext cx="4392488" cy="1631216"/>
+            <a:off x="6116293" y="4246219"/>
+            <a:ext cx="4392488" cy="1323439"/>
           </a:xfrm>
           <a:prstGeom prst="rect">
             <a:avLst/>
@@ -18428,17 +20031,7 @@
             <a:pPr algn="ctr"/>
             <a:r>
               <a:rPr lang="pt-BR" sz="2000" dirty="0"/>
-              <a:t>O nome de um vetor representa o endereço inicial do conjunto de dados. </a:t>
-            </a:r>
-            <a:br>
-              <a:rPr lang="pt-BR" sz="2000" dirty="0"/>
-            </a:br>
-            <a:br>
-              <a:rPr lang="pt-BR" sz="2000" dirty="0"/>
-            </a:br>
-            <a:r>
-              <a:rPr lang="pt-BR" sz="2000" dirty="0"/>
-              <a:t>Esse endereço é fixado na criação do vetor e </a:t>
+              <a:t>O nome de um vetor representa o endereço inicial do conjunto de dados. Esse endereço é fixado na criação do vetor e </a:t>
             </a:r>
             <a:r>
               <a:rPr lang="pt-BR" sz="2000" dirty="0">
@@ -18532,7 +20125,26 @@
                   </a:schemeClr>
                 </a:solidFill>
               </a:rPr>
-              <a:t>fornecer menos valores</a:t>
+              <a:t>fornecer </a:t>
+            </a:r>
+            <a:br>
+              <a:rPr lang="pt-BR" dirty="0">
+                <a:solidFill>
+                  <a:schemeClr val="accent3">
+                    <a:lumMod val="75000"/>
+                  </a:schemeClr>
+                </a:solidFill>
+              </a:rPr>
+            </a:br>
+            <a:r>
+              <a:rPr lang="pt-BR" dirty="0">
+                <a:solidFill>
+                  <a:schemeClr val="accent3">
+                    <a:lumMod val="75000"/>
+                  </a:schemeClr>
+                </a:solidFill>
+              </a:rPr>
+              <a:t>menos valores</a:t>
             </a:r>
             <a:r>
               <a:rPr lang="pt-BR" dirty="0"/>
@@ -18564,7 +20176,14 @@
             </a:r>
             <a:r>
               <a:rPr lang="pt-BR" dirty="0"/>
-              <a:t>, os demais elementos recebem o valor zero</a:t>
+              <a:t>, os </a:t>
+            </a:r>
+            <a:br>
+              <a:rPr lang="pt-BR" dirty="0"/>
+            </a:br>
+            <a:r>
+              <a:rPr lang="pt-BR" dirty="0"/>
+              <a:t>demais elementos recebem o valor zero</a:t>
             </a:r>
           </a:p>
         </p:txBody>
@@ -18577,8 +20196,8 @@
         </p:nvSpPr>
         <p:spPr>
           <a:xfrm>
-            <a:off x="1703512" y="2924944"/>
-            <a:ext cx="6286544" cy="646331"/>
+            <a:off x="1753672" y="2828265"/>
+            <a:ext cx="6286544" cy="584775"/>
           </a:xfrm>
           <a:prstGeom prst="rect">
             <a:avLst/>
@@ -18592,7 +20211,7 @@
           <a:lstStyle/>
           <a:p>
             <a:r>
-              <a:rPr lang="pt-BR" dirty="0">
+              <a:rPr lang="pt-BR" sz="1600" dirty="0">
                 <a:solidFill>
                   <a:schemeClr val="tx1">
                     <a:lumMod val="50000"/>
@@ -18602,7 +20221,7 @@
               </a:rPr>
               <a:t>// inicializa apenas os dois primeiros elementos</a:t>
             </a:r>
-            <a:endParaRPr lang="pt-BR" dirty="0">
+            <a:endParaRPr lang="pt-BR" sz="1600" dirty="0">
               <a:solidFill>
                 <a:schemeClr val="accent3">
                   <a:lumMod val="75000"/>
@@ -18613,7 +20232,7 @@
           </a:p>
           <a:p>
             <a:r>
-              <a:rPr lang="pt-BR" dirty="0">
+              <a:rPr lang="pt-BR" sz="1600" dirty="0">
                 <a:solidFill>
                   <a:schemeClr val="accent3">
                     <a:lumMod val="75000"/>
@@ -18624,7 +20243,7 @@
               <a:t>float </a:t>
             </a:r>
             <a:r>
-              <a:rPr lang="pt-BR" dirty="0">
+              <a:rPr lang="pt-BR" sz="1600" dirty="0">
                 <a:latin typeface="+mj-lt"/>
               </a:rPr>
               <a:t>juros[5] = {5.0, 2.0}; </a:t>
@@ -18640,8 +20259,8 @@
         </p:nvSpPr>
         <p:spPr>
           <a:xfrm>
-            <a:off x="1703512" y="4907766"/>
-            <a:ext cx="6286544" cy="1477328"/>
+            <a:off x="1753672" y="4811087"/>
+            <a:ext cx="6286544" cy="1354217"/>
           </a:xfrm>
           <a:prstGeom prst="rect">
             <a:avLst/>
@@ -18655,7 +20274,7 @@
           <a:lstStyle/>
           <a:p>
             <a:r>
-              <a:rPr lang="pt-BR" dirty="0">
+              <a:rPr lang="pt-BR" sz="1600" dirty="0">
                 <a:solidFill>
                   <a:schemeClr val="tx1">
                     <a:lumMod val="50000"/>
@@ -18665,7 +20284,7 @@
               </a:rPr>
               <a:t>// primeiro elemento é 1 e os demais são 0</a:t>
             </a:r>
-            <a:endParaRPr lang="pt-BR" dirty="0">
+            <a:endParaRPr lang="pt-BR" sz="1600" dirty="0">
               <a:solidFill>
                 <a:schemeClr val="accent3">
                   <a:lumMod val="75000"/>
@@ -18676,7 +20295,7 @@
           </a:p>
           <a:p>
             <a:r>
-              <a:rPr lang="pt-BR" dirty="0">
+              <a:rPr lang="pt-BR" sz="1600" dirty="0">
                 <a:solidFill>
                   <a:schemeClr val="accent3">
                     <a:lumMod val="75000"/>
@@ -18687,14 +20306,14 @@
               <a:t>long </a:t>
             </a:r>
             <a:r>
-              <a:rPr lang="pt-BR" dirty="0">
+              <a:rPr lang="pt-BR" sz="1600" dirty="0">
                 <a:latin typeface="+mj-lt"/>
               </a:rPr>
               <a:t>totais[500] = {1}; </a:t>
             </a:r>
           </a:p>
           <a:p>
-            <a:endParaRPr lang="pt-BR" dirty="0">
+            <a:endParaRPr lang="pt-BR" sz="1600" dirty="0">
               <a:solidFill>
                 <a:schemeClr val="tx1">
                   <a:lumMod val="50000"/>
@@ -18705,7 +20324,7 @@
           </a:p>
           <a:p>
             <a:r>
-              <a:rPr lang="pt-BR" dirty="0">
+              <a:rPr lang="pt-BR" sz="1600" dirty="0">
                 <a:solidFill>
                   <a:schemeClr val="tx1">
                     <a:lumMod val="50000"/>
@@ -18715,7 +20334,7 @@
               </a:rPr>
               <a:t>// todos os 500 elementos são iguais a zero</a:t>
             </a:r>
-            <a:endParaRPr lang="pt-BR" dirty="0">
+            <a:endParaRPr lang="pt-BR" sz="1600" dirty="0">
               <a:solidFill>
                 <a:schemeClr val="accent3">
                   <a:lumMod val="75000"/>
@@ -18726,7 +20345,7 @@
           </a:p>
           <a:p>
             <a:r>
-              <a:rPr lang="pt-BR" dirty="0">
+              <a:rPr lang="pt-BR" sz="1600" dirty="0">
                 <a:solidFill>
                   <a:schemeClr val="accent3">
                     <a:lumMod val="75000"/>
@@ -18737,7 +20356,7 @@
               <a:t>long </a:t>
             </a:r>
             <a:r>
-              <a:rPr lang="pt-BR" dirty="0">
+              <a:rPr lang="pt-BR" sz="1600" dirty="0">
                 <a:latin typeface="+mj-lt"/>
               </a:rPr>
               <a:t>totais[500] = {0}; </a:t>
@@ -18807,6 +20426,11 @@
           <a:bodyPr/>
           <a:lstStyle/>
           <a:p>
+            <a:pPr>
+              <a:spcAft>
+                <a:spcPts val="1200"/>
+              </a:spcAft>
+            </a:pPr>
             <a:r>
               <a:rPr lang="pt-BR" dirty="0"/>
               <a:t>Deixando os </a:t>
@@ -18823,7 +20447,14 @@
             </a:r>
             <a:r>
               <a:rPr lang="pt-BR" dirty="0"/>
-              <a:t> o compilador conta os elementos para você</a:t>
+              <a:t> </a:t>
+            </a:r>
+            <a:br>
+              <a:rPr lang="pt-BR" dirty="0"/>
+            </a:br>
+            <a:r>
+              <a:rPr lang="pt-BR" dirty="0"/>
+              <a:t>o compilador conta os elementos para você</a:t>
             </a:r>
           </a:p>
           <a:p>
@@ -18847,7 +20478,14 @@
             </a:r>
             <a:r>
               <a:rPr lang="pt-BR" dirty="0"/>
-              <a:t>sem inicializar o vetor constitui um erro</a:t>
+              <a:t>sem </a:t>
+            </a:r>
+            <a:br>
+              <a:rPr lang="pt-BR" dirty="0"/>
+            </a:br>
+            <a:r>
+              <a:rPr lang="pt-BR" dirty="0"/>
+              <a:t>inicializar o vetor constitui um erro</a:t>
             </a:r>
           </a:p>
         </p:txBody>
@@ -18860,7 +20498,7 @@
         </p:nvSpPr>
         <p:spPr>
           <a:xfrm>
-            <a:off x="1703512" y="2928935"/>
+            <a:off x="1753672" y="2852936"/>
             <a:ext cx="6286544" cy="646331"/>
           </a:xfrm>
           <a:prstGeom prst="rect">
@@ -18923,7 +20561,7 @@
         </p:nvSpPr>
         <p:spPr>
           <a:xfrm>
-            <a:off x="1775520" y="5000637"/>
+            <a:off x="1825680" y="5004465"/>
             <a:ext cx="6286544" cy="646331"/>
           </a:xfrm>
           <a:prstGeom prst="rect">
@@ -18973,96 +20611,25 @@
               <a:rPr lang="pt-BR" dirty="0">
                 <a:latin typeface="+mj-lt"/>
               </a:rPr>
-              <a:t>coisas[];  </a:t>
+              <a:t>coisas[]; </a:t>
+            </a:r>
+            <a:r>
+              <a:rPr lang="pt-BR" b="1" dirty="0">
+                <a:solidFill>
+                  <a:srgbClr val="FF0000"/>
+                </a:solidFill>
+              </a:rPr>
+              <a:t>x</a:t>
+            </a:r>
+            <a:r>
+              <a:rPr lang="pt-BR" dirty="0">
+                <a:latin typeface="+mj-lt"/>
+              </a:rPr>
+              <a:t>  </a:t>
             </a:r>
           </a:p>
         </p:txBody>
       </p:sp>
-      <p:grpSp>
-        <p:nvGrpSpPr>
-          <p:cNvPr id="10" name="Grupo 9"/>
-          <p:cNvGrpSpPr/>
-          <p:nvPr/>
-        </p:nvGrpSpPr>
-        <p:grpSpPr>
-          <a:xfrm>
-            <a:off x="3867454" y="5410077"/>
-            <a:ext cx="186196" cy="159406"/>
-            <a:chOff x="4071934" y="5929330"/>
-            <a:chExt cx="214314" cy="285752"/>
-          </a:xfrm>
-        </p:grpSpPr>
-        <p:cxnSp>
-          <p:nvCxnSpPr>
-            <p:cNvPr id="7" name="Conector reto 6"/>
-            <p:cNvCxnSpPr/>
-            <p:nvPr/>
-          </p:nvCxnSpPr>
-          <p:spPr>
-            <a:xfrm rot="16200000" flipH="1">
-              <a:off x="4036215" y="5965049"/>
-              <a:ext cx="285752" cy="214314"/>
-            </a:xfrm>
-            <a:prstGeom prst="line">
-              <a:avLst/>
-            </a:prstGeom>
-            <a:ln w="15875">
-              <a:solidFill>
-                <a:srgbClr val="FF0000"/>
-              </a:solidFill>
-            </a:ln>
-          </p:spPr>
-          <p:style>
-            <a:lnRef idx="1">
-              <a:schemeClr val="accent1"/>
-            </a:lnRef>
-            <a:fillRef idx="0">
-              <a:schemeClr val="accent1"/>
-            </a:fillRef>
-            <a:effectRef idx="0">
-              <a:schemeClr val="accent1"/>
-            </a:effectRef>
-            <a:fontRef idx="minor">
-              <a:schemeClr val="tx1"/>
-            </a:fontRef>
-          </p:style>
-        </p:cxnSp>
-        <p:cxnSp>
-          <p:nvCxnSpPr>
-            <p:cNvPr id="8" name="Conector reto 7"/>
-            <p:cNvCxnSpPr/>
-            <p:nvPr/>
-          </p:nvCxnSpPr>
-          <p:spPr>
-            <a:xfrm rot="5400000">
-              <a:off x="4036215" y="5965049"/>
-              <a:ext cx="285752" cy="214314"/>
-            </a:xfrm>
-            <a:prstGeom prst="line">
-              <a:avLst/>
-            </a:prstGeom>
-            <a:ln w="15875">
-              <a:solidFill>
-                <a:srgbClr val="FF0000"/>
-              </a:solidFill>
-            </a:ln>
-          </p:spPr>
-          <p:style>
-            <a:lnRef idx="1">
-              <a:schemeClr val="accent1"/>
-            </a:lnRef>
-            <a:fillRef idx="0">
-              <a:schemeClr val="accent1"/>
-            </a:fillRef>
-            <a:effectRef idx="0">
-              <a:schemeClr val="accent1"/>
-            </a:effectRef>
-            <a:fontRef idx="minor">
-              <a:schemeClr val="tx1"/>
-            </a:fontRef>
-          </p:style>
-        </p:cxnSp>
-      </p:grpSp>
     </p:spTree>
   </p:cSld>
   <p:clrMapOvr>
@@ -19147,7 +20714,15 @@
             </a:r>
           </a:p>
           <a:p>
-            <a:pPr lvl="1"/>
+            <a:pPr marL="454914" lvl="1" indent="0">
+              <a:buNone/>
+            </a:pPr>
+            <a:r>
+              <a:rPr lang="pt-BR" dirty="0">
+                <a:latin typeface="+mj-lt"/>
+              </a:rPr>
+              <a:t> 1) </a:t>
+            </a:r>
             <a:r>
               <a:rPr lang="pt-BR" dirty="0"/>
               <a:t>Para </a:t>
@@ -19164,7 +20739,15 @@
             </a:r>
           </a:p>
           <a:p>
-            <a:pPr lvl="1"/>
+            <a:pPr marL="454914" lvl="1" indent="0">
+              <a:buNone/>
+            </a:pPr>
+            <a:r>
+              <a:rPr lang="pt-BR" dirty="0">
+                <a:latin typeface="+mj-lt"/>
+              </a:rPr>
+              <a:t> 2) </a:t>
+            </a:r>
             <a:r>
               <a:rPr lang="pt-BR" dirty="0"/>
               <a:t>Para </a:t>
@@ -19183,311 +20766,1472 @@
           </a:p>
         </p:txBody>
       </p:sp>
+      <p:grpSp>
+        <p:nvGrpSpPr>
+          <p:cNvPr id="17" name="Agrupar 16">
+            <a:extLst>
+              <a:ext uri="{FF2B5EF4-FFF2-40B4-BE49-F238E27FC236}">
+                <a16:creationId xmlns:a16="http://schemas.microsoft.com/office/drawing/2014/main" id="{634BEF2E-9436-4087-854F-EE1D30737621}"/>
+              </a:ext>
+            </a:extLst>
+          </p:cNvPr>
+          <p:cNvGrpSpPr/>
+          <p:nvPr/>
+        </p:nvGrpSpPr>
+        <p:grpSpPr>
+          <a:xfrm>
+            <a:off x="1935805" y="3979153"/>
+            <a:ext cx="2819771" cy="2000264"/>
+            <a:chOff x="8256240" y="3631631"/>
+            <a:chExt cx="2819771" cy="2000264"/>
+          </a:xfrm>
+        </p:grpSpPr>
+        <p:sp>
+          <p:nvSpPr>
+            <p:cNvPr id="9" name="Retângulo 8"/>
+            <p:cNvSpPr/>
+            <p:nvPr/>
+          </p:nvSpPr>
+          <p:spPr>
+            <a:xfrm>
+              <a:off x="8613430" y="3631631"/>
+              <a:ext cx="1071570" cy="285752"/>
+            </a:xfrm>
+            <a:prstGeom prst="rect">
+              <a:avLst/>
+            </a:prstGeom>
+            <a:solidFill>
+              <a:schemeClr val="accent3">
+                <a:lumMod val="75000"/>
+              </a:schemeClr>
+            </a:solidFill>
+            <a:ln>
+              <a:noFill/>
+            </a:ln>
+            <a:effectLst>
+              <a:outerShdw blurRad="107950" dist="12700" dir="5400000" algn="ctr">
+                <a:srgbClr val="000000"/>
+              </a:outerShdw>
+            </a:effectLst>
+            <a:scene3d>
+              <a:camera prst="orthographicFront">
+                <a:rot lat="0" lon="0" rev="0"/>
+              </a:camera>
+              <a:lightRig rig="soft" dir="t">
+                <a:rot lat="0" lon="0" rev="0"/>
+              </a:lightRig>
+            </a:scene3d>
+            <a:sp3d contourW="44450" prstMaterial="matte">
+              <a:bevelT w="63500" h="63500" prst="artDeco"/>
+              <a:contourClr>
+                <a:srgbClr val="FFFFFF"/>
+              </a:contourClr>
+            </a:sp3d>
+          </p:spPr>
+          <p:style>
+            <a:lnRef idx="2">
+              <a:schemeClr val="accent1">
+                <a:shade val="50000"/>
+              </a:schemeClr>
+            </a:lnRef>
+            <a:fillRef idx="1">
+              <a:schemeClr val="accent1"/>
+            </a:fillRef>
+            <a:effectRef idx="0">
+              <a:schemeClr val="accent1"/>
+            </a:effectRef>
+            <a:fontRef idx="minor">
+              <a:schemeClr val="lt1"/>
+            </a:fontRef>
+          </p:style>
+          <p:txBody>
+            <a:bodyPr rtlCol="0" anchor="ctr"/>
+            <a:lstStyle/>
+            <a:p>
+              <a:pPr algn="ctr"/>
+              <a:endParaRPr lang="pt-BR" sz="1200" dirty="0">
+                <a:latin typeface="+mj-lt"/>
+              </a:endParaRPr>
+            </a:p>
+          </p:txBody>
+        </p:sp>
+        <p:sp>
+          <p:nvSpPr>
+            <p:cNvPr id="10" name="Retângulo 9"/>
+            <p:cNvSpPr/>
+            <p:nvPr/>
+          </p:nvSpPr>
+          <p:spPr>
+            <a:xfrm>
+              <a:off x="8613430" y="3917383"/>
+              <a:ext cx="1071570" cy="285752"/>
+            </a:xfrm>
+            <a:prstGeom prst="rect">
+              <a:avLst/>
+            </a:prstGeom>
+            <a:solidFill>
+              <a:schemeClr val="accent3">
+                <a:lumMod val="50000"/>
+              </a:schemeClr>
+            </a:solidFill>
+            <a:ln>
+              <a:noFill/>
+            </a:ln>
+            <a:effectLst>
+              <a:outerShdw blurRad="107950" dist="12700" dir="5400000" algn="ctr">
+                <a:srgbClr val="000000"/>
+              </a:outerShdw>
+            </a:effectLst>
+            <a:scene3d>
+              <a:camera prst="orthographicFront">
+                <a:rot lat="0" lon="0" rev="0"/>
+              </a:camera>
+              <a:lightRig rig="soft" dir="t">
+                <a:rot lat="0" lon="0" rev="0"/>
+              </a:lightRig>
+            </a:scene3d>
+            <a:sp3d contourW="44450" prstMaterial="matte">
+              <a:bevelT w="63500" h="63500" prst="artDeco"/>
+              <a:contourClr>
+                <a:srgbClr val="FFFFFF"/>
+              </a:contourClr>
+            </a:sp3d>
+          </p:spPr>
+          <p:style>
+            <a:lnRef idx="2">
+              <a:schemeClr val="accent1">
+                <a:shade val="50000"/>
+              </a:schemeClr>
+            </a:lnRef>
+            <a:fillRef idx="1">
+              <a:schemeClr val="accent1"/>
+            </a:fillRef>
+            <a:effectRef idx="0">
+              <a:schemeClr val="accent1"/>
+            </a:effectRef>
+            <a:fontRef idx="minor">
+              <a:schemeClr val="lt1"/>
+            </a:fontRef>
+          </p:style>
+          <p:txBody>
+            <a:bodyPr rtlCol="0" anchor="ctr"/>
+            <a:lstStyle/>
+            <a:p>
+              <a:pPr algn="ctr"/>
+              <a:endParaRPr lang="pt-BR" sz="1200" dirty="0">
+                <a:latin typeface="+mj-lt"/>
+              </a:endParaRPr>
+            </a:p>
+          </p:txBody>
+        </p:sp>
+        <p:sp>
+          <p:nvSpPr>
+            <p:cNvPr id="11" name="Retângulo 10"/>
+            <p:cNvSpPr/>
+            <p:nvPr/>
+          </p:nvSpPr>
+          <p:spPr>
+            <a:xfrm>
+              <a:off x="8613430" y="4203135"/>
+              <a:ext cx="1071570" cy="285752"/>
+            </a:xfrm>
+            <a:prstGeom prst="rect">
+              <a:avLst/>
+            </a:prstGeom>
+            <a:solidFill>
+              <a:schemeClr val="accent3">
+                <a:lumMod val="50000"/>
+              </a:schemeClr>
+            </a:solidFill>
+            <a:ln>
+              <a:noFill/>
+            </a:ln>
+            <a:effectLst>
+              <a:outerShdw blurRad="107950" dist="12700" dir="5400000" algn="ctr">
+                <a:srgbClr val="000000"/>
+              </a:outerShdw>
+            </a:effectLst>
+            <a:scene3d>
+              <a:camera prst="orthographicFront">
+                <a:rot lat="0" lon="0" rev="0"/>
+              </a:camera>
+              <a:lightRig rig="soft" dir="t">
+                <a:rot lat="0" lon="0" rev="0"/>
+              </a:lightRig>
+            </a:scene3d>
+            <a:sp3d contourW="44450" prstMaterial="matte">
+              <a:bevelT w="63500" h="63500" prst="artDeco"/>
+              <a:contourClr>
+                <a:srgbClr val="FFFFFF"/>
+              </a:contourClr>
+            </a:sp3d>
+          </p:spPr>
+          <p:style>
+            <a:lnRef idx="2">
+              <a:schemeClr val="accent1">
+                <a:shade val="50000"/>
+              </a:schemeClr>
+            </a:lnRef>
+            <a:fillRef idx="1">
+              <a:schemeClr val="accent1"/>
+            </a:fillRef>
+            <a:effectRef idx="0">
+              <a:schemeClr val="accent1"/>
+            </a:effectRef>
+            <a:fontRef idx="minor">
+              <a:schemeClr val="lt1"/>
+            </a:fontRef>
+          </p:style>
+          <p:txBody>
+            <a:bodyPr rtlCol="0" anchor="ctr"/>
+            <a:lstStyle/>
+            <a:p>
+              <a:pPr algn="ctr"/>
+              <a:endParaRPr lang="pt-BR" sz="1200" dirty="0">
+                <a:latin typeface="+mj-lt"/>
+              </a:endParaRPr>
+            </a:p>
+          </p:txBody>
+        </p:sp>
+        <p:sp>
+          <p:nvSpPr>
+            <p:cNvPr id="12" name="Retângulo 11"/>
+            <p:cNvSpPr/>
+            <p:nvPr/>
+          </p:nvSpPr>
+          <p:spPr>
+            <a:xfrm>
+              <a:off x="8613430" y="4488887"/>
+              <a:ext cx="1071570" cy="285752"/>
+            </a:xfrm>
+            <a:prstGeom prst="rect">
+              <a:avLst/>
+            </a:prstGeom>
+            <a:solidFill>
+              <a:schemeClr val="accent3">
+                <a:lumMod val="50000"/>
+              </a:schemeClr>
+            </a:solidFill>
+            <a:ln>
+              <a:noFill/>
+            </a:ln>
+            <a:effectLst>
+              <a:outerShdw blurRad="107950" dist="12700" dir="5400000" algn="ctr">
+                <a:srgbClr val="000000"/>
+              </a:outerShdw>
+            </a:effectLst>
+            <a:scene3d>
+              <a:camera prst="orthographicFront">
+                <a:rot lat="0" lon="0" rev="0"/>
+              </a:camera>
+              <a:lightRig rig="soft" dir="t">
+                <a:rot lat="0" lon="0" rev="0"/>
+              </a:lightRig>
+            </a:scene3d>
+            <a:sp3d contourW="44450" prstMaterial="matte">
+              <a:bevelT w="63500" h="63500" prst="artDeco"/>
+              <a:contourClr>
+                <a:srgbClr val="FFFFFF"/>
+              </a:contourClr>
+            </a:sp3d>
+          </p:spPr>
+          <p:style>
+            <a:lnRef idx="2">
+              <a:schemeClr val="accent1">
+                <a:shade val="50000"/>
+              </a:schemeClr>
+            </a:lnRef>
+            <a:fillRef idx="1">
+              <a:schemeClr val="accent1"/>
+            </a:fillRef>
+            <a:effectRef idx="0">
+              <a:schemeClr val="accent1"/>
+            </a:effectRef>
+            <a:fontRef idx="minor">
+              <a:schemeClr val="lt1"/>
+            </a:fontRef>
+          </p:style>
+          <p:txBody>
+            <a:bodyPr rtlCol="0" anchor="ctr"/>
+            <a:lstStyle/>
+            <a:p>
+              <a:pPr algn="ctr"/>
+              <a:endParaRPr lang="pt-BR" sz="1200" dirty="0">
+                <a:latin typeface="+mj-lt"/>
+              </a:endParaRPr>
+            </a:p>
+          </p:txBody>
+        </p:sp>
+        <p:sp>
+          <p:nvSpPr>
+            <p:cNvPr id="13" name="Retângulo 12"/>
+            <p:cNvSpPr/>
+            <p:nvPr/>
+          </p:nvSpPr>
+          <p:spPr>
+            <a:xfrm>
+              <a:off x="8613430" y="4774639"/>
+              <a:ext cx="1071570" cy="285752"/>
+            </a:xfrm>
+            <a:prstGeom prst="rect">
+              <a:avLst/>
+            </a:prstGeom>
+            <a:solidFill>
+              <a:schemeClr val="accent3">
+                <a:lumMod val="75000"/>
+              </a:schemeClr>
+            </a:solidFill>
+            <a:ln>
+              <a:noFill/>
+            </a:ln>
+            <a:effectLst>
+              <a:outerShdw blurRad="107950" dist="12700" dir="5400000" algn="ctr">
+                <a:srgbClr val="000000"/>
+              </a:outerShdw>
+            </a:effectLst>
+            <a:scene3d>
+              <a:camera prst="orthographicFront">
+                <a:rot lat="0" lon="0" rev="0"/>
+              </a:camera>
+              <a:lightRig rig="soft" dir="t">
+                <a:rot lat="0" lon="0" rev="0"/>
+              </a:lightRig>
+            </a:scene3d>
+            <a:sp3d contourW="44450" prstMaterial="matte">
+              <a:bevelT w="63500" h="63500" prst="artDeco"/>
+              <a:contourClr>
+                <a:srgbClr val="FFFFFF"/>
+              </a:contourClr>
+            </a:sp3d>
+          </p:spPr>
+          <p:style>
+            <a:lnRef idx="2">
+              <a:schemeClr val="accent1">
+                <a:shade val="50000"/>
+              </a:schemeClr>
+            </a:lnRef>
+            <a:fillRef idx="1">
+              <a:schemeClr val="accent1"/>
+            </a:fillRef>
+            <a:effectRef idx="0">
+              <a:schemeClr val="accent1"/>
+            </a:effectRef>
+            <a:fontRef idx="minor">
+              <a:schemeClr val="lt1"/>
+            </a:fontRef>
+          </p:style>
+          <p:txBody>
+            <a:bodyPr rtlCol="0" anchor="ctr"/>
+            <a:lstStyle/>
+            <a:p>
+              <a:pPr algn="ctr"/>
+              <a:endParaRPr lang="pt-BR" sz="1200" dirty="0">
+                <a:latin typeface="+mj-lt"/>
+              </a:endParaRPr>
+            </a:p>
+          </p:txBody>
+        </p:sp>
+        <p:sp>
+          <p:nvSpPr>
+            <p:cNvPr id="14" name="Retângulo 13"/>
+            <p:cNvSpPr/>
+            <p:nvPr/>
+          </p:nvSpPr>
+          <p:spPr>
+            <a:xfrm>
+              <a:off x="8613430" y="5060391"/>
+              <a:ext cx="1071570" cy="285752"/>
+            </a:xfrm>
+            <a:prstGeom prst="rect">
+              <a:avLst/>
+            </a:prstGeom>
+            <a:solidFill>
+              <a:schemeClr val="accent3">
+                <a:lumMod val="75000"/>
+              </a:schemeClr>
+            </a:solidFill>
+            <a:ln>
+              <a:noFill/>
+            </a:ln>
+            <a:effectLst>
+              <a:outerShdw blurRad="107950" dist="12700" dir="5400000" algn="ctr">
+                <a:srgbClr val="000000"/>
+              </a:outerShdw>
+            </a:effectLst>
+            <a:scene3d>
+              <a:camera prst="orthographicFront">
+                <a:rot lat="0" lon="0" rev="0"/>
+              </a:camera>
+              <a:lightRig rig="soft" dir="t">
+                <a:rot lat="0" lon="0" rev="0"/>
+              </a:lightRig>
+            </a:scene3d>
+            <a:sp3d contourW="44450" prstMaterial="matte">
+              <a:bevelT w="63500" h="63500" prst="artDeco"/>
+              <a:contourClr>
+                <a:srgbClr val="FFFFFF"/>
+              </a:contourClr>
+            </a:sp3d>
+          </p:spPr>
+          <p:style>
+            <a:lnRef idx="2">
+              <a:schemeClr val="accent1">
+                <a:shade val="50000"/>
+              </a:schemeClr>
+            </a:lnRef>
+            <a:fillRef idx="1">
+              <a:schemeClr val="accent1"/>
+            </a:fillRef>
+            <a:effectRef idx="0">
+              <a:schemeClr val="accent1"/>
+            </a:effectRef>
+            <a:fontRef idx="minor">
+              <a:schemeClr val="lt1"/>
+            </a:fontRef>
+          </p:style>
+          <p:txBody>
+            <a:bodyPr rtlCol="0" anchor="ctr"/>
+            <a:lstStyle/>
+            <a:p>
+              <a:pPr algn="ctr"/>
+              <a:endParaRPr lang="pt-BR" sz="1200" dirty="0">
+                <a:latin typeface="+mj-lt"/>
+              </a:endParaRPr>
+            </a:p>
+          </p:txBody>
+        </p:sp>
+        <p:sp>
+          <p:nvSpPr>
+            <p:cNvPr id="15" name="Retângulo 14"/>
+            <p:cNvSpPr/>
+            <p:nvPr/>
+          </p:nvSpPr>
+          <p:spPr>
+            <a:xfrm>
+              <a:off x="8613430" y="5346143"/>
+              <a:ext cx="1071570" cy="285752"/>
+            </a:xfrm>
+            <a:prstGeom prst="rect">
+              <a:avLst/>
+            </a:prstGeom>
+            <a:solidFill>
+              <a:schemeClr val="accent3">
+                <a:lumMod val="75000"/>
+              </a:schemeClr>
+            </a:solidFill>
+            <a:ln>
+              <a:noFill/>
+            </a:ln>
+            <a:effectLst>
+              <a:outerShdw blurRad="107950" dist="12700" dir="5400000" algn="ctr">
+                <a:srgbClr val="000000"/>
+              </a:outerShdw>
+            </a:effectLst>
+            <a:scene3d>
+              <a:camera prst="orthographicFront">
+                <a:rot lat="0" lon="0" rev="0"/>
+              </a:camera>
+              <a:lightRig rig="soft" dir="t">
+                <a:rot lat="0" lon="0" rev="0"/>
+              </a:lightRig>
+            </a:scene3d>
+            <a:sp3d contourW="44450" prstMaterial="matte">
+              <a:bevelT w="63500" h="63500" prst="artDeco"/>
+              <a:contourClr>
+                <a:srgbClr val="FFFFFF"/>
+              </a:contourClr>
+            </a:sp3d>
+          </p:spPr>
+          <p:style>
+            <a:lnRef idx="2">
+              <a:schemeClr val="accent1">
+                <a:shade val="50000"/>
+              </a:schemeClr>
+            </a:lnRef>
+            <a:fillRef idx="1">
+              <a:schemeClr val="accent1"/>
+            </a:fillRef>
+            <a:effectRef idx="0">
+              <a:schemeClr val="accent1"/>
+            </a:effectRef>
+            <a:fontRef idx="minor">
+              <a:schemeClr val="lt1"/>
+            </a:fontRef>
+          </p:style>
+          <p:txBody>
+            <a:bodyPr rtlCol="0" anchor="ctr"/>
+            <a:lstStyle/>
+            <a:p>
+              <a:pPr algn="ctr"/>
+              <a:endParaRPr lang="pt-BR" sz="1200" dirty="0">
+                <a:latin typeface="+mj-lt"/>
+              </a:endParaRPr>
+            </a:p>
+          </p:txBody>
+        </p:sp>
+        <p:sp>
+          <p:nvSpPr>
+            <p:cNvPr id="18" name="CaixaDeTexto 17"/>
+            <p:cNvSpPr txBox="1"/>
+            <p:nvPr/>
+          </p:nvSpPr>
+          <p:spPr>
+            <a:xfrm>
+              <a:off x="8256240" y="3899143"/>
+              <a:ext cx="261610" cy="261610"/>
+            </a:xfrm>
+            <a:prstGeom prst="rect">
+              <a:avLst/>
+            </a:prstGeom>
+            <a:noFill/>
+          </p:spPr>
+          <p:txBody>
+            <a:bodyPr wrap="none" rtlCol="0">
+              <a:spAutoFit/>
+            </a:bodyPr>
+            <a:lstStyle/>
+            <a:p>
+              <a:r>
+                <a:rPr lang="pt-BR" sz="1100" dirty="0">
+                  <a:latin typeface="+mj-lt"/>
+                </a:rPr>
+                <a:t>0</a:t>
+              </a:r>
+            </a:p>
+          </p:txBody>
+        </p:sp>
+        <p:sp>
+          <p:nvSpPr>
+            <p:cNvPr id="19" name="CaixaDeTexto 18"/>
+            <p:cNvSpPr txBox="1"/>
+            <p:nvPr/>
+          </p:nvSpPr>
+          <p:spPr>
+            <a:xfrm>
+              <a:off x="8256240" y="4184895"/>
+              <a:ext cx="261610" cy="261610"/>
+            </a:xfrm>
+            <a:prstGeom prst="rect">
+              <a:avLst/>
+            </a:prstGeom>
+            <a:noFill/>
+          </p:spPr>
+          <p:txBody>
+            <a:bodyPr wrap="none" rtlCol="0">
+              <a:spAutoFit/>
+            </a:bodyPr>
+            <a:lstStyle/>
+            <a:p>
+              <a:r>
+                <a:rPr lang="pt-BR" sz="1100" dirty="0">
+                  <a:latin typeface="+mj-lt"/>
+                </a:rPr>
+                <a:t>1</a:t>
+              </a:r>
+            </a:p>
+          </p:txBody>
+        </p:sp>
+        <p:sp>
+          <p:nvSpPr>
+            <p:cNvPr id="20" name="CaixaDeTexto 19"/>
+            <p:cNvSpPr txBox="1"/>
+            <p:nvPr/>
+          </p:nvSpPr>
+          <p:spPr>
+            <a:xfrm>
+              <a:off x="8256240" y="4470647"/>
+              <a:ext cx="261610" cy="261610"/>
+            </a:xfrm>
+            <a:prstGeom prst="rect">
+              <a:avLst/>
+            </a:prstGeom>
+            <a:noFill/>
+          </p:spPr>
+          <p:txBody>
+            <a:bodyPr wrap="none" rtlCol="0">
+              <a:spAutoFit/>
+            </a:bodyPr>
+            <a:lstStyle/>
+            <a:p>
+              <a:r>
+                <a:rPr lang="pt-BR" sz="1100" dirty="0">
+                  <a:latin typeface="+mj-lt"/>
+                </a:rPr>
+                <a:t>2</a:t>
+              </a:r>
+            </a:p>
+          </p:txBody>
+        </p:sp>
+        <p:sp>
+          <p:nvSpPr>
+            <p:cNvPr id="21" name="CaixaDeTexto 20"/>
+            <p:cNvSpPr txBox="1"/>
+            <p:nvPr/>
+          </p:nvSpPr>
+          <p:spPr>
+            <a:xfrm>
+              <a:off x="9756439" y="3631631"/>
+              <a:ext cx="646331" cy="261610"/>
+            </a:xfrm>
+            <a:prstGeom prst="rect">
+              <a:avLst/>
+            </a:prstGeom>
+            <a:noFill/>
+          </p:spPr>
+          <p:txBody>
+            <a:bodyPr wrap="none" rtlCol="0">
+              <a:spAutoFit/>
+            </a:bodyPr>
+            <a:lstStyle/>
+            <a:p>
+              <a:r>
+                <a:rPr lang="pt-BR" sz="1100" dirty="0">
+                  <a:latin typeface="+mj-lt"/>
+                </a:rPr>
+                <a:t>0xCB20</a:t>
+              </a:r>
+            </a:p>
+          </p:txBody>
+        </p:sp>
+        <p:sp>
+          <p:nvSpPr>
+            <p:cNvPr id="22" name="CaixaDeTexto 21"/>
+            <p:cNvSpPr txBox="1"/>
+            <p:nvPr/>
+          </p:nvSpPr>
+          <p:spPr>
+            <a:xfrm>
+              <a:off x="9756439" y="3917383"/>
+              <a:ext cx="646331" cy="261610"/>
+            </a:xfrm>
+            <a:prstGeom prst="rect">
+              <a:avLst/>
+            </a:prstGeom>
+            <a:noFill/>
+          </p:spPr>
+          <p:txBody>
+            <a:bodyPr wrap="none" rtlCol="0">
+              <a:spAutoFit/>
+            </a:bodyPr>
+            <a:lstStyle/>
+            <a:p>
+              <a:r>
+                <a:rPr lang="pt-BR" sz="1100" dirty="0">
+                  <a:latin typeface="+mj-lt"/>
+                </a:rPr>
+                <a:t>0xCB24</a:t>
+              </a:r>
+            </a:p>
+          </p:txBody>
+        </p:sp>
+        <p:sp>
+          <p:nvSpPr>
+            <p:cNvPr id="23" name="CaixaDeTexto 22"/>
+            <p:cNvSpPr txBox="1"/>
+            <p:nvPr/>
+          </p:nvSpPr>
+          <p:spPr>
+            <a:xfrm>
+              <a:off x="9756439" y="4203135"/>
+              <a:ext cx="646331" cy="261610"/>
+            </a:xfrm>
+            <a:prstGeom prst="rect">
+              <a:avLst/>
+            </a:prstGeom>
+            <a:noFill/>
+          </p:spPr>
+          <p:txBody>
+            <a:bodyPr wrap="none" rtlCol="0">
+              <a:spAutoFit/>
+            </a:bodyPr>
+            <a:lstStyle/>
+            <a:p>
+              <a:r>
+                <a:rPr lang="pt-BR" sz="1100" dirty="0">
+                  <a:latin typeface="+mj-lt"/>
+                </a:rPr>
+                <a:t>0xCB28</a:t>
+              </a:r>
+            </a:p>
+          </p:txBody>
+        </p:sp>
+        <p:sp>
+          <p:nvSpPr>
+            <p:cNvPr id="24" name="CaixaDeTexto 23"/>
+            <p:cNvSpPr txBox="1"/>
+            <p:nvPr/>
+          </p:nvSpPr>
+          <p:spPr>
+            <a:xfrm>
+              <a:off x="9756439" y="4488887"/>
+              <a:ext cx="646331" cy="261610"/>
+            </a:xfrm>
+            <a:prstGeom prst="rect">
+              <a:avLst/>
+            </a:prstGeom>
+            <a:noFill/>
+          </p:spPr>
+          <p:txBody>
+            <a:bodyPr wrap="none" rtlCol="0">
+              <a:spAutoFit/>
+            </a:bodyPr>
+            <a:lstStyle/>
+            <a:p>
+              <a:r>
+                <a:rPr lang="pt-BR" sz="1100" dirty="0">
+                  <a:latin typeface="+mj-lt"/>
+                </a:rPr>
+                <a:t>0xCB2C</a:t>
+              </a:r>
+            </a:p>
+          </p:txBody>
+        </p:sp>
+        <p:sp>
+          <p:nvSpPr>
+            <p:cNvPr id="25" name="CaixaDeTexto 24"/>
+            <p:cNvSpPr txBox="1"/>
+            <p:nvPr/>
+          </p:nvSpPr>
+          <p:spPr>
+            <a:xfrm>
+              <a:off x="9756439" y="4774639"/>
+              <a:ext cx="646331" cy="261610"/>
+            </a:xfrm>
+            <a:prstGeom prst="rect">
+              <a:avLst/>
+            </a:prstGeom>
+            <a:noFill/>
+          </p:spPr>
+          <p:txBody>
+            <a:bodyPr wrap="none" rtlCol="0">
+              <a:spAutoFit/>
+            </a:bodyPr>
+            <a:lstStyle/>
+            <a:p>
+              <a:r>
+                <a:rPr lang="pt-BR" sz="1100" dirty="0">
+                  <a:latin typeface="+mj-lt"/>
+                </a:rPr>
+                <a:t>0xCB30</a:t>
+              </a:r>
+            </a:p>
+          </p:txBody>
+        </p:sp>
+        <p:sp>
+          <p:nvSpPr>
+            <p:cNvPr id="26" name="CaixaDeTexto 25"/>
+            <p:cNvSpPr txBox="1"/>
+            <p:nvPr/>
+          </p:nvSpPr>
+          <p:spPr>
+            <a:xfrm>
+              <a:off x="9756439" y="5060391"/>
+              <a:ext cx="646331" cy="261610"/>
+            </a:xfrm>
+            <a:prstGeom prst="rect">
+              <a:avLst/>
+            </a:prstGeom>
+            <a:noFill/>
+          </p:spPr>
+          <p:txBody>
+            <a:bodyPr wrap="none" rtlCol="0">
+              <a:spAutoFit/>
+            </a:bodyPr>
+            <a:lstStyle/>
+            <a:p>
+              <a:r>
+                <a:rPr lang="pt-BR" sz="1100" dirty="0">
+                  <a:latin typeface="+mj-lt"/>
+                </a:rPr>
+                <a:t>0xCB34</a:t>
+              </a:r>
+            </a:p>
+          </p:txBody>
+        </p:sp>
+        <p:sp>
+          <p:nvSpPr>
+            <p:cNvPr id="27" name="CaixaDeTexto 26"/>
+            <p:cNvSpPr txBox="1"/>
+            <p:nvPr/>
+          </p:nvSpPr>
+          <p:spPr>
+            <a:xfrm>
+              <a:off x="9756439" y="5346143"/>
+              <a:ext cx="646331" cy="261610"/>
+            </a:xfrm>
+            <a:prstGeom prst="rect">
+              <a:avLst/>
+            </a:prstGeom>
+            <a:noFill/>
+          </p:spPr>
+          <p:txBody>
+            <a:bodyPr wrap="none" rtlCol="0">
+              <a:spAutoFit/>
+            </a:bodyPr>
+            <a:lstStyle/>
+            <a:p>
+              <a:r>
+                <a:rPr lang="pt-BR" sz="1100" dirty="0">
+                  <a:latin typeface="+mj-lt"/>
+                </a:rPr>
+                <a:t>0xCB38</a:t>
+              </a:r>
+            </a:p>
+          </p:txBody>
+        </p:sp>
+        <p:sp>
+          <p:nvSpPr>
+            <p:cNvPr id="30" name="TextBox 3">
+              <a:extLst>
+                <a:ext uri="{FF2B5EF4-FFF2-40B4-BE49-F238E27FC236}">
+                  <a16:creationId xmlns:a16="http://schemas.microsoft.com/office/drawing/2014/main" id="{DEA728A5-6FE1-44C5-8FA5-882017B96DD0}"/>
+                </a:ext>
+              </a:extLst>
+            </p:cNvPr>
+            <p:cNvSpPr txBox="1"/>
+            <p:nvPr/>
+          </p:nvSpPr>
+          <p:spPr>
+            <a:xfrm>
+              <a:off x="10330294" y="3874319"/>
+              <a:ext cx="745717" cy="338554"/>
+            </a:xfrm>
+            <a:prstGeom prst="rect">
+              <a:avLst/>
+            </a:prstGeom>
+            <a:noFill/>
+          </p:spPr>
+          <p:txBody>
+            <a:bodyPr wrap="none" rtlCol="0">
+              <a:spAutoFit/>
+            </a:bodyPr>
+            <a:lstStyle/>
+            <a:p>
+              <a:r>
+                <a:rPr lang="pt-BR" sz="1600" dirty="0">
+                  <a:latin typeface="+mj-lt"/>
+                </a:rPr>
+                <a:t>= </a:t>
+              </a:r>
+              <a:r>
+                <a:rPr lang="pt-BR" sz="1600" dirty="0" err="1">
+                  <a:latin typeface="+mj-lt"/>
+                </a:rPr>
+                <a:t>vet</a:t>
+              </a:r>
+              <a:endParaRPr lang="pt-BR" sz="1600" dirty="0">
+                <a:latin typeface="+mj-lt"/>
+              </a:endParaRPr>
+            </a:p>
+          </p:txBody>
+        </p:sp>
+      </p:grpSp>
+      <p:grpSp>
+        <p:nvGrpSpPr>
+          <p:cNvPr id="4" name="Agrupar 3">
+            <a:extLst>
+              <a:ext uri="{FF2B5EF4-FFF2-40B4-BE49-F238E27FC236}">
+                <a16:creationId xmlns:a16="http://schemas.microsoft.com/office/drawing/2014/main" id="{FA970FAE-B0EE-41E1-92B9-D9C8E485ADDD}"/>
+              </a:ext>
+            </a:extLst>
+          </p:cNvPr>
+          <p:cNvGrpSpPr/>
+          <p:nvPr/>
+        </p:nvGrpSpPr>
+        <p:grpSpPr>
+          <a:xfrm>
+            <a:off x="5807968" y="3501008"/>
+            <a:ext cx="5196586" cy="983291"/>
+            <a:chOff x="1919536" y="3739847"/>
+            <a:chExt cx="5196586" cy="983291"/>
+          </a:xfrm>
+        </p:grpSpPr>
+        <p:sp>
+          <p:nvSpPr>
+            <p:cNvPr id="29" name="Retângulo 28">
+              <a:extLst>
+                <a:ext uri="{FF2B5EF4-FFF2-40B4-BE49-F238E27FC236}">
+                  <a16:creationId xmlns:a16="http://schemas.microsoft.com/office/drawing/2014/main" id="{77E22A05-1DAA-4E5D-8CA8-EBF18837689D}"/>
+                </a:ext>
+              </a:extLst>
+            </p:cNvPr>
+            <p:cNvSpPr/>
+            <p:nvPr/>
+          </p:nvSpPr>
+          <p:spPr>
+            <a:xfrm>
+              <a:off x="2423592" y="4294510"/>
+              <a:ext cx="4692530" cy="428628"/>
+            </a:xfrm>
+            <a:prstGeom prst="rect">
+              <a:avLst/>
+            </a:prstGeom>
+            <a:solidFill>
+              <a:schemeClr val="bg1"/>
+            </a:solidFill>
+            <a:ln>
+              <a:noFill/>
+            </a:ln>
+            <a:effectLst/>
+            <a:scene3d>
+              <a:camera prst="orthographicFront">
+                <a:rot lat="0" lon="0" rev="0"/>
+              </a:camera>
+              <a:lightRig rig="chilly" dir="t">
+                <a:rot lat="0" lon="0" rev="18480000"/>
+              </a:lightRig>
+            </a:scene3d>
+            <a:sp3d prstMaterial="clear">
+              <a:bevelT h="63500"/>
+            </a:sp3d>
+          </p:spPr>
+          <p:style>
+            <a:lnRef idx="2">
+              <a:schemeClr val="accent1">
+                <a:shade val="50000"/>
+              </a:schemeClr>
+            </a:lnRef>
+            <a:fillRef idx="1">
+              <a:schemeClr val="accent1"/>
+            </a:fillRef>
+            <a:effectRef idx="0">
+              <a:schemeClr val="accent1"/>
+            </a:effectRef>
+            <a:fontRef idx="minor">
+              <a:schemeClr val="lt1"/>
+            </a:fontRef>
+          </p:style>
+          <p:txBody>
+            <a:bodyPr rtlCol="0" anchor="ctr"/>
+            <a:lstStyle/>
+            <a:p>
+              <a:pPr algn="ctr"/>
+              <a:r>
+                <a:rPr lang="pt-BR" dirty="0" err="1">
+                  <a:solidFill>
+                    <a:schemeClr val="accent3">
+                      <a:lumMod val="75000"/>
+                    </a:schemeClr>
+                  </a:solidFill>
+                  <a:latin typeface="Consolas" panose="020B0609020204030204" pitchFamily="49" charset="0"/>
+                  <a:ea typeface="Times New Roman" panose="02020603050405020304" pitchFamily="18" charset="0"/>
+                  <a:cs typeface="Consolas" panose="020B0609020204030204" pitchFamily="49" charset="0"/>
+                </a:rPr>
+                <a:t>int</a:t>
+              </a:r>
+              <a:r>
+                <a:rPr lang="pt-BR" dirty="0">
+                  <a:latin typeface="Consolas" panose="020B0609020204030204" pitchFamily="49" charset="0"/>
+                  <a:ea typeface="Times New Roman" panose="02020603050405020304" pitchFamily="18" charset="0"/>
+                  <a:cs typeface="Consolas" panose="020B0609020204030204" pitchFamily="49" charset="0"/>
+                </a:rPr>
+                <a:t> </a:t>
+              </a:r>
+              <a:r>
+                <a:rPr lang="pt-BR" dirty="0" err="1">
+                  <a:latin typeface="Consolas" panose="020B0609020204030204" pitchFamily="49" charset="0"/>
+                  <a:ea typeface="Times New Roman" panose="02020603050405020304" pitchFamily="18" charset="0"/>
+                  <a:cs typeface="Consolas" panose="020B0609020204030204" pitchFamily="49" charset="0"/>
+                </a:rPr>
+                <a:t>vet</a:t>
+              </a:r>
+              <a:r>
+                <a:rPr lang="pt-BR" dirty="0">
+                  <a:latin typeface="Consolas" panose="020B0609020204030204" pitchFamily="49" charset="0"/>
+                  <a:ea typeface="Times New Roman" panose="02020603050405020304" pitchFamily="18" charset="0"/>
+                  <a:cs typeface="Consolas" panose="020B0609020204030204" pitchFamily="49" charset="0"/>
+                </a:rPr>
+                <a:t>[3];  </a:t>
+              </a:r>
+              <a:r>
+                <a:rPr lang="pt-BR" dirty="0">
+                  <a:solidFill>
+                    <a:schemeClr val="tx1">
+                      <a:lumMod val="50000"/>
+                    </a:schemeClr>
+                  </a:solidFill>
+                  <a:latin typeface="Consolas" panose="020B0609020204030204" pitchFamily="49" charset="0"/>
+                  <a:ea typeface="Times New Roman" panose="02020603050405020304" pitchFamily="18" charset="0"/>
+                  <a:cs typeface="Consolas" panose="020B0609020204030204" pitchFamily="49" charset="0"/>
+                </a:rPr>
+                <a:t>// declaração do vetor</a:t>
+              </a:r>
+              <a:endParaRPr lang="pt-BR" dirty="0">
+                <a:latin typeface="+mj-lt"/>
+              </a:endParaRPr>
+            </a:p>
+          </p:txBody>
+        </p:sp>
+        <p:sp>
+          <p:nvSpPr>
+            <p:cNvPr id="5" name="CaixaDeTexto 4"/>
+            <p:cNvSpPr txBox="1"/>
+            <p:nvPr/>
+          </p:nvSpPr>
+          <p:spPr>
+            <a:xfrm>
+              <a:off x="3437983" y="3739847"/>
+              <a:ext cx="3502882" cy="369332"/>
+            </a:xfrm>
+            <a:prstGeom prst="rect">
+              <a:avLst/>
+            </a:prstGeom>
+            <a:noFill/>
+          </p:spPr>
+          <p:txBody>
+            <a:bodyPr wrap="none" rtlCol="0">
+              <a:spAutoFit/>
+            </a:bodyPr>
+            <a:lstStyle/>
+            <a:p>
+              <a:r>
+                <a:rPr lang="pt-BR" dirty="0"/>
+                <a:t>Quantidade de elementos do vetor</a:t>
+              </a:r>
+            </a:p>
+          </p:txBody>
+        </p:sp>
+        <p:cxnSp>
+          <p:nvCxnSpPr>
+            <p:cNvPr id="7" name="Conector reto 6"/>
+            <p:cNvCxnSpPr>
+              <a:cxnSpLocks/>
+            </p:cNvCxnSpPr>
+            <p:nvPr/>
+          </p:nvCxnSpPr>
+          <p:spPr>
+            <a:xfrm>
+              <a:off x="3620418" y="4084254"/>
+              <a:ext cx="0" cy="240949"/>
+            </a:xfrm>
+            <a:prstGeom prst="line">
+              <a:avLst/>
+            </a:prstGeom>
+            <a:ln>
+              <a:solidFill>
+                <a:schemeClr val="tx1"/>
+              </a:solidFill>
+            </a:ln>
+          </p:spPr>
+          <p:style>
+            <a:lnRef idx="1">
+              <a:schemeClr val="accent1"/>
+            </a:lnRef>
+            <a:fillRef idx="0">
+              <a:schemeClr val="accent1"/>
+            </a:fillRef>
+            <a:effectRef idx="0">
+              <a:schemeClr val="accent1"/>
+            </a:effectRef>
+            <a:fontRef idx="minor">
+              <a:schemeClr val="tx1"/>
+            </a:fontRef>
+          </p:style>
+        </p:cxnSp>
+        <p:sp>
+          <p:nvSpPr>
+            <p:cNvPr id="37" name="Elipse 36">
+              <a:extLst>
+                <a:ext uri="{FF2B5EF4-FFF2-40B4-BE49-F238E27FC236}">
+                  <a16:creationId xmlns:a16="http://schemas.microsoft.com/office/drawing/2014/main" id="{7D7B85CB-D1D9-40D0-8B7B-7B126A67773F}"/>
+                </a:ext>
+              </a:extLst>
+            </p:cNvPr>
+            <p:cNvSpPr/>
+            <p:nvPr/>
+          </p:nvSpPr>
+          <p:spPr>
+            <a:xfrm>
+              <a:off x="1919536" y="4335625"/>
+              <a:ext cx="357190" cy="357190"/>
+            </a:xfrm>
+            <a:prstGeom prst="ellipse">
+              <a:avLst/>
+            </a:prstGeom>
+            <a:solidFill>
+              <a:schemeClr val="accent3">
+                <a:lumMod val="50000"/>
+              </a:schemeClr>
+            </a:solidFill>
+            <a:ln>
+              <a:noFill/>
+            </a:ln>
+            <a:effectLst>
+              <a:outerShdw blurRad="44450" dist="27940" dir="5400000" algn="ctr">
+                <a:srgbClr val="000000">
+                  <a:alpha val="32000"/>
+                </a:srgbClr>
+              </a:outerShdw>
+            </a:effectLst>
+            <a:scene3d>
+              <a:camera prst="orthographicFront">
+                <a:rot lat="0" lon="0" rev="0"/>
+              </a:camera>
+              <a:lightRig rig="balanced" dir="t">
+                <a:rot lat="0" lon="0" rev="8700000"/>
+              </a:lightRig>
+            </a:scene3d>
+            <a:sp3d>
+              <a:bevelT w="190500" h="38100"/>
+            </a:sp3d>
+          </p:spPr>
+          <p:style>
+            <a:lnRef idx="2">
+              <a:schemeClr val="accent1">
+                <a:shade val="50000"/>
+              </a:schemeClr>
+            </a:lnRef>
+            <a:fillRef idx="1">
+              <a:schemeClr val="accent1"/>
+            </a:fillRef>
+            <a:effectRef idx="0">
+              <a:schemeClr val="accent1"/>
+            </a:effectRef>
+            <a:fontRef idx="minor">
+              <a:schemeClr val="lt1"/>
+            </a:fontRef>
+          </p:style>
+          <p:txBody>
+            <a:bodyPr rtlCol="0" anchor="ctr"/>
+            <a:lstStyle/>
+            <a:p>
+              <a:pPr algn="ctr"/>
+              <a:r>
+                <a:rPr lang="pt-BR" sz="1600" dirty="0">
+                  <a:latin typeface="+mj-lt"/>
+                </a:rPr>
+                <a:t>1</a:t>
+              </a:r>
+            </a:p>
+          </p:txBody>
+        </p:sp>
+      </p:grpSp>
+      <p:grpSp>
+        <p:nvGrpSpPr>
+          <p:cNvPr id="8" name="Agrupar 7">
+            <a:extLst>
+              <a:ext uri="{FF2B5EF4-FFF2-40B4-BE49-F238E27FC236}">
+                <a16:creationId xmlns:a16="http://schemas.microsoft.com/office/drawing/2014/main" id="{478A098A-1B8D-46FC-B3DD-0FC45BD76A4C}"/>
+              </a:ext>
+            </a:extLst>
+          </p:cNvPr>
+          <p:cNvGrpSpPr/>
+          <p:nvPr/>
+        </p:nvGrpSpPr>
+        <p:grpSpPr>
+          <a:xfrm>
+            <a:off x="4919222" y="5053876"/>
+            <a:ext cx="6089321" cy="990578"/>
+            <a:chOff x="4439816" y="5045385"/>
+            <a:chExt cx="6089321" cy="990578"/>
+          </a:xfrm>
+        </p:grpSpPr>
+        <p:sp>
+          <p:nvSpPr>
+            <p:cNvPr id="6" name="CaixaDeTexto 5"/>
+            <p:cNvSpPr txBox="1"/>
+            <p:nvPr/>
+          </p:nvSpPr>
+          <p:spPr>
+            <a:xfrm>
+              <a:off x="6491623" y="5045385"/>
+              <a:ext cx="3373039" cy="369332"/>
+            </a:xfrm>
+            <a:prstGeom prst="rect">
+              <a:avLst/>
+            </a:prstGeom>
+            <a:noFill/>
+          </p:spPr>
+          <p:txBody>
+            <a:bodyPr wrap="none" rtlCol="0">
+              <a:spAutoFit/>
+            </a:bodyPr>
+            <a:lstStyle/>
+            <a:p>
+              <a:r>
+                <a:rPr lang="pt-BR" dirty="0"/>
+                <a:t>Índice de um elemento do vetor </a:t>
+              </a:r>
+              <a:r>
+                <a:rPr lang="pt-BR" baseline="30000" dirty="0"/>
+                <a:t>†</a:t>
+              </a:r>
+            </a:p>
+          </p:txBody>
+        </p:sp>
+        <p:sp>
+          <p:nvSpPr>
+            <p:cNvPr id="31" name="Retângulo 30">
+              <a:extLst>
+                <a:ext uri="{FF2B5EF4-FFF2-40B4-BE49-F238E27FC236}">
+                  <a16:creationId xmlns:a16="http://schemas.microsoft.com/office/drawing/2014/main" id="{17D412E7-E91B-45B3-87F5-2449D2FD37B9}"/>
+                </a:ext>
+              </a:extLst>
+            </p:cNvPr>
+            <p:cNvSpPr/>
+            <p:nvPr/>
+          </p:nvSpPr>
+          <p:spPr>
+            <a:xfrm>
+              <a:off x="4952409" y="5607335"/>
+              <a:ext cx="5576728" cy="428628"/>
+            </a:xfrm>
+            <a:prstGeom prst="rect">
+              <a:avLst/>
+            </a:prstGeom>
+            <a:solidFill>
+              <a:schemeClr val="bg1"/>
+            </a:solidFill>
+            <a:ln>
+              <a:noFill/>
+            </a:ln>
+            <a:effectLst/>
+            <a:scene3d>
+              <a:camera prst="orthographicFront">
+                <a:rot lat="0" lon="0" rev="0"/>
+              </a:camera>
+              <a:lightRig rig="chilly" dir="t">
+                <a:rot lat="0" lon="0" rev="18480000"/>
+              </a:lightRig>
+            </a:scene3d>
+            <a:sp3d prstMaterial="clear">
+              <a:bevelT h="63500"/>
+            </a:sp3d>
+          </p:spPr>
+          <p:style>
+            <a:lnRef idx="2">
+              <a:schemeClr val="accent1">
+                <a:shade val="50000"/>
+              </a:schemeClr>
+            </a:lnRef>
+            <a:fillRef idx="1">
+              <a:schemeClr val="accent1"/>
+            </a:fillRef>
+            <a:effectRef idx="0">
+              <a:schemeClr val="accent1"/>
+            </a:effectRef>
+            <a:fontRef idx="minor">
+              <a:schemeClr val="lt1"/>
+            </a:fontRef>
+          </p:style>
+          <p:txBody>
+            <a:bodyPr rtlCol="0" anchor="ctr"/>
+            <a:lstStyle/>
+            <a:p>
+              <a:pPr algn="ctr"/>
+              <a:r>
+                <a:rPr lang="pt-BR" dirty="0">
+                  <a:latin typeface="Consolas" panose="020B0609020204030204" pitchFamily="49" charset="0"/>
+                  <a:ea typeface="Times New Roman" panose="02020603050405020304" pitchFamily="18" charset="0"/>
+                  <a:cs typeface="Consolas" panose="020B0609020204030204" pitchFamily="49" charset="0"/>
+                </a:rPr>
+                <a:t>total = </a:t>
+              </a:r>
+              <a:r>
+                <a:rPr lang="pt-BR" dirty="0" err="1">
+                  <a:latin typeface="Consolas" panose="020B0609020204030204" pitchFamily="49" charset="0"/>
+                  <a:ea typeface="Times New Roman" panose="02020603050405020304" pitchFamily="18" charset="0"/>
+                  <a:cs typeface="Consolas" panose="020B0609020204030204" pitchFamily="49" charset="0"/>
+                </a:rPr>
+                <a:t>vet</a:t>
+              </a:r>
+              <a:r>
+                <a:rPr lang="pt-BR" dirty="0">
+                  <a:latin typeface="Consolas" panose="020B0609020204030204" pitchFamily="49" charset="0"/>
+                  <a:ea typeface="Times New Roman" panose="02020603050405020304" pitchFamily="18" charset="0"/>
+                  <a:cs typeface="Consolas" panose="020B0609020204030204" pitchFamily="49" charset="0"/>
+                </a:rPr>
+                <a:t>[3] + 5;  </a:t>
+              </a:r>
+              <a:r>
+                <a:rPr lang="pt-BR" dirty="0">
+                  <a:solidFill>
+                    <a:schemeClr val="tx1">
+                      <a:lumMod val="50000"/>
+                    </a:schemeClr>
+                  </a:solidFill>
+                  <a:latin typeface="Consolas" panose="020B0609020204030204" pitchFamily="49" charset="0"/>
+                  <a:ea typeface="Times New Roman" panose="02020603050405020304" pitchFamily="18" charset="0"/>
+                  <a:cs typeface="Consolas" panose="020B0609020204030204" pitchFamily="49" charset="0"/>
+                </a:rPr>
+                <a:t>// acesso ao elemento</a:t>
+              </a:r>
+              <a:endParaRPr lang="pt-BR" dirty="0">
+                <a:solidFill>
+                  <a:schemeClr val="tx1">
+                    <a:lumMod val="50000"/>
+                  </a:schemeClr>
+                </a:solidFill>
+              </a:endParaRPr>
+            </a:p>
+          </p:txBody>
+        </p:sp>
+        <p:cxnSp>
+          <p:nvCxnSpPr>
+            <p:cNvPr id="34" name="Conector reto 33">
+              <a:extLst>
+                <a:ext uri="{FF2B5EF4-FFF2-40B4-BE49-F238E27FC236}">
+                  <a16:creationId xmlns:a16="http://schemas.microsoft.com/office/drawing/2014/main" id="{7640BB8A-C7EE-4B2A-AFB0-F18E0BD40DA1}"/>
+                </a:ext>
+              </a:extLst>
+            </p:cNvPr>
+            <p:cNvCxnSpPr>
+              <a:cxnSpLocks/>
+            </p:cNvCxnSpPr>
+            <p:nvPr/>
+          </p:nvCxnSpPr>
+          <p:spPr>
+            <a:xfrm>
+              <a:off x="6666137" y="5408599"/>
+              <a:ext cx="0" cy="240949"/>
+            </a:xfrm>
+            <a:prstGeom prst="line">
+              <a:avLst/>
+            </a:prstGeom>
+            <a:ln>
+              <a:solidFill>
+                <a:schemeClr val="tx1"/>
+              </a:solidFill>
+            </a:ln>
+          </p:spPr>
+          <p:style>
+            <a:lnRef idx="1">
+              <a:schemeClr val="accent1"/>
+            </a:lnRef>
+            <a:fillRef idx="0">
+              <a:schemeClr val="accent1"/>
+            </a:fillRef>
+            <a:effectRef idx="0">
+              <a:schemeClr val="accent1"/>
+            </a:effectRef>
+            <a:fontRef idx="minor">
+              <a:schemeClr val="tx1"/>
+            </a:fontRef>
+          </p:style>
+        </p:cxnSp>
+        <p:sp>
+          <p:nvSpPr>
+            <p:cNvPr id="38" name="Elipse 37">
+              <a:extLst>
+                <a:ext uri="{FF2B5EF4-FFF2-40B4-BE49-F238E27FC236}">
+                  <a16:creationId xmlns:a16="http://schemas.microsoft.com/office/drawing/2014/main" id="{15050DFD-B9B7-42BC-8998-88AAA0EF38FC}"/>
+                </a:ext>
+              </a:extLst>
+            </p:cNvPr>
+            <p:cNvSpPr/>
+            <p:nvPr/>
+          </p:nvSpPr>
+          <p:spPr>
+            <a:xfrm>
+              <a:off x="4439816" y="5643054"/>
+              <a:ext cx="357190" cy="357190"/>
+            </a:xfrm>
+            <a:prstGeom prst="ellipse">
+              <a:avLst/>
+            </a:prstGeom>
+            <a:solidFill>
+              <a:schemeClr val="accent3">
+                <a:lumMod val="50000"/>
+              </a:schemeClr>
+            </a:solidFill>
+            <a:ln>
+              <a:noFill/>
+            </a:ln>
+            <a:effectLst>
+              <a:outerShdw blurRad="44450" dist="27940" dir="5400000" algn="ctr">
+                <a:srgbClr val="000000">
+                  <a:alpha val="32000"/>
+                </a:srgbClr>
+              </a:outerShdw>
+            </a:effectLst>
+            <a:scene3d>
+              <a:camera prst="orthographicFront">
+                <a:rot lat="0" lon="0" rev="0"/>
+              </a:camera>
+              <a:lightRig rig="balanced" dir="t">
+                <a:rot lat="0" lon="0" rev="8700000"/>
+              </a:lightRig>
+            </a:scene3d>
+            <a:sp3d>
+              <a:bevelT w="190500" h="38100"/>
+            </a:sp3d>
+          </p:spPr>
+          <p:style>
+            <a:lnRef idx="2">
+              <a:schemeClr val="accent1">
+                <a:shade val="50000"/>
+              </a:schemeClr>
+            </a:lnRef>
+            <a:fillRef idx="1">
+              <a:schemeClr val="accent1"/>
+            </a:fillRef>
+            <a:effectRef idx="0">
+              <a:schemeClr val="accent1"/>
+            </a:effectRef>
+            <a:fontRef idx="minor">
+              <a:schemeClr val="lt1"/>
+            </a:fontRef>
+          </p:style>
+          <p:txBody>
+            <a:bodyPr rtlCol="0" anchor="ctr"/>
+            <a:lstStyle/>
+            <a:p>
+              <a:pPr algn="ctr"/>
+              <a:r>
+                <a:rPr lang="pt-BR" sz="1600" dirty="0">
+                  <a:latin typeface="+mj-lt"/>
+                </a:rPr>
+                <a:t>2</a:t>
+              </a:r>
+            </a:p>
+          </p:txBody>
+        </p:sp>
+      </p:grpSp>
       <p:sp>
         <p:nvSpPr>
-          <p:cNvPr id="4" name="Retângulo 3"/>
+          <p:cNvPr id="33" name="Elipse 32">
+            <a:extLst>
+              <a:ext uri="{FF2B5EF4-FFF2-40B4-BE49-F238E27FC236}">
+                <a16:creationId xmlns:a16="http://schemas.microsoft.com/office/drawing/2014/main" id="{A3A1EEDC-31AA-40CF-9813-F1CC4AE00C4C}"/>
+              </a:ext>
+            </a:extLst>
+          </p:cNvPr>
           <p:cNvSpPr/>
           <p:nvPr/>
         </p:nvSpPr>
         <p:spPr>
           <a:xfrm>
-            <a:off x="2063552" y="4502163"/>
-            <a:ext cx="6096000" cy="923330"/>
+            <a:off x="1927488" y="2414141"/>
+            <a:ext cx="357190" cy="357190"/>
           </a:xfrm>
-          <a:prstGeom prst="rect">
-            <a:avLst/>
-          </a:prstGeom>
-        </p:spPr>
-        <p:txBody>
-          <a:bodyPr>
-            <a:spAutoFit/>
-          </a:bodyPr>
-          <a:lstStyle/>
-          <a:p>
-            <a:r>
-              <a:rPr lang="pt-BR" dirty="0" err="1">
-                <a:solidFill>
-                  <a:schemeClr val="accent3">
-                    <a:lumMod val="75000"/>
-                  </a:schemeClr>
-                </a:solidFill>
-                <a:latin typeface="Consolas" panose="020B0609020204030204" pitchFamily="49" charset="0"/>
-                <a:ea typeface="Times New Roman" panose="02020603050405020304" pitchFamily="18" charset="0"/>
-                <a:cs typeface="Consolas" panose="020B0609020204030204" pitchFamily="49" charset="0"/>
-              </a:rPr>
-              <a:t>int</a:t>
-            </a:r>
-            <a:r>
-              <a:rPr lang="pt-BR" dirty="0">
-                <a:latin typeface="Consolas" panose="020B0609020204030204" pitchFamily="49" charset="0"/>
-                <a:ea typeface="Times New Roman" panose="02020603050405020304" pitchFamily="18" charset="0"/>
-                <a:cs typeface="Consolas" panose="020B0609020204030204" pitchFamily="49" charset="0"/>
-              </a:rPr>
-              <a:t> </a:t>
-            </a:r>
-            <a:r>
-              <a:rPr lang="pt-BR" dirty="0" err="1">
-                <a:latin typeface="Consolas" panose="020B0609020204030204" pitchFamily="49" charset="0"/>
-                <a:ea typeface="Times New Roman" panose="02020603050405020304" pitchFamily="18" charset="0"/>
-                <a:cs typeface="Consolas" panose="020B0609020204030204" pitchFamily="49" charset="0"/>
-              </a:rPr>
-              <a:t>vet</a:t>
-            </a:r>
-            <a:r>
-              <a:rPr lang="pt-BR" dirty="0">
-                <a:latin typeface="Consolas" panose="020B0609020204030204" pitchFamily="49" charset="0"/>
-                <a:ea typeface="Times New Roman" panose="02020603050405020304" pitchFamily="18" charset="0"/>
-                <a:cs typeface="Consolas" panose="020B0609020204030204" pitchFamily="49" charset="0"/>
-              </a:rPr>
-              <a:t>[3];  </a:t>
-            </a:r>
-            <a:r>
-              <a:rPr lang="pt-BR" dirty="0">
-                <a:solidFill>
-                  <a:schemeClr val="tx1">
-                    <a:lumMod val="50000"/>
-                  </a:schemeClr>
-                </a:solidFill>
-                <a:latin typeface="Consolas" panose="020B0609020204030204" pitchFamily="49" charset="0"/>
-                <a:ea typeface="Times New Roman" panose="02020603050405020304" pitchFamily="18" charset="0"/>
-                <a:cs typeface="Consolas" panose="020B0609020204030204" pitchFamily="49" charset="0"/>
-              </a:rPr>
-              <a:t>// declaração do vetor</a:t>
-            </a:r>
-            <a:br>
-              <a:rPr lang="pt-BR" dirty="0">
-                <a:solidFill>
-                  <a:schemeClr val="tx1">
-                    <a:lumMod val="50000"/>
-                  </a:schemeClr>
-                </a:solidFill>
-                <a:latin typeface="Consolas" panose="020B0609020204030204" pitchFamily="49" charset="0"/>
-                <a:ea typeface="Times New Roman" panose="02020603050405020304" pitchFamily="18" charset="0"/>
-                <a:cs typeface="Consolas" panose="020B0609020204030204" pitchFamily="49" charset="0"/>
-              </a:rPr>
-            </a:br>
-            <a:br>
-              <a:rPr lang="pt-BR" dirty="0">
-                <a:latin typeface="Consolas" panose="020B0609020204030204" pitchFamily="49" charset="0"/>
-                <a:ea typeface="Times New Roman" panose="02020603050405020304" pitchFamily="18" charset="0"/>
-                <a:cs typeface="Consolas" panose="020B0609020204030204" pitchFamily="49" charset="0"/>
-              </a:rPr>
-            </a:br>
-            <a:r>
-              <a:rPr lang="pt-BR" dirty="0">
-                <a:latin typeface="Consolas" panose="020B0609020204030204" pitchFamily="49" charset="0"/>
-                <a:ea typeface="Times New Roman" panose="02020603050405020304" pitchFamily="18" charset="0"/>
-                <a:cs typeface="Consolas" panose="020B0609020204030204" pitchFamily="49" charset="0"/>
-              </a:rPr>
-              <a:t>total = </a:t>
-            </a:r>
-            <a:r>
-              <a:rPr lang="pt-BR" dirty="0" err="1">
-                <a:latin typeface="Consolas" panose="020B0609020204030204" pitchFamily="49" charset="0"/>
-                <a:ea typeface="Times New Roman" panose="02020603050405020304" pitchFamily="18" charset="0"/>
-                <a:cs typeface="Consolas" panose="020B0609020204030204" pitchFamily="49" charset="0"/>
-              </a:rPr>
-              <a:t>vet</a:t>
-            </a:r>
-            <a:r>
-              <a:rPr lang="pt-BR" dirty="0">
-                <a:latin typeface="Consolas" panose="020B0609020204030204" pitchFamily="49" charset="0"/>
-                <a:ea typeface="Times New Roman" panose="02020603050405020304" pitchFamily="18" charset="0"/>
-                <a:cs typeface="Consolas" panose="020B0609020204030204" pitchFamily="49" charset="0"/>
-              </a:rPr>
-              <a:t>[3] + 5;  </a:t>
-            </a:r>
-            <a:r>
-              <a:rPr lang="pt-BR" dirty="0">
-                <a:solidFill>
-                  <a:schemeClr val="tx1">
-                    <a:lumMod val="50000"/>
-                  </a:schemeClr>
-                </a:solidFill>
-                <a:latin typeface="Consolas" panose="020B0609020204030204" pitchFamily="49" charset="0"/>
-                <a:ea typeface="Times New Roman" panose="02020603050405020304" pitchFamily="18" charset="0"/>
-                <a:cs typeface="Consolas" panose="020B0609020204030204" pitchFamily="49" charset="0"/>
-              </a:rPr>
-              <a:t>// acesso ao elemento</a:t>
-            </a:r>
-            <a:endParaRPr lang="pt-BR" dirty="0">
-              <a:solidFill>
-                <a:schemeClr val="tx1">
-                  <a:lumMod val="50000"/>
-                </a:schemeClr>
-              </a:solidFill>
-            </a:endParaRPr>
-          </a:p>
-        </p:txBody>
-      </p:sp>
-      <p:sp>
-        <p:nvSpPr>
-          <p:cNvPr id="5" name="CaixaDeTexto 4"/>
-          <p:cNvSpPr txBox="1"/>
-          <p:nvPr/>
-        </p:nvSpPr>
-        <p:spPr>
-          <a:xfrm>
-            <a:off x="3036303" y="3690927"/>
-            <a:ext cx="3502882" cy="369332"/>
-          </a:xfrm>
-          <a:prstGeom prst="rect">
-            <a:avLst/>
-          </a:prstGeom>
-          <a:noFill/>
-        </p:spPr>
-        <p:txBody>
-          <a:bodyPr wrap="none" rtlCol="0">
-            <a:spAutoFit/>
-          </a:bodyPr>
-          <a:lstStyle/>
-          <a:p>
-            <a:r>
-              <a:rPr lang="pt-BR" dirty="0"/>
-              <a:t>Quantidade de elementos do vetor</a:t>
-            </a:r>
-          </a:p>
-        </p:txBody>
-      </p:sp>
-      <p:sp>
-        <p:nvSpPr>
-          <p:cNvPr id="6" name="CaixaDeTexto 5"/>
-          <p:cNvSpPr txBox="1"/>
-          <p:nvPr/>
-        </p:nvSpPr>
-        <p:spPr>
-          <a:xfrm>
-            <a:off x="3583492" y="5926935"/>
-            <a:ext cx="3373039" cy="369332"/>
-          </a:xfrm>
-          <a:prstGeom prst="rect">
-            <a:avLst/>
-          </a:prstGeom>
-          <a:noFill/>
-        </p:spPr>
-        <p:txBody>
-          <a:bodyPr wrap="none" rtlCol="0">
-            <a:spAutoFit/>
-          </a:bodyPr>
-          <a:lstStyle/>
-          <a:p>
-            <a:r>
-              <a:rPr lang="pt-BR" dirty="0"/>
-              <a:t>Índice de um elemento do vetor †</a:t>
-            </a:r>
-          </a:p>
-        </p:txBody>
-      </p:sp>
-      <p:cxnSp>
-        <p:nvCxnSpPr>
-          <p:cNvPr id="7" name="Conector reto 6"/>
-          <p:cNvCxnSpPr/>
-          <p:nvPr/>
-        </p:nvCxnSpPr>
-        <p:spPr>
-          <a:xfrm rot="5400000">
-            <a:off x="3005218" y="4237592"/>
-            <a:ext cx="428628" cy="1588"/>
-          </a:xfrm>
-          <a:prstGeom prst="line">
-            <a:avLst/>
-          </a:prstGeom>
-          <a:ln>
-            <a:solidFill>
-              <a:schemeClr val="tx1"/>
-            </a:solidFill>
-          </a:ln>
-        </p:spPr>
-        <p:style>
-          <a:lnRef idx="1">
-            <a:schemeClr val="accent1"/>
-          </a:lnRef>
-          <a:fillRef idx="0">
-            <a:schemeClr val="accent1"/>
-          </a:fillRef>
-          <a:effectRef idx="0">
-            <a:schemeClr val="accent1"/>
-          </a:effectRef>
-          <a:fontRef idx="minor">
-            <a:schemeClr val="tx1"/>
-          </a:fontRef>
-        </p:style>
-      </p:cxnSp>
-      <p:cxnSp>
-        <p:nvCxnSpPr>
-          <p:cNvPr id="8" name="Conector reto 7"/>
-          <p:cNvCxnSpPr/>
-          <p:nvPr/>
-        </p:nvCxnSpPr>
-        <p:spPr>
-          <a:xfrm rot="5400000">
-            <a:off x="3513988" y="5688476"/>
-            <a:ext cx="428628" cy="1588"/>
-          </a:xfrm>
-          <a:prstGeom prst="line">
-            <a:avLst/>
-          </a:prstGeom>
-          <a:ln>
-            <a:solidFill>
-              <a:schemeClr val="tx1"/>
-            </a:solidFill>
-          </a:ln>
-        </p:spPr>
-        <p:style>
-          <a:lnRef idx="1">
-            <a:schemeClr val="accent1"/>
-          </a:lnRef>
-          <a:fillRef idx="0">
-            <a:schemeClr val="accent1"/>
-          </a:fillRef>
-          <a:effectRef idx="0">
-            <a:schemeClr val="accent1"/>
-          </a:effectRef>
-          <a:fontRef idx="minor">
-            <a:schemeClr val="tx1"/>
-          </a:fontRef>
-        </p:style>
-      </p:cxnSp>
-      <p:sp>
-        <p:nvSpPr>
-          <p:cNvPr id="9" name="Retângulo 8"/>
-          <p:cNvSpPr/>
-          <p:nvPr/>
-        </p:nvSpPr>
-        <p:spPr>
-          <a:xfrm>
-            <a:off x="8613430" y="3631631"/>
-            <a:ext cx="1071570" cy="285752"/>
-          </a:xfrm>
-          <a:prstGeom prst="rect">
+          <a:prstGeom prst="ellipse">
             <a:avLst/>
           </a:prstGeom>
           <a:solidFill>
             <a:schemeClr val="accent3">
-              <a:lumMod val="75000"/>
+              <a:lumMod val="50000"/>
             </a:schemeClr>
           </a:solidFill>
           <a:ln>
             <a:noFill/>
           </a:ln>
           <a:effectLst>
-            <a:outerShdw blurRad="107950" dist="12700" dir="5400000" algn="ctr">
-              <a:srgbClr val="000000"/>
+            <a:outerShdw blurRad="44450" dist="27940" dir="5400000" algn="ctr">
+              <a:srgbClr val="000000">
+                <a:alpha val="32000"/>
+              </a:srgbClr>
             </a:outerShdw>
           </a:effectLst>
           <a:scene3d>
             <a:camera prst="orthographicFront">
               <a:rot lat="0" lon="0" rev="0"/>
             </a:camera>
-            <a:lightRig rig="soft" dir="t">
-              <a:rot lat="0" lon="0" rev="0"/>
+            <a:lightRig rig="balanced" dir="t">
+              <a:rot lat="0" lon="0" rev="8700000"/>
             </a:lightRig>
           </a:scene3d>
-          <a:sp3d contourW="44450" prstMaterial="matte">
-            <a:bevelT w="63500" h="63500" prst="artDeco"/>
-            <a:contourClr>
-              <a:srgbClr val="FFFFFF"/>
-            </a:contourClr>
+          <a:sp3d>
+            <a:bevelT w="190500" h="38100"/>
           </a:sp3d>
         </p:spPr>
         <p:style>
@@ -19511,24 +22255,33 @@
           <a:lstStyle/>
           <a:p>
             <a:pPr algn="ctr"/>
-            <a:endParaRPr lang="pt-BR" sz="1200" dirty="0">
-              <a:latin typeface="+mj-lt"/>
-            </a:endParaRPr>
+            <a:r>
+              <a:rPr lang="pt-BR" sz="1600" dirty="0">
+                <a:latin typeface="+mj-lt"/>
+              </a:rPr>
+              <a:t>1</a:t>
+            </a:r>
           </a:p>
         </p:txBody>
       </p:sp>
       <p:sp>
         <p:nvSpPr>
-          <p:cNvPr id="10" name="Retângulo 9"/>
+          <p:cNvPr id="39" name="Elipse 38">
+            <a:extLst>
+              <a:ext uri="{FF2B5EF4-FFF2-40B4-BE49-F238E27FC236}">
+                <a16:creationId xmlns:a16="http://schemas.microsoft.com/office/drawing/2014/main" id="{D3B273CB-AE56-4A8D-8715-CEE0DB26415E}"/>
+              </a:ext>
+            </a:extLst>
+          </p:cNvPr>
           <p:cNvSpPr/>
           <p:nvPr/>
         </p:nvSpPr>
         <p:spPr>
           <a:xfrm>
-            <a:off x="8613430" y="3917383"/>
-            <a:ext cx="1071570" cy="285752"/>
+            <a:off x="1927488" y="2880998"/>
+            <a:ext cx="357190" cy="357190"/>
           </a:xfrm>
-          <a:prstGeom prst="rect">
+          <a:prstGeom prst="ellipse">
             <a:avLst/>
           </a:prstGeom>
           <a:solidFill>
@@ -19540,23 +22293,22 @@
             <a:noFill/>
           </a:ln>
           <a:effectLst>
-            <a:outerShdw blurRad="107950" dist="12700" dir="5400000" algn="ctr">
-              <a:srgbClr val="000000"/>
+            <a:outerShdw blurRad="44450" dist="27940" dir="5400000" algn="ctr">
+              <a:srgbClr val="000000">
+                <a:alpha val="32000"/>
+              </a:srgbClr>
             </a:outerShdw>
           </a:effectLst>
           <a:scene3d>
             <a:camera prst="orthographicFront">
               <a:rot lat="0" lon="0" rev="0"/>
             </a:camera>
-            <a:lightRig rig="soft" dir="t">
-              <a:rot lat="0" lon="0" rev="0"/>
+            <a:lightRig rig="balanced" dir="t">
+              <a:rot lat="0" lon="0" rev="8700000"/>
             </a:lightRig>
           </a:scene3d>
-          <a:sp3d contourW="44450" prstMaterial="matte">
-            <a:bevelT w="63500" h="63500" prst="artDeco"/>
-            <a:contourClr>
-              <a:srgbClr val="FFFFFF"/>
-            </a:contourClr>
+          <a:sp3d>
+            <a:bevelT w="190500" h="38100"/>
           </a:sp3d>
         </p:spPr>
         <p:style>
@@ -19580,825 +22332,12 @@
           <a:lstStyle/>
           <a:p>
             <a:pPr algn="ctr"/>
-            <a:endParaRPr lang="pt-BR" sz="1200" dirty="0">
-              <a:latin typeface="+mj-lt"/>
-            </a:endParaRPr>
-          </a:p>
-        </p:txBody>
-      </p:sp>
-      <p:sp>
-        <p:nvSpPr>
-          <p:cNvPr id="11" name="Retângulo 10"/>
-          <p:cNvSpPr/>
-          <p:nvPr/>
-        </p:nvSpPr>
-        <p:spPr>
-          <a:xfrm>
-            <a:off x="8613430" y="4203135"/>
-            <a:ext cx="1071570" cy="285752"/>
-          </a:xfrm>
-          <a:prstGeom prst="rect">
-            <a:avLst/>
-          </a:prstGeom>
-          <a:solidFill>
-            <a:schemeClr val="accent3">
-              <a:lumMod val="50000"/>
-            </a:schemeClr>
-          </a:solidFill>
-          <a:ln>
-            <a:noFill/>
-          </a:ln>
-          <a:effectLst>
-            <a:outerShdw blurRad="107950" dist="12700" dir="5400000" algn="ctr">
-              <a:srgbClr val="000000"/>
-            </a:outerShdw>
-          </a:effectLst>
-          <a:scene3d>
-            <a:camera prst="orthographicFront">
-              <a:rot lat="0" lon="0" rev="0"/>
-            </a:camera>
-            <a:lightRig rig="soft" dir="t">
-              <a:rot lat="0" lon="0" rev="0"/>
-            </a:lightRig>
-          </a:scene3d>
-          <a:sp3d contourW="44450" prstMaterial="matte">
-            <a:bevelT w="63500" h="63500" prst="artDeco"/>
-            <a:contourClr>
-              <a:srgbClr val="FFFFFF"/>
-            </a:contourClr>
-          </a:sp3d>
-        </p:spPr>
-        <p:style>
-          <a:lnRef idx="2">
-            <a:schemeClr val="accent1">
-              <a:shade val="50000"/>
-            </a:schemeClr>
-          </a:lnRef>
-          <a:fillRef idx="1">
-            <a:schemeClr val="accent1"/>
-          </a:fillRef>
-          <a:effectRef idx="0">
-            <a:schemeClr val="accent1"/>
-          </a:effectRef>
-          <a:fontRef idx="minor">
-            <a:schemeClr val="lt1"/>
-          </a:fontRef>
-        </p:style>
-        <p:txBody>
-          <a:bodyPr rtlCol="0" anchor="ctr"/>
-          <a:lstStyle/>
-          <a:p>
-            <a:pPr algn="ctr"/>
-            <a:endParaRPr lang="pt-BR" sz="1200" dirty="0">
-              <a:latin typeface="+mj-lt"/>
-            </a:endParaRPr>
-          </a:p>
-        </p:txBody>
-      </p:sp>
-      <p:sp>
-        <p:nvSpPr>
-          <p:cNvPr id="12" name="Retângulo 11"/>
-          <p:cNvSpPr/>
-          <p:nvPr/>
-        </p:nvSpPr>
-        <p:spPr>
-          <a:xfrm>
-            <a:off x="8613430" y="4488887"/>
-            <a:ext cx="1071570" cy="285752"/>
-          </a:xfrm>
-          <a:prstGeom prst="rect">
-            <a:avLst/>
-          </a:prstGeom>
-          <a:solidFill>
-            <a:schemeClr val="accent3">
-              <a:lumMod val="50000"/>
-            </a:schemeClr>
-          </a:solidFill>
-          <a:ln>
-            <a:noFill/>
-          </a:ln>
-          <a:effectLst>
-            <a:outerShdw blurRad="107950" dist="12700" dir="5400000" algn="ctr">
-              <a:srgbClr val="000000"/>
-            </a:outerShdw>
-          </a:effectLst>
-          <a:scene3d>
-            <a:camera prst="orthographicFront">
-              <a:rot lat="0" lon="0" rev="0"/>
-            </a:camera>
-            <a:lightRig rig="soft" dir="t">
-              <a:rot lat="0" lon="0" rev="0"/>
-            </a:lightRig>
-          </a:scene3d>
-          <a:sp3d contourW="44450" prstMaterial="matte">
-            <a:bevelT w="63500" h="63500" prst="artDeco"/>
-            <a:contourClr>
-              <a:srgbClr val="FFFFFF"/>
-            </a:contourClr>
-          </a:sp3d>
-        </p:spPr>
-        <p:style>
-          <a:lnRef idx="2">
-            <a:schemeClr val="accent1">
-              <a:shade val="50000"/>
-            </a:schemeClr>
-          </a:lnRef>
-          <a:fillRef idx="1">
-            <a:schemeClr val="accent1"/>
-          </a:fillRef>
-          <a:effectRef idx="0">
-            <a:schemeClr val="accent1"/>
-          </a:effectRef>
-          <a:fontRef idx="minor">
-            <a:schemeClr val="lt1"/>
-          </a:fontRef>
-        </p:style>
-        <p:txBody>
-          <a:bodyPr rtlCol="0" anchor="ctr"/>
-          <a:lstStyle/>
-          <a:p>
-            <a:pPr algn="ctr"/>
-            <a:endParaRPr lang="pt-BR" sz="1200" dirty="0">
-              <a:latin typeface="+mj-lt"/>
-            </a:endParaRPr>
-          </a:p>
-        </p:txBody>
-      </p:sp>
-      <p:sp>
-        <p:nvSpPr>
-          <p:cNvPr id="13" name="Retângulo 12"/>
-          <p:cNvSpPr/>
-          <p:nvPr/>
-        </p:nvSpPr>
-        <p:spPr>
-          <a:xfrm>
-            <a:off x="8613430" y="4774639"/>
-            <a:ext cx="1071570" cy="285752"/>
-          </a:xfrm>
-          <a:prstGeom prst="rect">
-            <a:avLst/>
-          </a:prstGeom>
-          <a:solidFill>
-            <a:schemeClr val="accent3">
-              <a:lumMod val="75000"/>
-            </a:schemeClr>
-          </a:solidFill>
-          <a:ln>
-            <a:noFill/>
-          </a:ln>
-          <a:effectLst>
-            <a:outerShdw blurRad="107950" dist="12700" dir="5400000" algn="ctr">
-              <a:srgbClr val="000000"/>
-            </a:outerShdw>
-          </a:effectLst>
-          <a:scene3d>
-            <a:camera prst="orthographicFront">
-              <a:rot lat="0" lon="0" rev="0"/>
-            </a:camera>
-            <a:lightRig rig="soft" dir="t">
-              <a:rot lat="0" lon="0" rev="0"/>
-            </a:lightRig>
-          </a:scene3d>
-          <a:sp3d contourW="44450" prstMaterial="matte">
-            <a:bevelT w="63500" h="63500" prst="artDeco"/>
-            <a:contourClr>
-              <a:srgbClr val="FFFFFF"/>
-            </a:contourClr>
-          </a:sp3d>
-        </p:spPr>
-        <p:style>
-          <a:lnRef idx="2">
-            <a:schemeClr val="accent1">
-              <a:shade val="50000"/>
-            </a:schemeClr>
-          </a:lnRef>
-          <a:fillRef idx="1">
-            <a:schemeClr val="accent1"/>
-          </a:fillRef>
-          <a:effectRef idx="0">
-            <a:schemeClr val="accent1"/>
-          </a:effectRef>
-          <a:fontRef idx="minor">
-            <a:schemeClr val="lt1"/>
-          </a:fontRef>
-        </p:style>
-        <p:txBody>
-          <a:bodyPr rtlCol="0" anchor="ctr"/>
-          <a:lstStyle/>
-          <a:p>
-            <a:pPr algn="ctr"/>
-            <a:endParaRPr lang="pt-BR" sz="1200" dirty="0">
-              <a:latin typeface="+mj-lt"/>
-            </a:endParaRPr>
-          </a:p>
-        </p:txBody>
-      </p:sp>
-      <p:sp>
-        <p:nvSpPr>
-          <p:cNvPr id="14" name="Retângulo 13"/>
-          <p:cNvSpPr/>
-          <p:nvPr/>
-        </p:nvSpPr>
-        <p:spPr>
-          <a:xfrm>
-            <a:off x="8613430" y="5060391"/>
-            <a:ext cx="1071570" cy="285752"/>
-          </a:xfrm>
-          <a:prstGeom prst="rect">
-            <a:avLst/>
-          </a:prstGeom>
-          <a:solidFill>
-            <a:schemeClr val="accent3">
-              <a:lumMod val="75000"/>
-            </a:schemeClr>
-          </a:solidFill>
-          <a:ln>
-            <a:noFill/>
-          </a:ln>
-          <a:effectLst>
-            <a:outerShdw blurRad="107950" dist="12700" dir="5400000" algn="ctr">
-              <a:srgbClr val="000000"/>
-            </a:outerShdw>
-          </a:effectLst>
-          <a:scene3d>
-            <a:camera prst="orthographicFront">
-              <a:rot lat="0" lon="0" rev="0"/>
-            </a:camera>
-            <a:lightRig rig="soft" dir="t">
-              <a:rot lat="0" lon="0" rev="0"/>
-            </a:lightRig>
-          </a:scene3d>
-          <a:sp3d contourW="44450" prstMaterial="matte">
-            <a:bevelT w="63500" h="63500" prst="artDeco"/>
-            <a:contourClr>
-              <a:srgbClr val="FFFFFF"/>
-            </a:contourClr>
-          </a:sp3d>
-        </p:spPr>
-        <p:style>
-          <a:lnRef idx="2">
-            <a:schemeClr val="accent1">
-              <a:shade val="50000"/>
-            </a:schemeClr>
-          </a:lnRef>
-          <a:fillRef idx="1">
-            <a:schemeClr val="accent1"/>
-          </a:fillRef>
-          <a:effectRef idx="0">
-            <a:schemeClr val="accent1"/>
-          </a:effectRef>
-          <a:fontRef idx="minor">
-            <a:schemeClr val="lt1"/>
-          </a:fontRef>
-        </p:style>
-        <p:txBody>
-          <a:bodyPr rtlCol="0" anchor="ctr"/>
-          <a:lstStyle/>
-          <a:p>
-            <a:pPr algn="ctr"/>
-            <a:endParaRPr lang="pt-BR" sz="1200" dirty="0">
-              <a:latin typeface="+mj-lt"/>
-            </a:endParaRPr>
-          </a:p>
-        </p:txBody>
-      </p:sp>
-      <p:sp>
-        <p:nvSpPr>
-          <p:cNvPr id="15" name="Retângulo 14"/>
-          <p:cNvSpPr/>
-          <p:nvPr/>
-        </p:nvSpPr>
-        <p:spPr>
-          <a:xfrm>
-            <a:off x="8613430" y="5346143"/>
-            <a:ext cx="1071570" cy="285752"/>
-          </a:xfrm>
-          <a:prstGeom prst="rect">
-            <a:avLst/>
-          </a:prstGeom>
-          <a:solidFill>
-            <a:schemeClr val="accent3">
-              <a:lumMod val="75000"/>
-            </a:schemeClr>
-          </a:solidFill>
-          <a:ln>
-            <a:noFill/>
-          </a:ln>
-          <a:effectLst>
-            <a:outerShdw blurRad="107950" dist="12700" dir="5400000" algn="ctr">
-              <a:srgbClr val="000000"/>
-            </a:outerShdw>
-          </a:effectLst>
-          <a:scene3d>
-            <a:camera prst="orthographicFront">
-              <a:rot lat="0" lon="0" rev="0"/>
-            </a:camera>
-            <a:lightRig rig="soft" dir="t">
-              <a:rot lat="0" lon="0" rev="0"/>
-            </a:lightRig>
-          </a:scene3d>
-          <a:sp3d contourW="44450" prstMaterial="matte">
-            <a:bevelT w="63500" h="63500" prst="artDeco"/>
-            <a:contourClr>
-              <a:srgbClr val="FFFFFF"/>
-            </a:contourClr>
-          </a:sp3d>
-        </p:spPr>
-        <p:style>
-          <a:lnRef idx="2">
-            <a:schemeClr val="accent1">
-              <a:shade val="50000"/>
-            </a:schemeClr>
-          </a:lnRef>
-          <a:fillRef idx="1">
-            <a:schemeClr val="accent1"/>
-          </a:fillRef>
-          <a:effectRef idx="0">
-            <a:schemeClr val="accent1"/>
-          </a:effectRef>
-          <a:fontRef idx="minor">
-            <a:schemeClr val="lt1"/>
-          </a:fontRef>
-        </p:style>
-        <p:txBody>
-          <a:bodyPr rtlCol="0" anchor="ctr"/>
-          <a:lstStyle/>
-          <a:p>
-            <a:pPr algn="ctr"/>
-            <a:endParaRPr lang="pt-BR" sz="1200" dirty="0">
-              <a:latin typeface="+mj-lt"/>
-            </a:endParaRPr>
-          </a:p>
-        </p:txBody>
-      </p:sp>
-      <p:sp>
-        <p:nvSpPr>
-          <p:cNvPr id="16" name="Retângulo 15"/>
-          <p:cNvSpPr/>
-          <p:nvPr/>
-        </p:nvSpPr>
-        <p:spPr>
-          <a:xfrm>
-            <a:off x="8613430" y="5631895"/>
-            <a:ext cx="1071570" cy="285752"/>
-          </a:xfrm>
-          <a:prstGeom prst="rect">
-            <a:avLst/>
-          </a:prstGeom>
-          <a:solidFill>
-            <a:schemeClr val="accent3">
-              <a:lumMod val="75000"/>
-            </a:schemeClr>
-          </a:solidFill>
-          <a:ln>
-            <a:noFill/>
-          </a:ln>
-          <a:effectLst>
-            <a:outerShdw blurRad="107950" dist="12700" dir="5400000" algn="ctr">
-              <a:srgbClr val="000000"/>
-            </a:outerShdw>
-          </a:effectLst>
-          <a:scene3d>
-            <a:camera prst="orthographicFront">
-              <a:rot lat="0" lon="0" rev="0"/>
-            </a:camera>
-            <a:lightRig rig="soft" dir="t">
-              <a:rot lat="0" lon="0" rev="0"/>
-            </a:lightRig>
-          </a:scene3d>
-          <a:sp3d contourW="44450" prstMaterial="matte">
-            <a:bevelT w="63500" h="63500" prst="artDeco"/>
-            <a:contourClr>
-              <a:srgbClr val="FFFFFF"/>
-            </a:contourClr>
-          </a:sp3d>
-        </p:spPr>
-        <p:style>
-          <a:lnRef idx="2">
-            <a:schemeClr val="accent1">
-              <a:shade val="50000"/>
-            </a:schemeClr>
-          </a:lnRef>
-          <a:fillRef idx="1">
-            <a:schemeClr val="accent1"/>
-          </a:fillRef>
-          <a:effectRef idx="0">
-            <a:schemeClr val="accent1"/>
-          </a:effectRef>
-          <a:fontRef idx="minor">
-            <a:schemeClr val="lt1"/>
-          </a:fontRef>
-        </p:style>
-        <p:txBody>
-          <a:bodyPr rtlCol="0" anchor="ctr"/>
-          <a:lstStyle/>
-          <a:p>
-            <a:pPr algn="ctr"/>
-            <a:endParaRPr lang="pt-BR" sz="1200" dirty="0">
-              <a:latin typeface="+mj-lt"/>
-            </a:endParaRPr>
-          </a:p>
-        </p:txBody>
-      </p:sp>
-      <p:sp>
-        <p:nvSpPr>
-          <p:cNvPr id="18" name="CaixaDeTexto 17"/>
-          <p:cNvSpPr txBox="1"/>
-          <p:nvPr/>
-        </p:nvSpPr>
-        <p:spPr>
-          <a:xfrm>
-            <a:off x="8256240" y="3899143"/>
-            <a:ext cx="261610" cy="261610"/>
-          </a:xfrm>
-          <a:prstGeom prst="rect">
-            <a:avLst/>
-          </a:prstGeom>
-          <a:noFill/>
-        </p:spPr>
-        <p:txBody>
-          <a:bodyPr wrap="none" rtlCol="0">
-            <a:spAutoFit/>
-          </a:bodyPr>
-          <a:lstStyle/>
-          <a:p>
-            <a:r>
-              <a:rPr lang="pt-BR" sz="1100" dirty="0">
-                <a:latin typeface="+mj-lt"/>
-              </a:rPr>
-              <a:t>0</a:t>
-            </a:r>
-          </a:p>
-        </p:txBody>
-      </p:sp>
-      <p:sp>
-        <p:nvSpPr>
-          <p:cNvPr id="19" name="CaixaDeTexto 18"/>
-          <p:cNvSpPr txBox="1"/>
-          <p:nvPr/>
-        </p:nvSpPr>
-        <p:spPr>
-          <a:xfrm>
-            <a:off x="8256240" y="4184895"/>
-            <a:ext cx="261610" cy="261610"/>
-          </a:xfrm>
-          <a:prstGeom prst="rect">
-            <a:avLst/>
-          </a:prstGeom>
-          <a:noFill/>
-        </p:spPr>
-        <p:txBody>
-          <a:bodyPr wrap="none" rtlCol="0">
-            <a:spAutoFit/>
-          </a:bodyPr>
-          <a:lstStyle/>
-          <a:p>
-            <a:r>
-              <a:rPr lang="pt-BR" sz="1100" dirty="0">
-                <a:latin typeface="+mj-lt"/>
-              </a:rPr>
-              <a:t>1</a:t>
-            </a:r>
-          </a:p>
-        </p:txBody>
-      </p:sp>
-      <p:sp>
-        <p:nvSpPr>
-          <p:cNvPr id="20" name="CaixaDeTexto 19"/>
-          <p:cNvSpPr txBox="1"/>
-          <p:nvPr/>
-        </p:nvSpPr>
-        <p:spPr>
-          <a:xfrm>
-            <a:off x="8256240" y="4470647"/>
-            <a:ext cx="261610" cy="261610"/>
-          </a:xfrm>
-          <a:prstGeom prst="rect">
-            <a:avLst/>
-          </a:prstGeom>
-          <a:noFill/>
-        </p:spPr>
-        <p:txBody>
-          <a:bodyPr wrap="none" rtlCol="0">
-            <a:spAutoFit/>
-          </a:bodyPr>
-          <a:lstStyle/>
-          <a:p>
-            <a:r>
-              <a:rPr lang="pt-BR" sz="1100" dirty="0">
+            <a:r>
+              <a:rPr lang="pt-BR" sz="1600" dirty="0">
                 <a:latin typeface="+mj-lt"/>
               </a:rPr>
               <a:t>2</a:t>
             </a:r>
-          </a:p>
-        </p:txBody>
-      </p:sp>
-      <p:sp>
-        <p:nvSpPr>
-          <p:cNvPr id="21" name="CaixaDeTexto 20"/>
-          <p:cNvSpPr txBox="1"/>
-          <p:nvPr/>
-        </p:nvSpPr>
-        <p:spPr>
-          <a:xfrm>
-            <a:off x="9756439" y="3631631"/>
-            <a:ext cx="646331" cy="261610"/>
-          </a:xfrm>
-          <a:prstGeom prst="rect">
-            <a:avLst/>
-          </a:prstGeom>
-          <a:noFill/>
-        </p:spPr>
-        <p:txBody>
-          <a:bodyPr wrap="none" rtlCol="0">
-            <a:spAutoFit/>
-          </a:bodyPr>
-          <a:lstStyle/>
-          <a:p>
-            <a:r>
-              <a:rPr lang="pt-BR" sz="1100" dirty="0">
-                <a:latin typeface="+mj-lt"/>
-              </a:rPr>
-              <a:t>0xCB20</a:t>
-            </a:r>
-          </a:p>
-        </p:txBody>
-      </p:sp>
-      <p:sp>
-        <p:nvSpPr>
-          <p:cNvPr id="22" name="CaixaDeTexto 21"/>
-          <p:cNvSpPr txBox="1"/>
-          <p:nvPr/>
-        </p:nvSpPr>
-        <p:spPr>
-          <a:xfrm>
-            <a:off x="9756439" y="3917383"/>
-            <a:ext cx="646331" cy="261610"/>
-          </a:xfrm>
-          <a:prstGeom prst="rect">
-            <a:avLst/>
-          </a:prstGeom>
-          <a:noFill/>
-        </p:spPr>
-        <p:txBody>
-          <a:bodyPr wrap="none" rtlCol="0">
-            <a:spAutoFit/>
-          </a:bodyPr>
-          <a:lstStyle/>
-          <a:p>
-            <a:r>
-              <a:rPr lang="pt-BR" sz="1100" dirty="0">
-                <a:latin typeface="+mj-lt"/>
-              </a:rPr>
-              <a:t>0xCB21</a:t>
-            </a:r>
-          </a:p>
-        </p:txBody>
-      </p:sp>
-      <p:sp>
-        <p:nvSpPr>
-          <p:cNvPr id="23" name="CaixaDeTexto 22"/>
-          <p:cNvSpPr txBox="1"/>
-          <p:nvPr/>
-        </p:nvSpPr>
-        <p:spPr>
-          <a:xfrm>
-            <a:off x="9756439" y="4203135"/>
-            <a:ext cx="646331" cy="261610"/>
-          </a:xfrm>
-          <a:prstGeom prst="rect">
-            <a:avLst/>
-          </a:prstGeom>
-          <a:noFill/>
-        </p:spPr>
-        <p:txBody>
-          <a:bodyPr wrap="none" rtlCol="0">
-            <a:spAutoFit/>
-          </a:bodyPr>
-          <a:lstStyle/>
-          <a:p>
-            <a:r>
-              <a:rPr lang="pt-BR" sz="1100" dirty="0">
-                <a:latin typeface="+mj-lt"/>
-              </a:rPr>
-              <a:t>0xCB22</a:t>
-            </a:r>
-          </a:p>
-        </p:txBody>
-      </p:sp>
-      <p:sp>
-        <p:nvSpPr>
-          <p:cNvPr id="24" name="CaixaDeTexto 23"/>
-          <p:cNvSpPr txBox="1"/>
-          <p:nvPr/>
-        </p:nvSpPr>
-        <p:spPr>
-          <a:xfrm>
-            <a:off x="9756439" y="4488887"/>
-            <a:ext cx="646331" cy="261610"/>
-          </a:xfrm>
-          <a:prstGeom prst="rect">
-            <a:avLst/>
-          </a:prstGeom>
-          <a:noFill/>
-        </p:spPr>
-        <p:txBody>
-          <a:bodyPr wrap="none" rtlCol="0">
-            <a:spAutoFit/>
-          </a:bodyPr>
-          <a:lstStyle/>
-          <a:p>
-            <a:r>
-              <a:rPr lang="pt-BR" sz="1100" dirty="0">
-                <a:latin typeface="+mj-lt"/>
-              </a:rPr>
-              <a:t>0xCB23</a:t>
-            </a:r>
-          </a:p>
-        </p:txBody>
-      </p:sp>
-      <p:sp>
-        <p:nvSpPr>
-          <p:cNvPr id="25" name="CaixaDeTexto 24"/>
-          <p:cNvSpPr txBox="1"/>
-          <p:nvPr/>
-        </p:nvSpPr>
-        <p:spPr>
-          <a:xfrm>
-            <a:off x="9756439" y="4774639"/>
-            <a:ext cx="646331" cy="261610"/>
-          </a:xfrm>
-          <a:prstGeom prst="rect">
-            <a:avLst/>
-          </a:prstGeom>
-          <a:noFill/>
-        </p:spPr>
-        <p:txBody>
-          <a:bodyPr wrap="none" rtlCol="0">
-            <a:spAutoFit/>
-          </a:bodyPr>
-          <a:lstStyle/>
-          <a:p>
-            <a:r>
-              <a:rPr lang="pt-BR" sz="1100" dirty="0">
-                <a:latin typeface="+mj-lt"/>
-              </a:rPr>
-              <a:t>0xCB24</a:t>
-            </a:r>
-          </a:p>
-        </p:txBody>
-      </p:sp>
-      <p:sp>
-        <p:nvSpPr>
-          <p:cNvPr id="26" name="CaixaDeTexto 25"/>
-          <p:cNvSpPr txBox="1"/>
-          <p:nvPr/>
-        </p:nvSpPr>
-        <p:spPr>
-          <a:xfrm>
-            <a:off x="9756439" y="5060391"/>
-            <a:ext cx="646331" cy="261610"/>
-          </a:xfrm>
-          <a:prstGeom prst="rect">
-            <a:avLst/>
-          </a:prstGeom>
-          <a:noFill/>
-        </p:spPr>
-        <p:txBody>
-          <a:bodyPr wrap="none" rtlCol="0">
-            <a:spAutoFit/>
-          </a:bodyPr>
-          <a:lstStyle/>
-          <a:p>
-            <a:r>
-              <a:rPr lang="pt-BR" sz="1100" dirty="0">
-                <a:latin typeface="+mj-lt"/>
-              </a:rPr>
-              <a:t>0xCB25</a:t>
-            </a:r>
-          </a:p>
-        </p:txBody>
-      </p:sp>
-      <p:sp>
-        <p:nvSpPr>
-          <p:cNvPr id="27" name="CaixaDeTexto 26"/>
-          <p:cNvSpPr txBox="1"/>
-          <p:nvPr/>
-        </p:nvSpPr>
-        <p:spPr>
-          <a:xfrm>
-            <a:off x="9756439" y="5346143"/>
-            <a:ext cx="646331" cy="261610"/>
-          </a:xfrm>
-          <a:prstGeom prst="rect">
-            <a:avLst/>
-          </a:prstGeom>
-          <a:noFill/>
-        </p:spPr>
-        <p:txBody>
-          <a:bodyPr wrap="none" rtlCol="0">
-            <a:spAutoFit/>
-          </a:bodyPr>
-          <a:lstStyle/>
-          <a:p>
-            <a:r>
-              <a:rPr lang="pt-BR" sz="1100" dirty="0">
-                <a:latin typeface="+mj-lt"/>
-              </a:rPr>
-              <a:t>0xCB26</a:t>
-            </a:r>
-          </a:p>
-        </p:txBody>
-      </p:sp>
-      <p:sp>
-        <p:nvSpPr>
-          <p:cNvPr id="28" name="CaixaDeTexto 27"/>
-          <p:cNvSpPr txBox="1"/>
-          <p:nvPr/>
-        </p:nvSpPr>
-        <p:spPr>
-          <a:xfrm>
-            <a:off x="9756439" y="5631895"/>
-            <a:ext cx="646331" cy="261610"/>
-          </a:xfrm>
-          <a:prstGeom prst="rect">
-            <a:avLst/>
-          </a:prstGeom>
-          <a:noFill/>
-        </p:spPr>
-        <p:txBody>
-          <a:bodyPr wrap="none" rtlCol="0">
-            <a:spAutoFit/>
-          </a:bodyPr>
-          <a:lstStyle/>
-          <a:p>
-            <a:r>
-              <a:rPr lang="pt-BR" sz="1100" dirty="0">
-                <a:latin typeface="+mj-lt"/>
-              </a:rPr>
-              <a:t>0xCB27</a:t>
-            </a:r>
-          </a:p>
-        </p:txBody>
-      </p:sp>
-      <p:sp>
-        <p:nvSpPr>
-          <p:cNvPr id="30" name="TextBox 3">
-            <a:extLst>
-              <a:ext uri="{FF2B5EF4-FFF2-40B4-BE49-F238E27FC236}">
-                <a16:creationId xmlns:a16="http://schemas.microsoft.com/office/drawing/2014/main" id="{DEA728A5-6FE1-44C5-8FA5-882017B96DD0}"/>
-              </a:ext>
-            </a:extLst>
-          </p:cNvPr>
-          <p:cNvSpPr txBox="1"/>
-          <p:nvPr/>
-        </p:nvSpPr>
-        <p:spPr>
-          <a:xfrm>
-            <a:off x="10338900" y="3839406"/>
-            <a:ext cx="817853" cy="369332"/>
-          </a:xfrm>
-          <a:prstGeom prst="rect">
-            <a:avLst/>
-          </a:prstGeom>
-          <a:noFill/>
-        </p:spPr>
-        <p:txBody>
-          <a:bodyPr wrap="none" rtlCol="0">
-            <a:spAutoFit/>
-          </a:bodyPr>
-          <a:lstStyle/>
-          <a:p>
-            <a:r>
-              <a:rPr lang="pt-BR" dirty="0">
-                <a:solidFill>
-                  <a:schemeClr val="accent3">
-                    <a:lumMod val="75000"/>
-                  </a:schemeClr>
-                </a:solidFill>
-                <a:latin typeface="+mj-lt"/>
-              </a:rPr>
-              <a:t>= </a:t>
-            </a:r>
-            <a:r>
-              <a:rPr lang="pt-BR" dirty="0" err="1">
-                <a:solidFill>
-                  <a:schemeClr val="accent3">
-                    <a:lumMod val="75000"/>
-                  </a:schemeClr>
-                </a:solidFill>
-                <a:latin typeface="+mj-lt"/>
-              </a:rPr>
-              <a:t>vet</a:t>
-            </a:r>
-            <a:endParaRPr lang="pt-BR" dirty="0">
-              <a:solidFill>
-                <a:schemeClr val="accent3">
-                  <a:lumMod val="75000"/>
-                </a:schemeClr>
-              </a:solidFill>
-              <a:latin typeface="+mj-lt"/>
-            </a:endParaRPr>
           </a:p>
         </p:txBody>
       </p:sp>
@@ -20487,7 +22426,14 @@
             </a:r>
             <a:r>
               <a:rPr lang="pt-BR" dirty="0"/>
-              <a:t> é um erro grave que pode ter resultados inesperados</a:t>
+              <a:t> é um erro </a:t>
+            </a:r>
+            <a:br>
+              <a:rPr lang="pt-BR" dirty="0"/>
+            </a:br>
+            <a:r>
+              <a:rPr lang="pt-BR" dirty="0"/>
+              <a:t>grave que pode ter resultados inesperados</a:t>
             </a:r>
           </a:p>
           <a:p>
@@ -21813,6 +23759,49 @@
           </a:p>
         </p:txBody>
       </p:sp>
+      <p:sp>
+        <p:nvSpPr>
+          <p:cNvPr id="5" name="CaixaDeTexto 4">
+            <a:extLst>
+              <a:ext uri="{FF2B5EF4-FFF2-40B4-BE49-F238E27FC236}">
+                <a16:creationId xmlns:a16="http://schemas.microsoft.com/office/drawing/2014/main" id="{E7322FF2-36BA-4288-9958-9F379208D83C}"/>
+              </a:ext>
+            </a:extLst>
+          </p:cNvPr>
+          <p:cNvSpPr txBox="1"/>
+          <p:nvPr/>
+        </p:nvSpPr>
+        <p:spPr>
+          <a:xfrm rot="16200000">
+            <a:off x="-930295" y="5558752"/>
+            <a:ext cx="2232248" cy="276999"/>
+          </a:xfrm>
+          <a:prstGeom prst="rect">
+            <a:avLst/>
+          </a:prstGeom>
+          <a:noFill/>
+        </p:spPr>
+        <p:txBody>
+          <a:bodyPr wrap="square" rtlCol="0">
+            <a:spAutoFit/>
+          </a:bodyPr>
+          <a:lstStyle/>
+          <a:p>
+            <a:r>
+              <a:rPr lang="pt-BR" sz="1200" dirty="0">
+                <a:solidFill>
+                  <a:schemeClr val="bg2">
+                    <a:lumMod val="60000"/>
+                    <a:lumOff val="40000"/>
+                  </a:schemeClr>
+                </a:solidFill>
+                <a:latin typeface="+mj-lt"/>
+              </a:rPr>
+              <a:t>// SomaVetor.cpp</a:t>
+            </a:r>
+          </a:p>
+        </p:txBody>
+      </p:sp>
     </p:spTree>
     <p:extLst>
       <p:ext uri="{BB962C8B-B14F-4D97-AF65-F5344CB8AC3E}">
@@ -21982,8 +23971,8 @@
         </p:nvSpPr>
         <p:spPr>
           <a:xfrm>
-            <a:off x="1991544" y="5085184"/>
-            <a:ext cx="6572296" cy="1477328"/>
+            <a:off x="1991544" y="4941168"/>
+            <a:ext cx="6572296" cy="1323439"/>
           </a:xfrm>
           <a:prstGeom prst="rect">
             <a:avLst/>
@@ -21996,7 +23985,7 @@
           <a:lstStyle/>
           <a:p>
             <a:r>
-              <a:rPr lang="pt-BR" dirty="0" err="1">
+              <a:rPr lang="pt-BR" sz="1600" dirty="0" err="1">
                 <a:solidFill>
                   <a:schemeClr val="accent3">
                     <a:lumMod val="75000"/>
@@ -22007,7 +23996,7 @@
               <a:t>int</a:t>
             </a:r>
             <a:r>
-              <a:rPr lang="pt-BR" dirty="0">
+              <a:rPr lang="pt-BR" sz="1600" dirty="0">
                 <a:solidFill>
                   <a:schemeClr val="accent3">
                     <a:lumMod val="75000"/>
@@ -22018,19 +24007,19 @@
               <a:t> </a:t>
             </a:r>
             <a:r>
-              <a:rPr lang="pt-BR" dirty="0" err="1">
+              <a:rPr lang="pt-BR" sz="1600" dirty="0" err="1">
                 <a:latin typeface="+mj-lt"/>
               </a:rPr>
               <a:t>somaVetor</a:t>
             </a:r>
             <a:r>
-              <a:rPr lang="pt-BR" dirty="0">
+              <a:rPr lang="pt-BR" sz="1600" dirty="0">
                 <a:latin typeface="+mj-lt"/>
               </a:rPr>
               <a:t>(</a:t>
             </a:r>
             <a:r>
-              <a:rPr lang="pt-BR" dirty="0" err="1">
+              <a:rPr lang="pt-BR" sz="1600" dirty="0" err="1">
                 <a:solidFill>
                   <a:schemeClr val="accent3">
                     <a:lumMod val="75000"/>
@@ -22041,25 +24030,25 @@
               <a:t>int</a:t>
             </a:r>
             <a:r>
-              <a:rPr lang="pt-BR" dirty="0">
+              <a:rPr lang="pt-BR" sz="1600" dirty="0">
                 <a:latin typeface="+mj-lt"/>
               </a:rPr>
               <a:t> </a:t>
             </a:r>
             <a:r>
-              <a:rPr lang="pt-BR" dirty="0" err="1">
+              <a:rPr lang="pt-BR" sz="1600" dirty="0" err="1">
                 <a:latin typeface="+mj-lt"/>
               </a:rPr>
               <a:t>vet</a:t>
             </a:r>
             <a:r>
-              <a:rPr lang="pt-BR" dirty="0">
+              <a:rPr lang="pt-BR" sz="1600" dirty="0">
                 <a:latin typeface="+mj-lt"/>
               </a:rPr>
               <a:t>[], </a:t>
             </a:r>
             <a:r>
-              <a:rPr lang="pt-BR" dirty="0" err="1">
+              <a:rPr lang="pt-BR" sz="1600" dirty="0" err="1">
                 <a:solidFill>
                   <a:schemeClr val="accent3">
                     <a:lumMod val="75000"/>
@@ -22070,47 +24059,47 @@
               <a:t>int</a:t>
             </a:r>
             <a:r>
-              <a:rPr lang="pt-BR" dirty="0">
+              <a:rPr lang="pt-BR" sz="1600" dirty="0">
                 <a:latin typeface="+mj-lt"/>
               </a:rPr>
               <a:t> </a:t>
             </a:r>
             <a:r>
-              <a:rPr lang="pt-BR" dirty="0" err="1">
+              <a:rPr lang="pt-BR" sz="1600" dirty="0" err="1">
                 <a:latin typeface="+mj-lt"/>
               </a:rPr>
               <a:t>tam</a:t>
             </a:r>
             <a:r>
-              <a:rPr lang="pt-BR" dirty="0">
+              <a:rPr lang="pt-BR" sz="1600" dirty="0">
                 <a:latin typeface="+mj-lt"/>
               </a:rPr>
               <a:t>) </a:t>
             </a:r>
             <a:br>
-              <a:rPr lang="pt-BR" dirty="0">
+              <a:rPr lang="pt-BR" sz="1600" dirty="0">
                 <a:latin typeface="+mj-lt"/>
               </a:rPr>
             </a:br>
             <a:r>
-              <a:rPr lang="pt-BR" dirty="0">
+              <a:rPr lang="pt-BR" sz="1600" dirty="0">
                 <a:latin typeface="+mj-lt"/>
               </a:rPr>
               <a:t>{ </a:t>
             </a:r>
             <a:br>
-              <a:rPr lang="pt-BR" dirty="0">
+              <a:rPr lang="pt-BR" sz="1600" dirty="0">
                 <a:latin typeface="+mj-lt"/>
               </a:rPr>
             </a:br>
             <a:r>
-              <a:rPr lang="pt-BR" dirty="0">
+              <a:rPr lang="pt-BR" sz="1600" dirty="0">
                 <a:latin typeface="+mj-lt"/>
               </a:rPr>
               <a:t>   </a:t>
             </a:r>
             <a:r>
-              <a:rPr lang="pt-BR" dirty="0">
+              <a:rPr lang="pt-BR" sz="1600" dirty="0">
                 <a:solidFill>
                   <a:schemeClr val="accent3">
                     <a:lumMod val="75000"/>
@@ -22121,13 +24110,13 @@
               <a:t>for</a:t>
             </a:r>
             <a:r>
-              <a:rPr lang="pt-BR" dirty="0">
+              <a:rPr lang="pt-BR" sz="1600" dirty="0">
                 <a:latin typeface="+mj-lt"/>
               </a:rPr>
               <a:t> (</a:t>
             </a:r>
             <a:r>
-              <a:rPr lang="pt-BR" dirty="0" err="1">
+              <a:rPr lang="pt-BR" sz="1600" dirty="0" err="1">
                 <a:solidFill>
                   <a:schemeClr val="accent3">
                     <a:lumMod val="75000"/>
@@ -22138,19 +24127,19 @@
               <a:t>int</a:t>
             </a:r>
             <a:r>
-              <a:rPr lang="pt-BR" dirty="0">
+              <a:rPr lang="pt-BR" sz="1600" dirty="0">
                 <a:latin typeface="+mj-lt"/>
               </a:rPr>
               <a:t> i = 0; i &lt; </a:t>
             </a:r>
             <a:r>
-              <a:rPr lang="pt-BR" dirty="0" err="1">
+              <a:rPr lang="pt-BR" sz="1600" dirty="0" err="1">
                 <a:latin typeface="+mj-lt"/>
               </a:rPr>
               <a:t>tam</a:t>
             </a:r>
             <a:r>
-              <a:rPr lang="pt-BR" dirty="0">
+              <a:rPr lang="pt-BR" sz="1600" dirty="0">
                 <a:latin typeface="+mj-lt"/>
               </a:rPr>
               <a:t>; ++i)</a:t>
@@ -22158,7 +24147,7 @@
           </a:p>
           <a:p>
             <a:r>
-              <a:rPr lang="pt-BR" dirty="0">
+              <a:rPr lang="pt-BR" sz="1600" dirty="0">
                 <a:latin typeface="+mj-lt"/>
               </a:rPr>
               <a:t>   {</a:t>
@@ -22166,7 +24155,7 @@
           </a:p>
           <a:p>
             <a:r>
-              <a:rPr lang="pt-BR" dirty="0">
+              <a:rPr lang="pt-BR" sz="1600" dirty="0">
                 <a:latin typeface="+mj-lt"/>
               </a:rPr>
               <a:t>      ...</a:t>
@@ -22241,6 +24230,11 @@
           <a:bodyPr/>
           <a:lstStyle/>
           <a:p>
+            <a:pPr>
+              <a:spcAft>
+                <a:spcPts val="1200"/>
+              </a:spcAft>
+            </a:pPr>
             <a:r>
               <a:rPr lang="pt-BR" dirty="0"/>
               <a:t>A classe </a:t>
@@ -22265,7 +24259,14 @@
             </a:r>
             <a:r>
               <a:rPr lang="pt-BR" dirty="0"/>
-              <a:t> é uma alternativa ao vetor tradicional da linguagem C++</a:t>
+              <a:t> é uma alternativa </a:t>
+            </a:r>
+            <a:br>
+              <a:rPr lang="pt-BR" dirty="0"/>
+            </a:br>
+            <a:r>
+              <a:rPr lang="pt-BR" dirty="0"/>
+              <a:t>ao vetor tradicional da linguagem C++</a:t>
             </a:r>
           </a:p>
           <a:p>
@@ -22285,8 +24286,8 @@
         </p:nvSpPr>
         <p:spPr>
           <a:xfrm>
-            <a:off x="1991544" y="3501008"/>
-            <a:ext cx="6480720" cy="3046988"/>
+            <a:off x="2135560" y="3538759"/>
+            <a:ext cx="7056784" cy="2800767"/>
           </a:xfrm>
           <a:prstGeom prst="rect">
             <a:avLst/>
@@ -22452,7 +24453,7 @@
                 <a:latin typeface="Consolas" pitchFamily="49" charset="0"/>
                 <a:cs typeface="Consolas" pitchFamily="49" charset="0"/>
               </a:rPr>
-              <a:t> </a:t>
+              <a:t>          </a:t>
             </a:r>
             <a:r>
               <a:rPr lang="pt-BR" sz="1600" dirty="0">
@@ -22516,151 +24517,10 @@
             </a:r>
           </a:p>
           <a:p>
-            <a:r>
-              <a:rPr lang="pt-BR" sz="1600" dirty="0">
-                <a:latin typeface="Consolas" pitchFamily="49" charset="0"/>
-                <a:cs typeface="Consolas" pitchFamily="49" charset="0"/>
-              </a:rPr>
-              <a:t> </a:t>
-            </a:r>
-          </a:p>
-          <a:p>
-            <a:r>
-              <a:rPr lang="pt-BR" sz="1600" dirty="0" err="1">
-                <a:solidFill>
-                  <a:schemeClr val="accent3">
-                    <a:lumMod val="75000"/>
-                  </a:schemeClr>
-                </a:solidFill>
-                <a:latin typeface="Consolas" pitchFamily="49" charset="0"/>
-                <a:cs typeface="Consolas" pitchFamily="49" charset="0"/>
-              </a:rPr>
-              <a:t>int</a:t>
-            </a:r>
-            <a:r>
-              <a:rPr lang="pt-BR" sz="1600" dirty="0">
-                <a:solidFill>
-                  <a:schemeClr val="accent3">
-                    <a:lumMod val="75000"/>
-                  </a:schemeClr>
-                </a:solidFill>
-                <a:latin typeface="Consolas" pitchFamily="49" charset="0"/>
-                <a:cs typeface="Consolas" pitchFamily="49" charset="0"/>
-              </a:rPr>
-              <a:t> </a:t>
-            </a:r>
-            <a:r>
-              <a:rPr lang="pt-BR" sz="1600" dirty="0" err="1">
-                <a:latin typeface="Consolas" pitchFamily="49" charset="0"/>
-                <a:cs typeface="Consolas" pitchFamily="49" charset="0"/>
-              </a:rPr>
-              <a:t>main</a:t>
-            </a:r>
-            <a:r>
-              <a:rPr lang="pt-BR" sz="1600" dirty="0">
-                <a:latin typeface="Consolas" pitchFamily="49" charset="0"/>
-                <a:cs typeface="Consolas" pitchFamily="49" charset="0"/>
-              </a:rPr>
-              <a:t>() </a:t>
-            </a:r>
-          </a:p>
-          <a:p>
-            <a:r>
-              <a:rPr lang="pt-BR" sz="1600" dirty="0">
-                <a:latin typeface="Consolas" pitchFamily="49" charset="0"/>
-                <a:cs typeface="Consolas" pitchFamily="49" charset="0"/>
-              </a:rPr>
-              <a:t>{</a:t>
-            </a:r>
-          </a:p>
-          <a:p>
-            <a:r>
-              <a:rPr lang="pt-BR" sz="1600" dirty="0">
-                <a:latin typeface="Consolas" pitchFamily="49" charset="0"/>
-                <a:cs typeface="Consolas" pitchFamily="49" charset="0"/>
-              </a:rPr>
-              <a:t>    </a:t>
-            </a:r>
-            <a:r>
-              <a:rPr lang="pt-BR" sz="1600" dirty="0">
-                <a:solidFill>
-                  <a:schemeClr val="accent3">
-                    <a:lumMod val="75000"/>
-                  </a:schemeClr>
-                </a:solidFill>
-                <a:latin typeface="Consolas" pitchFamily="49" charset="0"/>
-                <a:cs typeface="Consolas" pitchFamily="49" charset="0"/>
-              </a:rPr>
-              <a:t>vector</a:t>
-            </a:r>
-            <a:r>
-              <a:rPr lang="pt-BR" sz="1600" dirty="0">
-                <a:latin typeface="Consolas" pitchFamily="49" charset="0"/>
-                <a:cs typeface="Consolas" pitchFamily="49" charset="0"/>
-              </a:rPr>
-              <a:t>&lt;</a:t>
-            </a:r>
-            <a:r>
-              <a:rPr lang="pt-BR" sz="1600" dirty="0" err="1">
-                <a:solidFill>
-                  <a:schemeClr val="accent3">
-                    <a:lumMod val="75000"/>
-                  </a:schemeClr>
-                </a:solidFill>
-                <a:latin typeface="Consolas" pitchFamily="49" charset="0"/>
-                <a:cs typeface="Consolas" pitchFamily="49" charset="0"/>
-              </a:rPr>
-              <a:t>int</a:t>
-            </a:r>
-            <a:r>
-              <a:rPr lang="pt-BR" sz="1600" dirty="0">
-                <a:latin typeface="Consolas" pitchFamily="49" charset="0"/>
-                <a:cs typeface="Consolas" pitchFamily="49" charset="0"/>
-              </a:rPr>
-              <a:t>&gt; </a:t>
-            </a:r>
-            <a:r>
-              <a:rPr lang="pt-BR" sz="1600" dirty="0" err="1">
-                <a:latin typeface="Consolas" pitchFamily="49" charset="0"/>
-                <a:cs typeface="Consolas" pitchFamily="49" charset="0"/>
-              </a:rPr>
-              <a:t>vetI</a:t>
-            </a:r>
-            <a:r>
-              <a:rPr lang="pt-BR" sz="1600" dirty="0">
-                <a:latin typeface="Consolas" pitchFamily="49" charset="0"/>
-                <a:cs typeface="Consolas" pitchFamily="49" charset="0"/>
-              </a:rPr>
-              <a:t>;        </a:t>
-            </a:r>
-            <a:r>
-              <a:rPr lang="pt-BR" sz="1600" dirty="0">
-                <a:solidFill>
-                  <a:schemeClr val="tx1">
-                    <a:lumMod val="50000"/>
-                  </a:schemeClr>
-                </a:solidFill>
-                <a:latin typeface="Consolas" pitchFamily="49" charset="0"/>
-                <a:cs typeface="Consolas" pitchFamily="49" charset="0"/>
-              </a:rPr>
-              <a:t>// cria vetor vazio de </a:t>
-            </a:r>
-            <a:r>
-              <a:rPr lang="pt-BR" sz="1600" dirty="0" err="1">
-                <a:solidFill>
-                  <a:schemeClr val="tx1">
-                    <a:lumMod val="50000"/>
-                  </a:schemeClr>
-                </a:solidFill>
-                <a:latin typeface="Consolas" pitchFamily="49" charset="0"/>
-                <a:cs typeface="Consolas" pitchFamily="49" charset="0"/>
-              </a:rPr>
-              <a:t>ints</a:t>
-            </a:r>
             <a:endParaRPr lang="pt-BR" sz="1600" dirty="0">
               <a:solidFill>
-                <a:schemeClr val="tx1">
-                  <a:lumMod val="50000"/>
+                <a:schemeClr val="accent3">
+                  <a:lumMod val="75000"/>
                 </a:schemeClr>
               </a:solidFill>
               <a:latin typeface="Consolas" pitchFamily="49" charset="0"/>
@@ -22668,6 +24528,138 @@
             </a:endParaRPr>
           </a:p>
           <a:p>
+            <a:r>
+              <a:rPr lang="pt-BR" sz="1600" dirty="0" err="1">
+                <a:solidFill>
+                  <a:schemeClr val="accent3">
+                    <a:lumMod val="75000"/>
+                  </a:schemeClr>
+                </a:solidFill>
+                <a:latin typeface="Consolas" pitchFamily="49" charset="0"/>
+                <a:cs typeface="Consolas" pitchFamily="49" charset="0"/>
+              </a:rPr>
+              <a:t>int</a:t>
+            </a:r>
+            <a:r>
+              <a:rPr lang="pt-BR" sz="1600" dirty="0">
+                <a:solidFill>
+                  <a:schemeClr val="accent3">
+                    <a:lumMod val="75000"/>
+                  </a:schemeClr>
+                </a:solidFill>
+                <a:latin typeface="Consolas" pitchFamily="49" charset="0"/>
+                <a:cs typeface="Consolas" pitchFamily="49" charset="0"/>
+              </a:rPr>
+              <a:t> </a:t>
+            </a:r>
+            <a:r>
+              <a:rPr lang="pt-BR" sz="1600" dirty="0" err="1">
+                <a:latin typeface="Consolas" pitchFamily="49" charset="0"/>
+                <a:cs typeface="Consolas" pitchFamily="49" charset="0"/>
+              </a:rPr>
+              <a:t>main</a:t>
+            </a:r>
+            <a:r>
+              <a:rPr lang="pt-BR" sz="1600" dirty="0">
+                <a:latin typeface="Consolas" pitchFamily="49" charset="0"/>
+                <a:cs typeface="Consolas" pitchFamily="49" charset="0"/>
+              </a:rPr>
+              <a:t>() </a:t>
+            </a:r>
+          </a:p>
+          <a:p>
+            <a:r>
+              <a:rPr lang="pt-BR" sz="1600" dirty="0">
+                <a:latin typeface="Consolas" pitchFamily="49" charset="0"/>
+                <a:cs typeface="Consolas" pitchFamily="49" charset="0"/>
+              </a:rPr>
+              <a:t>{</a:t>
+            </a:r>
+          </a:p>
+          <a:p>
+            <a:r>
+              <a:rPr lang="pt-BR" sz="1600" dirty="0">
+                <a:latin typeface="Consolas" pitchFamily="49" charset="0"/>
+                <a:cs typeface="Consolas" pitchFamily="49" charset="0"/>
+              </a:rPr>
+              <a:t>    </a:t>
+            </a:r>
+            <a:r>
+              <a:rPr lang="pt-BR" sz="1600" dirty="0">
+                <a:solidFill>
+                  <a:schemeClr val="accent3">
+                    <a:lumMod val="75000"/>
+                  </a:schemeClr>
+                </a:solidFill>
+                <a:latin typeface="Consolas" pitchFamily="49" charset="0"/>
+                <a:cs typeface="Consolas" pitchFamily="49" charset="0"/>
+              </a:rPr>
+              <a:t>vector</a:t>
+            </a:r>
+            <a:r>
+              <a:rPr lang="pt-BR" sz="1600" dirty="0">
+                <a:latin typeface="Consolas" pitchFamily="49" charset="0"/>
+                <a:cs typeface="Consolas" pitchFamily="49" charset="0"/>
+              </a:rPr>
+              <a:t>&lt;</a:t>
+            </a:r>
+            <a:r>
+              <a:rPr lang="pt-BR" sz="1600" dirty="0" err="1">
+                <a:solidFill>
+                  <a:schemeClr val="accent3">
+                    <a:lumMod val="75000"/>
+                  </a:schemeClr>
+                </a:solidFill>
+                <a:latin typeface="Consolas" pitchFamily="49" charset="0"/>
+                <a:cs typeface="Consolas" pitchFamily="49" charset="0"/>
+              </a:rPr>
+              <a:t>int</a:t>
+            </a:r>
+            <a:r>
+              <a:rPr lang="pt-BR" sz="1600" dirty="0">
+                <a:latin typeface="Consolas" pitchFamily="49" charset="0"/>
+                <a:cs typeface="Consolas" pitchFamily="49" charset="0"/>
+              </a:rPr>
+              <a:t>&gt; </a:t>
+            </a:r>
+            <a:r>
+              <a:rPr lang="pt-BR" sz="1600" dirty="0" err="1">
+                <a:latin typeface="Consolas" pitchFamily="49" charset="0"/>
+                <a:cs typeface="Consolas" pitchFamily="49" charset="0"/>
+              </a:rPr>
+              <a:t>vetI</a:t>
+            </a:r>
+            <a:r>
+              <a:rPr lang="pt-BR" sz="1600" dirty="0">
+                <a:latin typeface="Consolas" pitchFamily="49" charset="0"/>
+                <a:cs typeface="Consolas" pitchFamily="49" charset="0"/>
+              </a:rPr>
+              <a:t>;         </a:t>
+            </a:r>
+            <a:r>
+              <a:rPr lang="pt-BR" sz="1600" dirty="0">
+                <a:solidFill>
+                  <a:schemeClr val="tx1">
+                    <a:lumMod val="50000"/>
+                  </a:schemeClr>
+                </a:solidFill>
+                <a:latin typeface="Consolas" pitchFamily="49" charset="0"/>
+                <a:cs typeface="Consolas" pitchFamily="49" charset="0"/>
+              </a:rPr>
+              <a:t>// cria vetor vazio de </a:t>
+            </a:r>
+            <a:r>
+              <a:rPr lang="pt-BR" sz="1600" dirty="0" err="1">
+                <a:solidFill>
+                  <a:schemeClr val="tx1">
+                    <a:lumMod val="50000"/>
+                  </a:schemeClr>
+                </a:solidFill>
+                <a:latin typeface="Consolas" pitchFamily="49" charset="0"/>
+                <a:cs typeface="Consolas" pitchFamily="49" charset="0"/>
+              </a:rPr>
+              <a:t>ints</a:t>
+            </a:r>
             <a:endParaRPr lang="pt-BR" sz="1600" dirty="0">
               <a:latin typeface="Consolas" pitchFamily="49" charset="0"/>
               <a:cs typeface="Consolas" pitchFamily="49" charset="0"/>
@@ -22802,7 +24794,7 @@
                 <a:latin typeface="Consolas" pitchFamily="49" charset="0"/>
                 <a:cs typeface="Consolas" pitchFamily="49" charset="0"/>
               </a:rPr>
-              <a:t>(n);  </a:t>
+              <a:t>(n);   </a:t>
             </a:r>
             <a:r>
               <a:rPr lang="pt-BR" sz="1600" dirty="0">
@@ -22970,7 +24962,7 @@
         </p:nvSpPr>
         <p:spPr>
           <a:xfrm>
-            <a:off x="1991544" y="3545169"/>
+            <a:off x="2063552" y="3545169"/>
             <a:ext cx="6480720" cy="2800767"/>
           </a:xfrm>
           <a:prstGeom prst="rect">
@@ -23990,657 +25982,6 @@
           <a:p>
             <a:r>
               <a:rPr lang="pt-BR" dirty="0"/>
-              <a:t>Alternativas para um Vetor</a:t>
-            </a:r>
-          </a:p>
-        </p:txBody>
-      </p:sp>
-      <p:sp>
-        <p:nvSpPr>
-          <p:cNvPr id="4" name="CaixaDeTexto 3"/>
-          <p:cNvSpPr txBox="1"/>
-          <p:nvPr/>
-        </p:nvSpPr>
-        <p:spPr>
-          <a:xfrm>
-            <a:off x="1219200" y="1773982"/>
-            <a:ext cx="10363200" cy="4524315"/>
-          </a:xfrm>
-          <a:prstGeom prst="rect">
-            <a:avLst/>
-          </a:prstGeom>
-          <a:noFill/>
-        </p:spPr>
-        <p:txBody>
-          <a:bodyPr wrap="square" rtlCol="0">
-            <a:spAutoFit/>
-          </a:bodyPr>
-          <a:lstStyle/>
-          <a:p>
-            <a:r>
-              <a:rPr lang="pt-BR" sz="1600" dirty="0">
-                <a:solidFill>
-                  <a:schemeClr val="accent3">
-                    <a:lumMod val="75000"/>
-                  </a:schemeClr>
-                </a:solidFill>
-                <a:latin typeface="Consolas" pitchFamily="49" charset="0"/>
-                <a:cs typeface="Consolas" pitchFamily="49" charset="0"/>
-              </a:rPr>
-              <a:t>#include </a:t>
-            </a:r>
-            <a:r>
-              <a:rPr lang="pt-BR" sz="1600" dirty="0">
-                <a:solidFill>
-                  <a:schemeClr val="accent2">
-                    <a:lumMod val="60000"/>
-                    <a:lumOff val="40000"/>
-                  </a:schemeClr>
-                </a:solidFill>
-                <a:latin typeface="Consolas" pitchFamily="49" charset="0"/>
-                <a:cs typeface="Consolas" pitchFamily="49" charset="0"/>
-              </a:rPr>
-              <a:t>&lt;</a:t>
-            </a:r>
-            <a:r>
-              <a:rPr lang="pt-BR" sz="1600" dirty="0" err="1">
-                <a:solidFill>
-                  <a:schemeClr val="accent2">
-                    <a:lumMod val="60000"/>
-                    <a:lumOff val="40000"/>
-                  </a:schemeClr>
-                </a:solidFill>
-                <a:latin typeface="Consolas" pitchFamily="49" charset="0"/>
-                <a:cs typeface="Consolas" pitchFamily="49" charset="0"/>
-              </a:rPr>
-              <a:t>iostream</a:t>
-            </a:r>
-            <a:r>
-              <a:rPr lang="pt-BR" sz="1600" dirty="0">
-                <a:solidFill>
-                  <a:schemeClr val="accent2">
-                    <a:lumMod val="60000"/>
-                    <a:lumOff val="40000"/>
-                  </a:schemeClr>
-                </a:solidFill>
-                <a:latin typeface="Consolas" pitchFamily="49" charset="0"/>
-                <a:cs typeface="Consolas" pitchFamily="49" charset="0"/>
-              </a:rPr>
-              <a:t>&gt;</a:t>
-            </a:r>
-            <a:br>
-              <a:rPr lang="pt-BR" sz="1600" dirty="0">
-                <a:solidFill>
-                  <a:schemeClr val="accent2">
-                    <a:lumMod val="60000"/>
-                    <a:lumOff val="40000"/>
-                  </a:schemeClr>
-                </a:solidFill>
-                <a:latin typeface="Consolas" pitchFamily="49" charset="0"/>
-                <a:cs typeface="Consolas" pitchFamily="49" charset="0"/>
-              </a:rPr>
-            </a:br>
-            <a:r>
-              <a:rPr lang="pt-BR" sz="1600" dirty="0">
-                <a:solidFill>
-                  <a:schemeClr val="accent3">
-                    <a:lumMod val="75000"/>
-                  </a:schemeClr>
-                </a:solidFill>
-                <a:latin typeface="Consolas" pitchFamily="49" charset="0"/>
-                <a:cs typeface="Consolas" pitchFamily="49" charset="0"/>
-              </a:rPr>
-              <a:t>#include</a:t>
-            </a:r>
-            <a:r>
-              <a:rPr lang="pt-BR" sz="1600" dirty="0">
-                <a:solidFill>
-                  <a:schemeClr val="accent2">
-                    <a:lumMod val="60000"/>
-                    <a:lumOff val="40000"/>
-                  </a:schemeClr>
-                </a:solidFill>
-                <a:latin typeface="Consolas" pitchFamily="49" charset="0"/>
-                <a:cs typeface="Consolas" pitchFamily="49" charset="0"/>
-              </a:rPr>
-              <a:t> &lt;vector&gt;    </a:t>
-            </a:r>
-            <a:r>
-              <a:rPr lang="pt-BR" sz="1600" dirty="0">
-                <a:solidFill>
-                  <a:schemeClr val="tx1">
-                    <a:lumMod val="50000"/>
-                  </a:schemeClr>
-                </a:solidFill>
-                <a:latin typeface="Consolas" pitchFamily="49" charset="0"/>
-                <a:cs typeface="Consolas" pitchFamily="49" charset="0"/>
-              </a:rPr>
-              <a:t>// C++98</a:t>
-            </a:r>
-          </a:p>
-          <a:p>
-            <a:r>
-              <a:rPr lang="pt-BR" sz="1600" dirty="0">
-                <a:solidFill>
-                  <a:schemeClr val="accent3">
-                    <a:lumMod val="75000"/>
-                  </a:schemeClr>
-                </a:solidFill>
-                <a:latin typeface="Consolas" pitchFamily="49" charset="0"/>
-                <a:cs typeface="Consolas" pitchFamily="49" charset="0"/>
-              </a:rPr>
-              <a:t>#include </a:t>
-            </a:r>
-            <a:r>
-              <a:rPr lang="pt-BR" sz="1600" dirty="0">
-                <a:solidFill>
-                  <a:schemeClr val="accent2">
-                    <a:lumMod val="60000"/>
-                    <a:lumOff val="40000"/>
-                  </a:schemeClr>
-                </a:solidFill>
-                <a:latin typeface="Consolas" pitchFamily="49" charset="0"/>
-                <a:cs typeface="Consolas" pitchFamily="49" charset="0"/>
-              </a:rPr>
-              <a:t>&lt;</a:t>
-            </a:r>
-            <a:r>
-              <a:rPr lang="pt-BR" sz="1600" dirty="0" err="1">
-                <a:solidFill>
-                  <a:schemeClr val="accent2">
-                    <a:lumMod val="60000"/>
-                    <a:lumOff val="40000"/>
-                  </a:schemeClr>
-                </a:solidFill>
-                <a:latin typeface="Consolas" pitchFamily="49" charset="0"/>
-                <a:cs typeface="Consolas" pitchFamily="49" charset="0"/>
-              </a:rPr>
-              <a:t>array</a:t>
-            </a:r>
-            <a:r>
-              <a:rPr lang="pt-BR" sz="1600" dirty="0">
-                <a:solidFill>
-                  <a:schemeClr val="accent2">
-                    <a:lumMod val="60000"/>
-                    <a:lumOff val="40000"/>
-                  </a:schemeClr>
-                </a:solidFill>
-                <a:latin typeface="Consolas" pitchFamily="49" charset="0"/>
-                <a:cs typeface="Consolas" pitchFamily="49" charset="0"/>
-              </a:rPr>
-              <a:t>&gt;     </a:t>
-            </a:r>
-            <a:r>
-              <a:rPr lang="pt-BR" sz="1600" dirty="0">
-                <a:solidFill>
-                  <a:schemeClr val="tx1">
-                    <a:lumMod val="50000"/>
-                  </a:schemeClr>
-                </a:solidFill>
-                <a:latin typeface="Consolas" pitchFamily="49" charset="0"/>
-                <a:cs typeface="Consolas" pitchFamily="49" charset="0"/>
-              </a:rPr>
-              <a:t>// C++11</a:t>
-            </a:r>
-          </a:p>
-          <a:p>
-            <a:r>
-              <a:rPr lang="pt-BR" sz="1600" dirty="0" err="1">
-                <a:solidFill>
-                  <a:schemeClr val="accent3">
-                    <a:lumMod val="75000"/>
-                  </a:schemeClr>
-                </a:solidFill>
-                <a:latin typeface="Consolas" pitchFamily="49" charset="0"/>
-                <a:cs typeface="Consolas" pitchFamily="49" charset="0"/>
-              </a:rPr>
-              <a:t>using</a:t>
-            </a:r>
-            <a:r>
-              <a:rPr lang="pt-BR" sz="1600" dirty="0">
-                <a:solidFill>
-                  <a:schemeClr val="accent3">
-                    <a:lumMod val="75000"/>
-                  </a:schemeClr>
-                </a:solidFill>
-                <a:latin typeface="Consolas" pitchFamily="49" charset="0"/>
-                <a:cs typeface="Consolas" pitchFamily="49" charset="0"/>
-              </a:rPr>
-              <a:t> </a:t>
-            </a:r>
-            <a:r>
-              <a:rPr lang="pt-BR" sz="1600" dirty="0" err="1">
-                <a:solidFill>
-                  <a:schemeClr val="accent3">
-                    <a:lumMod val="75000"/>
-                  </a:schemeClr>
-                </a:solidFill>
-                <a:latin typeface="Consolas" pitchFamily="49" charset="0"/>
-                <a:cs typeface="Consolas" pitchFamily="49" charset="0"/>
-              </a:rPr>
-              <a:t>namespace</a:t>
-            </a:r>
-            <a:r>
-              <a:rPr lang="pt-BR" sz="1600" dirty="0">
-                <a:solidFill>
-                  <a:schemeClr val="accent3">
-                    <a:lumMod val="75000"/>
-                  </a:schemeClr>
-                </a:solidFill>
-                <a:latin typeface="Consolas" pitchFamily="49" charset="0"/>
-                <a:cs typeface="Consolas" pitchFamily="49" charset="0"/>
-              </a:rPr>
-              <a:t> </a:t>
-            </a:r>
-            <a:r>
-              <a:rPr lang="pt-BR" sz="1600" dirty="0" err="1">
-                <a:latin typeface="Consolas" pitchFamily="49" charset="0"/>
-                <a:cs typeface="Consolas" pitchFamily="49" charset="0"/>
-              </a:rPr>
-              <a:t>std</a:t>
-            </a:r>
-            <a:r>
-              <a:rPr lang="pt-BR" sz="1600" dirty="0">
-                <a:latin typeface="Consolas" pitchFamily="49" charset="0"/>
-                <a:cs typeface="Consolas" pitchFamily="49" charset="0"/>
-              </a:rPr>
-              <a:t>;</a:t>
-            </a:r>
-          </a:p>
-          <a:p>
-            <a:endParaRPr lang="pt-BR" sz="1600" dirty="0">
-              <a:solidFill>
-                <a:schemeClr val="accent2">
-                  <a:lumMod val="60000"/>
-                  <a:lumOff val="40000"/>
-                </a:schemeClr>
-              </a:solidFill>
-              <a:latin typeface="Consolas" pitchFamily="49" charset="0"/>
-              <a:cs typeface="Consolas" pitchFamily="49" charset="0"/>
-            </a:endParaRPr>
-          </a:p>
-          <a:p>
-            <a:r>
-              <a:rPr lang="pt-BR" sz="1600" dirty="0" err="1">
-                <a:solidFill>
-                  <a:schemeClr val="accent3">
-                    <a:lumMod val="75000"/>
-                  </a:schemeClr>
-                </a:solidFill>
-                <a:latin typeface="Consolas" pitchFamily="49" charset="0"/>
-                <a:cs typeface="Consolas" pitchFamily="49" charset="0"/>
-              </a:rPr>
-              <a:t>int</a:t>
-            </a:r>
-            <a:r>
-              <a:rPr lang="pt-BR" sz="1600" dirty="0">
-                <a:latin typeface="Consolas" pitchFamily="49" charset="0"/>
-                <a:cs typeface="Consolas" pitchFamily="49" charset="0"/>
-              </a:rPr>
-              <a:t> </a:t>
-            </a:r>
-            <a:r>
-              <a:rPr lang="pt-BR" sz="1600" dirty="0" err="1">
-                <a:latin typeface="Consolas" pitchFamily="49" charset="0"/>
-                <a:cs typeface="Consolas" pitchFamily="49" charset="0"/>
-              </a:rPr>
-              <a:t>main</a:t>
-            </a:r>
-            <a:r>
-              <a:rPr lang="pt-BR" sz="1600" dirty="0">
-                <a:latin typeface="Consolas" pitchFamily="49" charset="0"/>
-                <a:cs typeface="Consolas" pitchFamily="49" charset="0"/>
-              </a:rPr>
-              <a:t>()</a:t>
-            </a:r>
-          </a:p>
-          <a:p>
-            <a:r>
-              <a:rPr lang="pt-BR" sz="1600" dirty="0">
-                <a:latin typeface="Consolas" pitchFamily="49" charset="0"/>
-                <a:cs typeface="Consolas" pitchFamily="49" charset="0"/>
-              </a:rPr>
-              <a:t>{</a:t>
-            </a:r>
-          </a:p>
-          <a:p>
-            <a:r>
-              <a:rPr lang="pt-BR" sz="1600" dirty="0">
-                <a:latin typeface="Consolas" pitchFamily="49" charset="0"/>
-                <a:cs typeface="Consolas" pitchFamily="49" charset="0"/>
-              </a:rPr>
-              <a:t>     </a:t>
-            </a:r>
-            <a:r>
-              <a:rPr lang="pt-BR" sz="1600" dirty="0" err="1">
-                <a:solidFill>
-                  <a:schemeClr val="accent3">
-                    <a:lumMod val="75000"/>
-                  </a:schemeClr>
-                </a:solidFill>
-                <a:latin typeface="Consolas" pitchFamily="49" charset="0"/>
-                <a:cs typeface="Consolas" pitchFamily="49" charset="0"/>
-              </a:rPr>
-              <a:t>int</a:t>
-            </a:r>
-            <a:r>
-              <a:rPr lang="pt-BR" sz="1600" dirty="0">
-                <a:latin typeface="Consolas" pitchFamily="49" charset="0"/>
-                <a:cs typeface="Consolas" pitchFamily="49" charset="0"/>
-              </a:rPr>
-              <a:t> A[3] = {2, 5, 6};</a:t>
-            </a:r>
-          </a:p>
-          <a:p>
-            <a:endParaRPr lang="pt-BR" sz="1600" dirty="0">
-              <a:latin typeface="Consolas" pitchFamily="49" charset="0"/>
-              <a:cs typeface="Consolas" pitchFamily="49" charset="0"/>
-            </a:endParaRPr>
-          </a:p>
-          <a:p>
-            <a:r>
-              <a:rPr lang="pt-BR" sz="1600" dirty="0">
-                <a:latin typeface="Consolas" pitchFamily="49" charset="0"/>
-                <a:cs typeface="Consolas" pitchFamily="49" charset="0"/>
-              </a:rPr>
-              <a:t>     </a:t>
-            </a:r>
-            <a:r>
-              <a:rPr lang="pt-BR" sz="1600" dirty="0">
-                <a:solidFill>
-                  <a:schemeClr val="accent3">
-                    <a:lumMod val="75000"/>
-                  </a:schemeClr>
-                </a:solidFill>
-                <a:latin typeface="Consolas" pitchFamily="49" charset="0"/>
-                <a:cs typeface="Consolas" pitchFamily="49" charset="0"/>
-              </a:rPr>
-              <a:t>vector</a:t>
-            </a:r>
-            <a:r>
-              <a:rPr lang="pt-BR" sz="1600" dirty="0">
-                <a:latin typeface="Consolas" pitchFamily="49" charset="0"/>
-                <a:cs typeface="Consolas" pitchFamily="49" charset="0"/>
-              </a:rPr>
-              <a:t>&lt;</a:t>
-            </a:r>
-            <a:r>
-              <a:rPr lang="pt-BR" sz="1600" dirty="0" err="1">
-                <a:solidFill>
-                  <a:schemeClr val="accent3">
-                    <a:lumMod val="75000"/>
-                  </a:schemeClr>
-                </a:solidFill>
-                <a:latin typeface="Consolas" pitchFamily="49" charset="0"/>
-                <a:cs typeface="Consolas" pitchFamily="49" charset="0"/>
-              </a:rPr>
-              <a:t>int</a:t>
-            </a:r>
-            <a:r>
-              <a:rPr lang="pt-BR" sz="1600" dirty="0">
-                <a:latin typeface="Consolas" pitchFamily="49" charset="0"/>
-                <a:cs typeface="Consolas" pitchFamily="49" charset="0"/>
-              </a:rPr>
-              <a:t>&gt; B(3);</a:t>
-            </a:r>
-          </a:p>
-          <a:p>
-            <a:r>
-              <a:rPr lang="pt-BR" sz="1600" dirty="0">
-                <a:latin typeface="Consolas" pitchFamily="49" charset="0"/>
-                <a:cs typeface="Consolas" pitchFamily="49" charset="0"/>
-              </a:rPr>
-              <a:t>     B[0] = 2;    </a:t>
-            </a:r>
-            <a:r>
-              <a:rPr lang="pt-BR" sz="1600" dirty="0">
-                <a:solidFill>
-                  <a:schemeClr val="tx1">
-                    <a:lumMod val="50000"/>
-                  </a:schemeClr>
-                </a:solidFill>
-                <a:latin typeface="Consolas" pitchFamily="49" charset="0"/>
-                <a:cs typeface="Consolas" pitchFamily="49" charset="0"/>
-              </a:rPr>
-              <a:t>// não há uma inicialização simples em C++98</a:t>
-            </a:r>
-          </a:p>
-          <a:p>
-            <a:r>
-              <a:rPr lang="pt-BR" sz="1600" dirty="0">
-                <a:latin typeface="Consolas" pitchFamily="49" charset="0"/>
-                <a:cs typeface="Consolas" pitchFamily="49" charset="0"/>
-              </a:rPr>
-              <a:t>     B[1] = 5;</a:t>
-            </a:r>
-          </a:p>
-          <a:p>
-            <a:r>
-              <a:rPr lang="pt-BR" sz="1600" dirty="0">
-                <a:latin typeface="Consolas" pitchFamily="49" charset="0"/>
-                <a:cs typeface="Consolas" pitchFamily="49" charset="0"/>
-              </a:rPr>
-              <a:t>     B[2] = 6;</a:t>
-            </a:r>
-          </a:p>
-          <a:p>
-            <a:r>
-              <a:rPr lang="pt-BR" sz="1600" dirty="0">
-                <a:latin typeface="Consolas" pitchFamily="49" charset="0"/>
-                <a:cs typeface="Consolas" pitchFamily="49" charset="0"/>
-              </a:rPr>
-              <a:t>          </a:t>
-            </a:r>
-          </a:p>
-          <a:p>
-            <a:r>
-              <a:rPr lang="pt-BR" sz="1600" dirty="0">
-                <a:latin typeface="Consolas" pitchFamily="49" charset="0"/>
-                <a:cs typeface="Consolas" pitchFamily="49" charset="0"/>
-              </a:rPr>
-              <a:t>     </a:t>
-            </a:r>
-            <a:r>
-              <a:rPr lang="pt-BR" sz="1600" dirty="0" err="1">
-                <a:solidFill>
-                  <a:schemeClr val="accent3">
-                    <a:lumMod val="75000"/>
-                  </a:schemeClr>
-                </a:solidFill>
-                <a:latin typeface="Consolas" pitchFamily="49" charset="0"/>
-                <a:cs typeface="Consolas" pitchFamily="49" charset="0"/>
-              </a:rPr>
-              <a:t>array</a:t>
-            </a:r>
-            <a:r>
-              <a:rPr lang="pt-BR" sz="1600" dirty="0">
-                <a:latin typeface="Consolas" pitchFamily="49" charset="0"/>
-                <a:cs typeface="Consolas" pitchFamily="49" charset="0"/>
-              </a:rPr>
-              <a:t>&lt;</a:t>
-            </a:r>
-            <a:r>
-              <a:rPr lang="pt-BR" sz="1600" dirty="0">
-                <a:solidFill>
-                  <a:schemeClr val="accent3">
-                    <a:lumMod val="75000"/>
-                  </a:schemeClr>
-                </a:solidFill>
-                <a:latin typeface="Consolas" pitchFamily="49" charset="0"/>
-                <a:cs typeface="Consolas" pitchFamily="49" charset="0"/>
-              </a:rPr>
-              <a:t>int</a:t>
-            </a:r>
-            <a:r>
-              <a:rPr lang="pt-BR" sz="1600" dirty="0">
-                <a:latin typeface="Consolas" pitchFamily="49" charset="0"/>
-                <a:cs typeface="Consolas" pitchFamily="49" charset="0"/>
-              </a:rPr>
-              <a:t>,5&gt; C = {2, 5, 6, 8, 9};  </a:t>
-            </a:r>
-            <a:r>
-              <a:rPr lang="pt-BR" sz="1600" dirty="0">
-                <a:solidFill>
-                  <a:schemeClr val="tx1">
-                    <a:lumMod val="50000"/>
-                  </a:schemeClr>
-                </a:solidFill>
-                <a:latin typeface="Consolas" pitchFamily="49" charset="0"/>
-                <a:cs typeface="Consolas" pitchFamily="49" charset="0"/>
-              </a:rPr>
-              <a:t>// inicialização em C++11</a:t>
-            </a:r>
-          </a:p>
-          <a:p>
-            <a:endParaRPr lang="pt-BR" sz="1600" dirty="0">
-              <a:latin typeface="Consolas" pitchFamily="49" charset="0"/>
-              <a:cs typeface="Consolas" pitchFamily="49" charset="0"/>
-            </a:endParaRPr>
-          </a:p>
-          <a:p>
-            <a:r>
-              <a:rPr lang="pt-BR" sz="1600" dirty="0">
-                <a:latin typeface="Consolas" pitchFamily="49" charset="0"/>
-                <a:cs typeface="Consolas" pitchFamily="49" charset="0"/>
-              </a:rPr>
-              <a:t>     </a:t>
-            </a:r>
-            <a:r>
-              <a:rPr lang="pt-BR" sz="1600" dirty="0" err="1">
-                <a:latin typeface="Consolas" pitchFamily="49" charset="0"/>
-                <a:cs typeface="Consolas" pitchFamily="49" charset="0"/>
-              </a:rPr>
-              <a:t>cout</a:t>
-            </a:r>
-            <a:r>
-              <a:rPr lang="pt-BR" sz="1600" dirty="0">
-                <a:latin typeface="Consolas" pitchFamily="49" charset="0"/>
-                <a:cs typeface="Consolas" pitchFamily="49" charset="0"/>
-              </a:rPr>
-              <a:t> &lt;&lt; A[2] &lt;&lt; </a:t>
-            </a:r>
-            <a:r>
-              <a:rPr lang="pt-BR" sz="1600" dirty="0">
-                <a:solidFill>
-                  <a:schemeClr val="accent2">
-                    <a:lumMod val="60000"/>
-                    <a:lumOff val="40000"/>
-                  </a:schemeClr>
-                </a:solidFill>
-                <a:latin typeface="Consolas" pitchFamily="49" charset="0"/>
-                <a:cs typeface="Consolas" pitchFamily="49" charset="0"/>
-              </a:rPr>
-              <a:t>" "</a:t>
-            </a:r>
-            <a:r>
-              <a:rPr lang="pt-BR" sz="1600" dirty="0">
-                <a:latin typeface="Consolas" pitchFamily="49" charset="0"/>
-                <a:cs typeface="Consolas" pitchFamily="49" charset="0"/>
-              </a:rPr>
-              <a:t> &lt;&lt; B[2] &lt;&lt; </a:t>
-            </a:r>
-            <a:r>
-              <a:rPr lang="pt-BR" sz="1600" dirty="0">
-                <a:solidFill>
-                  <a:schemeClr val="accent2">
-                    <a:lumMod val="60000"/>
-                    <a:lumOff val="40000"/>
-                  </a:schemeClr>
-                </a:solidFill>
-                <a:latin typeface="Consolas" pitchFamily="49" charset="0"/>
-                <a:cs typeface="Consolas" pitchFamily="49" charset="0"/>
-              </a:rPr>
-              <a:t>" " </a:t>
-            </a:r>
-            <a:r>
-              <a:rPr lang="pt-BR" sz="1600" dirty="0">
-                <a:latin typeface="Consolas" pitchFamily="49" charset="0"/>
-                <a:cs typeface="Consolas" pitchFamily="49" charset="0"/>
-              </a:rPr>
-              <a:t>&lt;&lt; C[2] &lt;&lt; </a:t>
-            </a:r>
-            <a:r>
-              <a:rPr lang="pt-BR" sz="1600" dirty="0" err="1">
-                <a:latin typeface="Consolas" pitchFamily="49" charset="0"/>
-                <a:cs typeface="Consolas" pitchFamily="49" charset="0"/>
-              </a:rPr>
-              <a:t>endl</a:t>
-            </a:r>
-            <a:r>
-              <a:rPr lang="pt-BR" sz="1600" dirty="0">
-                <a:latin typeface="Consolas" pitchFamily="49" charset="0"/>
-                <a:cs typeface="Consolas" pitchFamily="49" charset="0"/>
-              </a:rPr>
-              <a:t>;     </a:t>
-            </a:r>
-          </a:p>
-          <a:p>
-            <a:r>
-              <a:rPr lang="pt-BR" sz="1600" dirty="0">
-                <a:latin typeface="Consolas" pitchFamily="49" charset="0"/>
-                <a:cs typeface="Consolas" pitchFamily="49" charset="0"/>
-              </a:rPr>
-              <a:t>}</a:t>
-            </a:r>
-            <a:endParaRPr lang="pt-BR" sz="1600" dirty="0">
-              <a:solidFill>
-                <a:schemeClr val="tx1">
-                  <a:lumMod val="50000"/>
-                </a:schemeClr>
-              </a:solidFill>
-              <a:latin typeface="Consolas" pitchFamily="49" charset="0"/>
-              <a:cs typeface="Consolas" pitchFamily="49" charset="0"/>
-            </a:endParaRPr>
-          </a:p>
-        </p:txBody>
-      </p:sp>
-    </p:spTree>
-    <p:extLst>
-      <p:ext uri="{BB962C8B-B14F-4D97-AF65-F5344CB8AC3E}">
-        <p14:creationId xmlns:p14="http://schemas.microsoft.com/office/powerpoint/2010/main" val="2930930696"/>
-      </p:ext>
-    </p:extLst>
-  </p:cSld>
-  <p:clrMapOvr>
-    <a:masterClrMapping/>
-  </p:clrMapOvr>
-</p:sld>
-</file>
-
-<file path=ppt/slides/slide31.xml><?xml version="1.0" encoding="utf-8"?>
-<p:sld xmlns:a="http://schemas.openxmlformats.org/drawingml/2006/main" xmlns:r="http://schemas.openxmlformats.org/officeDocument/2006/relationships" xmlns:p="http://schemas.openxmlformats.org/presentationml/2006/main">
-  <p:cSld>
-    <p:spTree>
-      <p:nvGrpSpPr>
-        <p:cNvPr id="1" name=""/>
-        <p:cNvGrpSpPr/>
-        <p:nvPr/>
-      </p:nvGrpSpPr>
-      <p:grpSpPr>
-        <a:xfrm>
-          <a:off x="0" y="0"/>
-          <a:ext cx="0" cy="0"/>
-          <a:chOff x="0" y="0"/>
-          <a:chExt cx="0" cy="0"/>
-        </a:xfrm>
-      </p:grpSpPr>
-      <p:sp>
-        <p:nvSpPr>
-          <p:cNvPr id="2" name="Título 1"/>
-          <p:cNvSpPr>
-            <a:spLocks noGrp="1"/>
-          </p:cNvSpPr>
-          <p:nvPr>
-            <p:ph type="title"/>
-          </p:nvPr>
-        </p:nvSpPr>
-        <p:spPr/>
-        <p:txBody>
-          <a:bodyPr/>
-          <a:lstStyle/>
-          <a:p>
-            <a:r>
-              <a:rPr lang="pt-BR" dirty="0"/>
               <a:t>Resumo</a:t>
             </a:r>
           </a:p>
@@ -24687,15 +26028,30 @@
               </a:rPr>
               <a:t>múltiplos valores</a:t>
             </a:r>
+          </a:p>
+          <a:p>
+            <a:pPr lvl="1"/>
             <a:r>
               <a:rPr lang="pt-BR" dirty="0"/>
-              <a:t>, todos do mesmo tipo, sob um único identificador</a:t>
+              <a:t>Todos do mesmo tipo</a:t>
+            </a:r>
+          </a:p>
+          <a:p>
+            <a:pPr lvl="1">
+              <a:spcAft>
+                <a:spcPts val="1800"/>
+              </a:spcAft>
+            </a:pPr>
+            <a:r>
+              <a:rPr lang="pt-BR" dirty="0"/>
+              <a:t>Usando um único identificador</a:t>
             </a:r>
           </a:p>
           <a:p>
             <a:endParaRPr lang="pt-BR" dirty="0"/>
           </a:p>
           <a:p>
+            <a:pPr lvl="2"/>
             <a:r>
               <a:rPr lang="pt-BR" dirty="0"/>
               <a:t>Os elementos de um vetor são acessados através de </a:t>
@@ -24715,6 +26071,7 @@
             <a:endParaRPr lang="pt-BR" dirty="0"/>
           </a:p>
           <a:p>
+            <a:pPr lvl="2"/>
             <a:r>
               <a:rPr lang="pt-BR" dirty="0"/>
               <a:t>Um vetor pode ser </a:t>
@@ -24740,7 +26097,7 @@
         </p:nvSpPr>
         <p:spPr>
           <a:xfrm>
-            <a:off x="1703512" y="5085184"/>
+            <a:off x="2257728" y="5518973"/>
             <a:ext cx="6286544" cy="646331"/>
           </a:xfrm>
           <a:prstGeom prst="rect">
@@ -24803,7 +26160,7 @@
         </p:nvSpPr>
         <p:spPr>
           <a:xfrm>
-            <a:off x="1703512" y="2852936"/>
+            <a:off x="1991544" y="3407242"/>
             <a:ext cx="6286544" cy="369332"/>
           </a:xfrm>
           <a:prstGeom prst="rect">
@@ -24884,7 +26241,7 @@
         </p:nvSpPr>
         <p:spPr>
           <a:xfrm>
-            <a:off x="1703512" y="3927383"/>
+            <a:off x="2257728" y="4571990"/>
             <a:ext cx="6286544" cy="369332"/>
           </a:xfrm>
           <a:prstGeom prst="rect">
@@ -25513,7 +26870,9 @@
         </p:nvSpPr>
         <p:spPr/>
         <p:txBody>
-          <a:bodyPr/>
+          <a:bodyPr>
+            <a:normAutofit/>
+          </a:bodyPr>
           <a:lstStyle/>
           <a:p>
             <a:r>
@@ -25546,7 +26905,14 @@
             </a:r>
             <a:r>
               <a:rPr lang="pt-BR" dirty="0"/>
-              <a:t>, tipos que armazenam múltiplos valores:</a:t>
+              <a:t>, </a:t>
+            </a:r>
+            <a:br>
+              <a:rPr lang="pt-BR" dirty="0"/>
+            </a:br>
+            <a:r>
+              <a:rPr lang="pt-BR" dirty="0"/>
+              <a:t>tipos que armazenam múltiplos valores:</a:t>
             </a:r>
           </a:p>
           <a:p>
@@ -25603,7 +26969,26 @@
                   </a:schemeClr>
                 </a:solidFill>
               </a:rPr>
-              <a:t>formadas a partir dos tipos básicos de dados</a:t>
+              <a:t>formadas </a:t>
+            </a:r>
+            <a:br>
+              <a:rPr lang="pt-BR" dirty="0">
+                <a:solidFill>
+                  <a:schemeClr val="accent3">
+                    <a:lumMod val="75000"/>
+                  </a:schemeClr>
+                </a:solidFill>
+              </a:rPr>
+            </a:br>
+            <a:r>
+              <a:rPr lang="pt-BR" dirty="0">
+                <a:solidFill>
+                  <a:schemeClr val="accent3">
+                    <a:lumMod val="75000"/>
+                  </a:schemeClr>
+                </a:solidFill>
+              </a:rPr>
+              <a:t>a partir dos tipos básicos de dados</a:t>
             </a:r>
             <a:r>
               <a:rPr lang="pt-BR" dirty="0"/>
@@ -27868,7 +29253,7 @@
               <a:buNone/>
             </a:pPr>
             <a:r>
-              <a:rPr lang="pt-BR" sz="2000" dirty="0">
+              <a:rPr lang="pt-BR" sz="2000" dirty="0" err="1">
                 <a:solidFill>
                   <a:schemeClr val="accent3">
                     <a:lumMod val="75000"/>
@@ -27882,7 +29267,19 @@
               <a:rPr lang="pt-BR" sz="2000" dirty="0">
                 <a:latin typeface="+mj-lt"/>
               </a:rPr>
-              <a:t> x = 30; </a:t>
+              <a:t> </a:t>
+            </a:r>
+            <a:r>
+              <a:rPr lang="pt-BR" sz="2000" dirty="0" err="1">
+                <a:latin typeface="+mj-lt"/>
+              </a:rPr>
+              <a:t>tam</a:t>
+            </a:r>
+            <a:r>
+              <a:rPr lang="pt-BR" sz="2000" dirty="0">
+                <a:latin typeface="+mj-lt"/>
+              </a:rPr>
+              <a:t> = 30; </a:t>
             </a:r>
           </a:p>
           <a:p>
@@ -27904,7 +29301,19 @@
               <a:rPr lang="pt-BR" sz="2000" dirty="0">
                 <a:latin typeface="+mj-lt"/>
               </a:rPr>
-              <a:t> notas[x]; </a:t>
+              <a:t> notas[</a:t>
+            </a:r>
+            <a:r>
+              <a:rPr lang="pt-BR" sz="2000" dirty="0" err="1">
+                <a:latin typeface="+mj-lt"/>
+              </a:rPr>
+              <a:t>tam</a:t>
+            </a:r>
+            <a:r>
+              <a:rPr lang="pt-BR" sz="2000" dirty="0">
+                <a:latin typeface="+mj-lt"/>
+              </a:rPr>
+              <a:t>]; </a:t>
             </a:r>
             <a:r>
               <a:rPr lang="pt-BR" sz="2000" b="1" dirty="0">
@@ -27912,7 +29321,7 @@
                   <a:srgbClr val="FF0000"/>
                 </a:solidFill>
               </a:rPr>
-              <a:t>X    </a:t>
+              <a:t>x    </a:t>
             </a:r>
             <a:r>
               <a:rPr lang="pt-BR" sz="2000" dirty="0">
@@ -27923,7 +29332,29 @@
                 </a:solidFill>
                 <a:latin typeface="+mj-lt"/>
               </a:rPr>
-              <a:t>// inválido, x não é constante</a:t>
+              <a:t>// inválido, </a:t>
+            </a:r>
+            <a:r>
+              <a:rPr lang="pt-BR" sz="2000" dirty="0" err="1">
+                <a:solidFill>
+                  <a:schemeClr val="tx1">
+                    <a:lumMod val="50000"/>
+                  </a:schemeClr>
+                </a:solidFill>
+                <a:latin typeface="+mj-lt"/>
+              </a:rPr>
+              <a:t>tam</a:t>
+            </a:r>
+            <a:r>
+              <a:rPr lang="pt-BR" sz="2000" dirty="0">
+                <a:solidFill>
+                  <a:schemeClr val="tx1">
+                    <a:lumMod val="50000"/>
+                  </a:schemeClr>
+                </a:solidFill>
+                <a:latin typeface="+mj-lt"/>
+              </a:rPr>
+              <a:t> não é constante</a:t>
             </a:r>
           </a:p>
           <a:p>
@@ -27939,7 +29370,7 @@
               <a:buNone/>
             </a:pPr>
             <a:r>
-              <a:rPr lang="pt-BR" sz="2000" dirty="0">
+              <a:rPr lang="pt-BR" sz="2000" dirty="0" err="1">
                 <a:solidFill>
                   <a:schemeClr val="accent3">
                     <a:lumMod val="75000"/>
@@ -27953,7 +29384,19 @@
               <a:rPr lang="pt-BR" sz="2000" dirty="0">
                 <a:latin typeface="+mj-lt"/>
               </a:rPr>
-              <a:t> y; </a:t>
+              <a:t> </a:t>
+            </a:r>
+            <a:r>
+              <a:rPr lang="pt-BR" sz="2000" dirty="0" err="1">
+                <a:latin typeface="+mj-lt"/>
+              </a:rPr>
+              <a:t>quant</a:t>
+            </a:r>
+            <a:r>
+              <a:rPr lang="pt-BR" sz="2000" dirty="0">
+                <a:latin typeface="+mj-lt"/>
+              </a:rPr>
+              <a:t>; </a:t>
             </a:r>
           </a:p>
           <a:p>
@@ -27970,7 +29413,19 @@
               <a:rPr lang="pt-BR" sz="2000" dirty="0">
                 <a:latin typeface="+mj-lt"/>
               </a:rPr>
-              <a:t> &gt;&gt; y;</a:t>
+              <a:t> &gt;&gt; </a:t>
+            </a:r>
+            <a:r>
+              <a:rPr lang="pt-BR" sz="2000" dirty="0" err="1">
+                <a:latin typeface="+mj-lt"/>
+              </a:rPr>
+              <a:t>quant</a:t>
+            </a:r>
+            <a:r>
+              <a:rPr lang="pt-BR" sz="2000" dirty="0">
+                <a:latin typeface="+mj-lt"/>
+              </a:rPr>
+              <a:t>;</a:t>
             </a:r>
           </a:p>
           <a:p>
@@ -27992,7 +29447,19 @@
               <a:rPr lang="pt-BR" sz="2000" dirty="0">
                 <a:latin typeface="+mj-lt"/>
               </a:rPr>
-              <a:t> notas[y]; </a:t>
+              <a:t> notas[</a:t>
+            </a:r>
+            <a:r>
+              <a:rPr lang="pt-BR" sz="2000" dirty="0" err="1">
+                <a:latin typeface="+mj-lt"/>
+              </a:rPr>
+              <a:t>quant</a:t>
+            </a:r>
+            <a:r>
+              <a:rPr lang="pt-BR" sz="2000" dirty="0">
+                <a:latin typeface="+mj-lt"/>
+              </a:rPr>
+              <a:t>]; </a:t>
             </a:r>
             <a:r>
               <a:rPr lang="pt-BR" sz="2000" b="1" dirty="0">
@@ -28000,7 +29467,7 @@
                   <a:srgbClr val="FF0000"/>
                 </a:solidFill>
               </a:rPr>
-              <a:t>X</a:t>
+              <a:t>x</a:t>
             </a:r>
             <a:r>
               <a:rPr lang="pt-BR" sz="2000" dirty="0">
@@ -28017,7 +29484,29 @@
                 </a:solidFill>
                 <a:latin typeface="+mj-lt"/>
               </a:rPr>
-              <a:t>// inválido, y não é constante </a:t>
+              <a:t>// inválido, </a:t>
+            </a:r>
+            <a:r>
+              <a:rPr lang="pt-BR" sz="2000" dirty="0" err="1">
+                <a:solidFill>
+                  <a:schemeClr val="tx1">
+                    <a:lumMod val="50000"/>
+                  </a:schemeClr>
+                </a:solidFill>
+                <a:latin typeface="+mj-lt"/>
+              </a:rPr>
+              <a:t>quant</a:t>
+            </a:r>
+            <a:r>
+              <a:rPr lang="pt-BR" sz="2000" dirty="0">
+                <a:solidFill>
+                  <a:schemeClr val="tx1">
+                    <a:lumMod val="50000"/>
+                  </a:schemeClr>
+                </a:solidFill>
+                <a:latin typeface="+mj-lt"/>
+              </a:rPr>
+              <a:t> não é constante </a:t>
             </a:r>
             <a:endParaRPr lang="pt-BR" dirty="0">
               <a:solidFill>

--- a/Slides/10. Vetores.pptx
+++ b/Slides/10. Vetores.pptx
@@ -344,10 +344,25 @@
   <pc:docChgLst>
     <pc:chgData name="Judson Santiago" userId="ebb108da2f256286" providerId="LiveId" clId="{10DB17C9-CFD9-4933-98D9-9151A553522B}"/>
     <pc:docChg chg="undo custSel delSld modSld modMainMaster">
-      <pc:chgData name="Judson Santiago" userId="ebb108da2f256286" providerId="LiveId" clId="{10DB17C9-CFD9-4933-98D9-9151A553522B}" dt="2021-04-05T19:50:17.091" v="1354" actId="20577"/>
+      <pc:chgData name="Judson Santiago" userId="ebb108da2f256286" providerId="LiveId" clId="{10DB17C9-CFD9-4933-98D9-9151A553522B}" dt="2021-04-08T03:53:59.759" v="1356" actId="20577"/>
       <pc:docMkLst>
         <pc:docMk/>
       </pc:docMkLst>
+      <pc:sldChg chg="modSp mod">
+        <pc:chgData name="Judson Santiago" userId="ebb108da2f256286" providerId="LiveId" clId="{10DB17C9-CFD9-4933-98D9-9151A553522B}" dt="2021-04-08T03:53:59.759" v="1356" actId="20577"/>
+        <pc:sldMkLst>
+          <pc:docMk/>
+          <pc:sldMk cId="0" sldId="256"/>
+        </pc:sldMkLst>
+        <pc:spChg chg="mod">
+          <ac:chgData name="Judson Santiago" userId="ebb108da2f256286" providerId="LiveId" clId="{10DB17C9-CFD9-4933-98D9-9151A553522B}" dt="2021-04-08T03:53:59.759" v="1356" actId="20577"/>
+          <ac:spMkLst>
+            <pc:docMk/>
+            <pc:sldMk cId="0" sldId="256"/>
+            <ac:spMk id="3" creationId="{00000000-0000-0000-0000-000000000000}"/>
+          </ac:spMkLst>
+        </pc:spChg>
+      </pc:sldChg>
       <pc:sldChg chg="modSp mod">
         <pc:chgData name="Judson Santiago" userId="ebb108da2f256286" providerId="LiveId" clId="{10DB17C9-CFD9-4933-98D9-9151A553522B}" dt="2021-04-05T17:51:29.524" v="779" actId="20577"/>
         <pc:sldMkLst>
@@ -2426,7 +2441,7 @@
             <a:fld id="{C316FC6E-831B-4C5E-8751-6BBED6FFBE8E}" type="datetimeFigureOut">
               <a:rPr lang="pt-BR" smtClean="0"/>
               <a:pPr/>
-              <a:t>05/04/2021</a:t>
+              <a:t>08/04/2021</a:t>
             </a:fld>
             <a:endParaRPr lang="pt-BR"/>
           </a:p>
@@ -4599,7 +4614,7 @@
             <a:fld id="{D7C55EEC-0318-498A-BF02-D605D7177864}" type="datetimeFigureOut">
               <a:rPr lang="pt-BR" smtClean="0"/>
               <a:pPr/>
-              <a:t>05/04/2021</a:t>
+              <a:t>08/04/2021</a:t>
             </a:fld>
             <a:endParaRPr lang="pt-BR"/>
           </a:p>
@@ -5154,7 +5169,7 @@
             <a:fld id="{D7C55EEC-0318-498A-BF02-D605D7177864}" type="datetimeFigureOut">
               <a:rPr lang="pt-BR" smtClean="0"/>
               <a:pPr/>
-              <a:t>05/04/2021</a:t>
+              <a:t>08/04/2021</a:t>
             </a:fld>
             <a:endParaRPr lang="pt-BR"/>
           </a:p>
@@ -5331,7 +5346,7 @@
             <a:fld id="{D7C55EEC-0318-498A-BF02-D605D7177864}" type="datetimeFigureOut">
               <a:rPr lang="pt-BR" smtClean="0"/>
               <a:pPr/>
-              <a:t>05/04/2021</a:t>
+              <a:t>08/04/2021</a:t>
             </a:fld>
             <a:endParaRPr lang="pt-BR"/>
           </a:p>
@@ -5498,7 +5513,7 @@
             <a:fld id="{D7C55EEC-0318-498A-BF02-D605D7177864}" type="datetimeFigureOut">
               <a:rPr lang="pt-BR" smtClean="0"/>
               <a:pPr/>
-              <a:t>05/04/2021</a:t>
+              <a:t>08/04/2021</a:t>
             </a:fld>
             <a:endParaRPr lang="pt-BR"/>
           </a:p>
@@ -6947,7 +6962,7 @@
             <a:fld id="{D7C55EEC-0318-498A-BF02-D605D7177864}" type="datetimeFigureOut">
               <a:rPr lang="pt-BR" smtClean="0"/>
               <a:pPr/>
-              <a:t>05/04/2021</a:t>
+              <a:t>08/04/2021</a:t>
             </a:fld>
             <a:endParaRPr lang="pt-BR"/>
           </a:p>
@@ -7529,7 +7544,7 @@
             <a:fld id="{D7C55EEC-0318-498A-BF02-D605D7177864}" type="datetimeFigureOut">
               <a:rPr lang="pt-BR" smtClean="0"/>
               <a:pPr/>
-              <a:t>05/04/2021</a:t>
+              <a:t>08/04/2021</a:t>
             </a:fld>
             <a:endParaRPr lang="pt-BR"/>
           </a:p>
@@ -7960,7 +7975,7 @@
             <a:fld id="{D7C55EEC-0318-498A-BF02-D605D7177864}" type="datetimeFigureOut">
               <a:rPr lang="pt-BR" smtClean="0"/>
               <a:pPr/>
-              <a:t>05/04/2021</a:t>
+              <a:t>08/04/2021</a:t>
             </a:fld>
             <a:endParaRPr lang="pt-BR"/>
           </a:p>
@@ -8499,7 +8514,7 @@
             <a:fld id="{D7C55EEC-0318-498A-BF02-D605D7177864}" type="datetimeFigureOut">
               <a:rPr lang="pt-BR" smtClean="0"/>
               <a:pPr/>
-              <a:t>05/04/2021</a:t>
+              <a:t>08/04/2021</a:t>
             </a:fld>
             <a:endParaRPr lang="pt-BR"/>
           </a:p>
@@ -8591,7 +8606,7 @@
             <a:fld id="{D7C55EEC-0318-498A-BF02-D605D7177864}" type="datetimeFigureOut">
               <a:rPr lang="pt-BR" smtClean="0"/>
               <a:pPr/>
-              <a:t>05/04/2021</a:t>
+              <a:t>08/04/2021</a:t>
             </a:fld>
             <a:endParaRPr lang="pt-BR"/>
           </a:p>
@@ -8841,7 +8856,7 @@
             <a:fld id="{D7C55EEC-0318-498A-BF02-D605D7177864}" type="datetimeFigureOut">
               <a:rPr lang="pt-BR" smtClean="0"/>
               <a:pPr/>
-              <a:t>05/04/2021</a:t>
+              <a:t>08/04/2021</a:t>
             </a:fld>
             <a:endParaRPr lang="pt-BR"/>
           </a:p>
@@ -9556,7 +9571,7 @@
             <a:fld id="{D7C55EEC-0318-498A-BF02-D605D7177864}" type="datetimeFigureOut">
               <a:rPr lang="pt-BR" smtClean="0"/>
               <a:pPr/>
-              <a:t>05/04/2021</a:t>
+              <a:t>08/04/2021</a:t>
             </a:fld>
             <a:endParaRPr lang="pt-BR"/>
           </a:p>
@@ -9837,7 +9852,7 @@
             <a:fld id="{D7C55EEC-0318-498A-BF02-D605D7177864}" type="datetimeFigureOut">
               <a:rPr lang="pt-BR" smtClean="0"/>
               <a:pPr/>
-              <a:t>05/04/2021</a:t>
+              <a:t>08/04/2021</a:t>
             </a:fld>
             <a:endParaRPr lang="pt-BR"/>
           </a:p>
